--- a/v1_M2_Airbnb_Listings_Bangkok_Irma.pptx
+++ b/v1_M2_Airbnb_Listings_Bangkok_Irma.pptx
@@ -134,7 +134,7 @@
 <file path=ppt/revisionInfo.xml><?xml version="1.0" encoding="utf-8"?>
 <p1510:revInfo xmlns:a="http://schemas.openxmlformats.org/drawingml/2006/main" xmlns:r="http://schemas.openxmlformats.org/officeDocument/2006/relationships" xmlns:p1510="http://schemas.microsoft.com/office/powerpoint/2015/10/main">
   <p1510:revLst>
-    <p1510:client id="{CCC06331-3BCE-406E-9508-8C959A6AA5F3}" v="504" dt="2024-08-25T13:08:21.612"/>
+    <p1510:client id="{CCC06331-3BCE-406E-9508-8C959A6AA5F3}" v="528" dt="2024-08-25T16:14:03.459"/>
   </p1510:revLst>
 </p1510:revInfo>
 </file>
@@ -144,7 +144,7 @@
   <pc:docChgLst>
     <pc:chgData name="Irma Lusyana Manik" userId="5f588844-9471-4359-8d7d-be9c7a016a69" providerId="ADAL" clId="{CCC06331-3BCE-406E-9508-8C959A6AA5F3}"/>
     <pc:docChg chg="undo custSel addSld delSld modSld sldOrd modMainMaster">
-      <pc:chgData name="Irma Lusyana Manik" userId="5f588844-9471-4359-8d7d-be9c7a016a69" providerId="ADAL" clId="{CCC06331-3BCE-406E-9508-8C959A6AA5F3}" dt="2024-08-25T13:39:50.129" v="3739" actId="20577"/>
+      <pc:chgData name="Irma Lusyana Manik" userId="5f588844-9471-4359-8d7d-be9c7a016a69" providerId="ADAL" clId="{CCC06331-3BCE-406E-9508-8C959A6AA5F3}" dt="2024-08-25T16:14:03.459" v="3802" actId="20577"/>
       <pc:docMkLst>
         <pc:docMk/>
       </pc:docMkLst>
@@ -552,13 +552,13 @@
         </pc:spChg>
       </pc:sldChg>
       <pc:sldChg chg="modSp add mod">
-        <pc:chgData name="Irma Lusyana Manik" userId="5f588844-9471-4359-8d7d-be9c7a016a69" providerId="ADAL" clId="{CCC06331-3BCE-406E-9508-8C959A6AA5F3}" dt="2024-08-25T12:48:51.026" v="3674" actId="20577"/>
+        <pc:chgData name="Irma Lusyana Manik" userId="5f588844-9471-4359-8d7d-be9c7a016a69" providerId="ADAL" clId="{CCC06331-3BCE-406E-9508-8C959A6AA5F3}" dt="2024-08-25T15:56:41.555" v="3801" actId="20577"/>
         <pc:sldMkLst>
           <pc:docMk/>
           <pc:sldMk cId="1326754218" sldId="261"/>
         </pc:sldMkLst>
         <pc:spChg chg="mod">
-          <ac:chgData name="Irma Lusyana Manik" userId="5f588844-9471-4359-8d7d-be9c7a016a69" providerId="ADAL" clId="{CCC06331-3BCE-406E-9508-8C959A6AA5F3}" dt="2024-08-25T12:48:51.026" v="3674" actId="20577"/>
+          <ac:chgData name="Irma Lusyana Manik" userId="5f588844-9471-4359-8d7d-be9c7a016a69" providerId="ADAL" clId="{CCC06331-3BCE-406E-9508-8C959A6AA5F3}" dt="2024-08-25T15:56:41.555" v="3801" actId="20577"/>
           <ac:spMkLst>
             <pc:docMk/>
             <pc:sldMk cId="1326754218" sldId="261"/>
@@ -2247,7 +2247,7 @@
         </pc:picChg>
       </pc:sldChg>
       <pc:sldChg chg="addSp delSp modSp new mod modNotesTx">
-        <pc:chgData name="Irma Lusyana Manik" userId="5f588844-9471-4359-8d7d-be9c7a016a69" providerId="ADAL" clId="{CCC06331-3BCE-406E-9508-8C959A6AA5F3}" dt="2024-08-25T13:08:21.612" v="3738" actId="20577"/>
+        <pc:chgData name="Irma Lusyana Manik" userId="5f588844-9471-4359-8d7d-be9c7a016a69" providerId="ADAL" clId="{CCC06331-3BCE-406E-9508-8C959A6AA5F3}" dt="2024-08-25T16:14:03.459" v="3802" actId="20577"/>
         <pc:sldMkLst>
           <pc:docMk/>
           <pc:sldMk cId="3436676475" sldId="276"/>
@@ -2277,7 +2277,7 @@
           </ac:graphicFrameMkLst>
         </pc:graphicFrameChg>
         <pc:graphicFrameChg chg="add mod modGraphic">
-          <ac:chgData name="Irma Lusyana Manik" userId="5f588844-9471-4359-8d7d-be9c7a016a69" providerId="ADAL" clId="{CCC06331-3BCE-406E-9508-8C959A6AA5F3}" dt="2024-08-25T13:08:21.612" v="3738" actId="20577"/>
+          <ac:chgData name="Irma Lusyana Manik" userId="5f588844-9471-4359-8d7d-be9c7a016a69" providerId="ADAL" clId="{CCC06331-3BCE-406E-9508-8C959A6AA5F3}" dt="2024-08-25T16:14:03.459" v="3802" actId="20577"/>
           <ac:graphicFrameMkLst>
             <pc:docMk/>
             <pc:sldMk cId="3436676475" sldId="276"/>
@@ -3326,25 +3326,25 @@
       </dgm:t>
     </dgm:pt>
     <dgm:pt modelId="{3C27ACFE-08BC-40E9-8837-70FFBCC037BE}">
-      <dgm:prSet phldrT="[Text]"/>
+      <dgm:prSet phldrT="[Text]" custT="1"/>
       <dgm:spPr/>
       <dgm:t>
         <a:bodyPr/>
         <a:lstStyle/>
         <a:p>
           <a:r>
-            <a:rPr lang="en-US" b="1" dirty="0" err="1"/>
+            <a:rPr lang="en-US" sz="1200" b="1" dirty="0" err="1"/>
             <a:t>Optimalisasi</a:t>
           </a:r>
           <a:r>
-            <a:rPr lang="en-US" b="1" dirty="0"/>
+            <a:rPr lang="en-US" sz="1200" b="1" dirty="0"/>
             <a:t> Harga dan </a:t>
           </a:r>
           <a:r>
-            <a:rPr lang="en-US" b="1" dirty="0" err="1"/>
+            <a:rPr lang="en-US" sz="1200" b="1" dirty="0" err="1"/>
             <a:t>Penawaran</a:t>
           </a:r>
-          <a:endParaRPr lang="en-US" dirty="0"/>
+          <a:endParaRPr lang="en-US" sz="1200" dirty="0"/>
         </a:p>
       </dgm:t>
     </dgm:pt>
@@ -3370,110 +3370,274 @@
         </a:p>
       </dgm:t>
     </dgm:pt>
-    <dgm:pt modelId="{6EFED190-8CEF-4A2B-B04D-1172FEF17356}">
-      <dgm:prSet phldrT="[Text]"/>
+    <dgm:pt modelId="{E1BB324D-F549-41BC-A95A-57D154E35167}">
+      <dgm:prSet phldrT="[Text]" custT="1"/>
       <dgm:spPr/>
       <dgm:t>
         <a:bodyPr/>
         <a:lstStyle/>
         <a:p>
           <a:r>
-            <a:rPr lang="en-US" dirty="0" err="1"/>
-            <a:t>Menetapkan</a:t>
-          </a:r>
-          <a:r>
-            <a:rPr lang="en-US" dirty="0"/>
+            <a:rPr lang="en-US" sz="1000" b="0" dirty="0" err="1"/>
+            <a:t>Pemilik</a:t>
+          </a:r>
+          <a:r>
+            <a:rPr lang="en-US" sz="1000" b="0" dirty="0"/>
             <a:t> </a:t>
           </a:r>
           <a:r>
-            <a:rPr lang="en-US" dirty="0" err="1"/>
+            <a:rPr lang="en-US" sz="1000" b="0" dirty="0" err="1"/>
+            <a:t>properti</a:t>
+          </a:r>
+          <a:r>
+            <a:rPr lang="en-US" sz="1000" b="0" dirty="0"/>
+            <a:t> </a:t>
+          </a:r>
+          <a:r>
+            <a:rPr lang="en-US" sz="1000" b="0" dirty="0" err="1"/>
+            <a:t>dapat</a:t>
+          </a:r>
+          <a:r>
+            <a:rPr lang="en-US" sz="1000" b="0" dirty="0"/>
+            <a:t> </a:t>
+          </a:r>
+          <a:r>
+            <a:rPr lang="en-US" sz="1000" b="0" dirty="0" err="1"/>
+            <a:t>menggunakan</a:t>
+          </a:r>
+          <a:r>
+            <a:rPr lang="en-US" sz="1000" b="0" dirty="0"/>
+            <a:t> strategi </a:t>
+          </a:r>
+          <a:r>
+            <a:rPr lang="en-US" sz="1000" b="0" dirty="0" err="1"/>
+            <a:t>penetapan</a:t>
+          </a:r>
+          <a:r>
+            <a:rPr lang="en-US" sz="1000" b="0" dirty="0"/>
+            <a:t> </a:t>
+          </a:r>
+          <a:r>
+            <a:rPr lang="en-US" sz="1000" b="0" dirty="0" err="1"/>
             <a:t>harga</a:t>
           </a:r>
           <a:r>
-            <a:rPr lang="en-US" dirty="0"/>
+            <a:rPr lang="en-US" sz="1000" b="0" dirty="0"/>
+            <a:t> </a:t>
+          </a:r>
+          <a:r>
+            <a:rPr lang="en-US" sz="1000" b="0" dirty="0" err="1"/>
+            <a:t>dinamis</a:t>
+          </a:r>
+          <a:r>
+            <a:rPr lang="en-US" sz="1000" b="0" dirty="0"/>
             <a:t> yang </a:t>
           </a:r>
           <a:r>
-            <a:rPr lang="en-US" dirty="0" err="1"/>
-            <a:t>kompetitif</a:t>
-          </a:r>
-          <a:r>
-            <a:rPr lang="en-US" dirty="0"/>
+            <a:rPr lang="en-US" sz="1000" b="0" dirty="0" err="1"/>
+            <a:t>menyesuaikan</a:t>
+          </a:r>
+          <a:r>
+            <a:rPr lang="en-US" sz="1000" b="0" dirty="0"/>
             <a:t> </a:t>
           </a:r>
           <a:r>
-            <a:rPr lang="en-US" dirty="0" err="1"/>
+            <a:rPr lang="en-US" sz="1000" b="0" dirty="0" err="1"/>
+            <a:t>tarif</a:t>
+          </a:r>
+          <a:r>
+            <a:rPr lang="en-US" sz="1000" b="0" dirty="0"/>
+            <a:t> </a:t>
+          </a:r>
+          <a:r>
+            <a:rPr lang="en-US" sz="1000" b="0" dirty="0" err="1"/>
             <a:t>berdasarkan</a:t>
           </a:r>
           <a:r>
-            <a:rPr lang="en-US" dirty="0"/>
+            <a:rPr lang="en-US" sz="1000" b="0" dirty="0"/>
             <a:t> </a:t>
           </a:r>
           <a:r>
-            <a:rPr lang="en-US" dirty="0" err="1"/>
-            <a:t>analisis</a:t>
-          </a:r>
-          <a:r>
-            <a:rPr lang="en-US" dirty="0"/>
+            <a:rPr lang="en-US" sz="1000" b="0" dirty="0" err="1"/>
+            <a:t>permintaan</a:t>
+          </a:r>
+          <a:r>
+            <a:rPr lang="en-US" sz="1000" b="0" dirty="0"/>
+            <a:t>, </a:t>
+          </a:r>
+          <a:r>
+            <a:rPr lang="en-US" sz="1000" b="0" dirty="0" err="1"/>
+            <a:t>musim</a:t>
+          </a:r>
+          <a:r>
+            <a:rPr lang="en-US" sz="1000" b="0" dirty="0"/>
+            <a:t>, dan acara </a:t>
+          </a:r>
+          <a:r>
+            <a:rPr lang="en-US" sz="1000" b="0" dirty="0" err="1"/>
+            <a:t>lokal</a:t>
+          </a:r>
+          <a:r>
+            <a:rPr lang="en-US" sz="1000" b="0" dirty="0"/>
+            <a:t>, </a:t>
+          </a:r>
+          <a:r>
+            <a:rPr lang="en-US" sz="1000" b="0" dirty="0" err="1"/>
+            <a:t>atau</a:t>
+          </a:r>
+          <a:r>
+            <a:rPr lang="en-US" sz="1000" b="0" dirty="0"/>
             <a:t> </a:t>
           </a:r>
           <a:r>
-            <a:rPr lang="en-US" dirty="0" err="1"/>
-            <a:t>mendalam</a:t>
-          </a:r>
-          <a:r>
-            <a:rPr lang="en-US" dirty="0"/>
+            <a:rPr lang="en-US" sz="1000" b="0" dirty="0" err="1"/>
+            <a:t>menyediakan</a:t>
+          </a:r>
+          <a:r>
+            <a:rPr lang="en-US" sz="1000" b="0" dirty="0"/>
             <a:t> </a:t>
           </a:r>
           <a:r>
-            <a:rPr lang="en-US" dirty="0" err="1"/>
-            <a:t>terhadap</a:t>
-          </a:r>
-          <a:r>
-            <a:rPr lang="en-US" dirty="0"/>
+            <a:rPr lang="en-US" sz="1000" b="0" dirty="0" err="1"/>
+            <a:t>diskon</a:t>
+          </a:r>
+          <a:r>
+            <a:rPr lang="en-US" sz="1000" b="0" dirty="0"/>
             <a:t> </a:t>
           </a:r>
           <a:r>
-            <a:rPr lang="en-US" dirty="0" err="1"/>
-            <a:t>tarif</a:t>
-          </a:r>
-          <a:r>
-            <a:rPr lang="en-US" dirty="0"/>
-            <a:t> rata-rata per listing dan per </a:t>
-          </a:r>
-          <a:r>
-            <a:rPr lang="en-US" dirty="0" err="1"/>
-            <a:t>malam</a:t>
-          </a:r>
-          <a:r>
-            <a:rPr lang="en-US" dirty="0"/>
-            <a:t> di </a:t>
-          </a:r>
-          <a:r>
-            <a:rPr lang="en-US" dirty="0" err="1"/>
-            <a:t>berbagai</a:t>
-          </a:r>
-          <a:r>
-            <a:rPr lang="en-US" dirty="0"/>
+            <a:rPr lang="en-US" sz="1000" b="0" dirty="0" err="1"/>
+            <a:t>untuk</a:t>
+          </a:r>
+          <a:r>
+            <a:rPr lang="en-US" sz="1000" b="0" dirty="0"/>
             <a:t> </a:t>
           </a:r>
           <a:r>
-            <a:rPr lang="en-US" dirty="0" err="1"/>
-            <a:t>Neighbourhood</a:t>
-          </a:r>
-          <a:r>
-            <a:rPr lang="en-US" dirty="0"/>
-            <a:t> . K</a:t>
-          </a:r>
-          <a:r>
-            <a:rPr lang="sv-SE" dirty="0"/>
-            <a:t>isaran 60% hingga 80% dari rata-rata tarif, dengan angka rata-rata 6.147 Bath dan rata-rata tarif per malam 754 Bath.</a:t>
-          </a:r>
-          <a:endParaRPr lang="en-US" b="0" dirty="0"/>
+            <a:rPr lang="en-US" sz="1000" b="0" dirty="0" err="1"/>
+            <a:t>pemesanan</a:t>
+          </a:r>
+          <a:r>
+            <a:rPr lang="en-US" sz="1000" b="0" dirty="0"/>
+            <a:t> </a:t>
+          </a:r>
+          <a:r>
+            <a:rPr lang="en-US" sz="1000" b="0" dirty="0" err="1"/>
+            <a:t>jangka</a:t>
+          </a:r>
+          <a:r>
+            <a:rPr lang="en-US" sz="1000" b="0" dirty="0"/>
+            <a:t> </a:t>
+          </a:r>
+          <a:r>
+            <a:rPr lang="en-US" sz="1000" b="0" dirty="0" err="1"/>
+            <a:t>panjang</a:t>
+          </a:r>
+          <a:r>
+            <a:rPr lang="en-US" sz="1000" b="0" dirty="0"/>
+            <a:t> </a:t>
+          </a:r>
+          <a:r>
+            <a:rPr lang="en-US" sz="1000" b="0" dirty="0" err="1"/>
+            <a:t>atau</a:t>
+          </a:r>
+          <a:r>
+            <a:rPr lang="en-US" sz="1000" b="0" dirty="0"/>
+            <a:t> </a:t>
+          </a:r>
+          <a:r>
+            <a:rPr lang="en-US" sz="1000" b="0" dirty="0" err="1"/>
+            <a:t>menawarkan</a:t>
+          </a:r>
+          <a:r>
+            <a:rPr lang="en-US" sz="1000" b="0" dirty="0"/>
+            <a:t> </a:t>
+          </a:r>
+          <a:r>
+            <a:rPr lang="en-US" sz="1000" b="0" dirty="0" err="1"/>
+            <a:t>paket</a:t>
+          </a:r>
+          <a:r>
+            <a:rPr lang="en-US" sz="1000" b="0" dirty="0"/>
+            <a:t> </a:t>
+          </a:r>
+          <a:r>
+            <a:rPr lang="en-US" sz="1000" b="0" dirty="0" err="1"/>
+            <a:t>spesial</a:t>
+          </a:r>
+          <a:r>
+            <a:rPr lang="en-US" sz="1000" b="0" dirty="0"/>
+            <a:t> </a:t>
+          </a:r>
+          <a:r>
+            <a:rPr lang="en-US" sz="1000" b="0" dirty="0" err="1"/>
+            <a:t>selama</a:t>
+          </a:r>
+          <a:r>
+            <a:rPr lang="en-US" sz="1000" b="0" dirty="0"/>
+            <a:t> </a:t>
+          </a:r>
+          <a:r>
+            <a:rPr lang="en-US" sz="1000" b="0" dirty="0" err="1"/>
+            <a:t>musim</a:t>
+          </a:r>
+          <a:r>
+            <a:rPr lang="en-US" sz="1000" b="0" dirty="0"/>
+            <a:t> </a:t>
+          </a:r>
+          <a:r>
+            <a:rPr lang="en-US" sz="1000" b="0" dirty="0" err="1"/>
+            <a:t>rendah</a:t>
+          </a:r>
+          <a:r>
+            <a:rPr lang="en-US" sz="1000" b="0" dirty="0"/>
+            <a:t> (low season) </a:t>
+          </a:r>
+          <a:r>
+            <a:rPr lang="en-US" sz="1000" b="0" dirty="0" err="1"/>
+            <a:t>untuk</a:t>
+          </a:r>
+          <a:r>
+            <a:rPr lang="en-US" sz="1000" b="0" dirty="0"/>
+            <a:t> </a:t>
+          </a:r>
+          <a:r>
+            <a:rPr lang="en-US" sz="1000" b="0" dirty="0" err="1"/>
+            <a:t>menarik</a:t>
+          </a:r>
+          <a:r>
+            <a:rPr lang="en-US" sz="1000" b="0" dirty="0"/>
+            <a:t> </a:t>
+          </a:r>
+          <a:r>
+            <a:rPr lang="en-US" sz="1000" b="0" dirty="0" err="1"/>
+            <a:t>lebih</a:t>
+          </a:r>
+          <a:r>
+            <a:rPr lang="en-US" sz="1000" b="0" dirty="0"/>
+            <a:t> </a:t>
+          </a:r>
+          <a:r>
+            <a:rPr lang="en-US" sz="1000" b="0" dirty="0" err="1"/>
+            <a:t>banyak</a:t>
+          </a:r>
+          <a:r>
+            <a:rPr lang="en-US" sz="1000" b="0" dirty="0"/>
+            <a:t> </a:t>
+          </a:r>
+          <a:r>
+            <a:rPr lang="en-US" sz="1000" b="0" dirty="0" err="1"/>
+            <a:t>tamu</a:t>
+          </a:r>
+          <a:r>
+            <a:rPr lang="en-US" sz="1000" b="0" dirty="0"/>
+            <a:t>.</a:t>
+          </a:r>
+          <a:endParaRPr lang="en-US" sz="1000" dirty="0"/>
         </a:p>
       </dgm:t>
     </dgm:pt>
-    <dgm:pt modelId="{B2FFAB79-D998-48E4-AAEB-11E695E6BFC0}" type="parTrans" cxnId="{11E71284-B833-4EA4-AA95-1C8991AAEF52}">
+    <dgm:pt modelId="{0F32A688-58DD-4BFC-B0CA-55985EDEC6B0}" type="parTrans" cxnId="{4EBC27E6-B24A-468D-935B-2EFCFB77934E}">
       <dgm:prSet/>
       <dgm:spPr/>
       <dgm:t>
@@ -3484,7 +3648,7 @@
         </a:p>
       </dgm:t>
     </dgm:pt>
-    <dgm:pt modelId="{6E943DEB-46C7-4DA4-A5E0-9468482DA14C}" type="sibTrans" cxnId="{11E71284-B833-4EA4-AA95-1C8991AAEF52}">
+    <dgm:pt modelId="{EE402D4F-66D2-4C98-9F06-F7C30203C84A}" type="sibTrans" cxnId="{4EBC27E6-B24A-468D-935B-2EFCFB77934E}">
       <dgm:prSet/>
       <dgm:spPr/>
       <dgm:t>
@@ -3495,25 +3659,22 @@
         </a:p>
       </dgm:t>
     </dgm:pt>
-    <dgm:pt modelId="{E2733376-3487-457A-994A-F989FF3348DC}">
-      <dgm:prSet phldrT="[Text]"/>
+    <dgm:pt modelId="{635232DF-8CD5-4B28-B022-8D6576723641}">
+      <dgm:prSet phldrT="[Text]" custT="1"/>
       <dgm:spPr/>
       <dgm:t>
         <a:bodyPr/>
         <a:lstStyle/>
         <a:p>
           <a:r>
-            <a:rPr lang="en-US" b="1" dirty="0" err="1"/>
-            <a:t>Pemasaran</a:t>
-          </a:r>
-          <a:r>
-            <a:rPr lang="en-US" b="1" dirty="0"/>
-            <a:t> digital</a:t>
-          </a:r>
+            <a:rPr lang="sv-SE" sz="1000" b="0" dirty="0"/>
+            <a:t>Melalui analisa, mayoritas tarif berdasarkan `Neighbourhood` berada di kisaran 60% hingga 80% dari rata-rata tarif, dengan angka rata-rata 6.147 Bath untuk tarif per listing dan rata-rata tarif per malam 754 Bath.</a:t>
+          </a:r>
+          <a:endParaRPr lang="en-US" sz="1000" dirty="0"/>
         </a:p>
       </dgm:t>
     </dgm:pt>
-    <dgm:pt modelId="{B2AE5F48-ED72-48CE-8222-B500E6594CB6}" type="parTrans" cxnId="{A21914B8-FF1B-4C39-88CA-1D20A148429A}">
+    <dgm:pt modelId="{6DD28E21-7BFB-48B1-B247-188FC444257F}" type="parTrans" cxnId="{6E7F99BD-C4E4-43F3-B163-4455F63AE3C5}">
       <dgm:prSet/>
       <dgm:spPr/>
       <dgm:t>
@@ -3524,7 +3685,7 @@
         </a:p>
       </dgm:t>
     </dgm:pt>
-    <dgm:pt modelId="{7A64DF79-6681-4F77-8295-67284C8C680C}" type="sibTrans" cxnId="{A21914B8-FF1B-4C39-88CA-1D20A148429A}">
+    <dgm:pt modelId="{015CD2BF-A1C1-464C-AC6F-FFDEA22FF8BB}" type="sibTrans" cxnId="{6E7F99BD-C4E4-43F3-B163-4455F63AE3C5}">
       <dgm:prSet/>
       <dgm:spPr/>
       <dgm:t>
@@ -3535,38 +3696,22 @@
         </a:p>
       </dgm:t>
     </dgm:pt>
-    <dgm:pt modelId="{D578B054-3E3C-458B-820F-065A125966AC}">
-      <dgm:prSet phldrT="[Text]"/>
+    <dgm:pt modelId="{460329F7-8B77-4405-BD66-CEE053AF2729}">
+      <dgm:prSet phldrT="[Text]" custT="1"/>
       <dgm:spPr/>
       <dgm:t>
         <a:bodyPr/>
         <a:lstStyle/>
         <a:p>
           <a:r>
-            <a:rPr lang="en-US" dirty="0" err="1"/>
-            <a:t>Menggunakan</a:t>
-          </a:r>
-          <a:r>
-            <a:rPr lang="en-US" dirty="0"/>
-            <a:t> kata </a:t>
-          </a:r>
-          <a:r>
-            <a:rPr lang="en-US" dirty="0" err="1"/>
-            <a:t>kunci</a:t>
-          </a:r>
-          <a:r>
-            <a:rPr lang="en-US" dirty="0"/>
-            <a:t> yang </a:t>
-          </a:r>
-          <a:r>
-            <a:rPr lang="en-US" dirty="0" err="1"/>
-            <a:t>relevan</a:t>
-          </a:r>
-          <a:endParaRPr lang="en-US" dirty="0"/>
+            <a:rPr lang="en-US" sz="1200" b="0"/>
+            <a:t>Kolaborasi dengan Bisnis Lokal</a:t>
+          </a:r>
+          <a:endParaRPr lang="en-US" sz="1200" dirty="0"/>
         </a:p>
       </dgm:t>
     </dgm:pt>
-    <dgm:pt modelId="{6D656422-3D1F-40EA-A3BF-21052E3DE522}" type="parTrans" cxnId="{318CD821-D4D2-430A-BF6A-C666672445D1}">
+    <dgm:pt modelId="{EE14DAFD-6D39-4FA4-A218-C2FDD215BA84}" type="parTrans" cxnId="{EE70120B-7EE8-48AC-9295-FFE2D30027D2}">
       <dgm:prSet/>
       <dgm:spPr/>
       <dgm:t>
@@ -3577,7 +3722,7 @@
         </a:p>
       </dgm:t>
     </dgm:pt>
-    <dgm:pt modelId="{14ED4E73-BD45-455D-BFD2-6BAD678C9F61}" type="sibTrans" cxnId="{318CD821-D4D2-430A-BF6A-C666672445D1}">
+    <dgm:pt modelId="{C969C20B-81F3-4FCD-8B73-F98EB73512CA}" type="sibTrans" cxnId="{EE70120B-7EE8-48AC-9295-FFE2D30027D2}">
       <dgm:prSet/>
       <dgm:spPr/>
       <dgm:t>
@@ -3588,30 +3733,322 @@
         </a:p>
       </dgm:t>
     </dgm:pt>
-    <dgm:pt modelId="{A84BE2C0-E817-4C47-B588-7F1737708E0D}">
-      <dgm:prSet phldrT="[Text]"/>
+    <dgm:pt modelId="{FF15002C-B760-418F-8C35-2B875FEC5982}">
+      <dgm:prSet phldrT="[Text]" custT="1"/>
       <dgm:spPr/>
       <dgm:t>
         <a:bodyPr/>
         <a:lstStyle/>
         <a:p>
           <a:r>
-            <a:rPr lang="en-US" b="0" dirty="0" err="1"/>
-            <a:t>Kampanye</a:t>
-          </a:r>
-          <a:r>
-            <a:rPr lang="en-US" b="0" dirty="0"/>
-            <a:t> Media </a:t>
-          </a:r>
-          <a:r>
-            <a:rPr lang="en-US" b="0" dirty="0" err="1"/>
-            <a:t>Sosial</a:t>
-          </a:r>
-          <a:endParaRPr lang="en-US" b="0" dirty="0"/>
+            <a:rPr lang="en-US" sz="1000" b="0" dirty="0" err="1"/>
+            <a:t>Melalui</a:t>
+          </a:r>
+          <a:r>
+            <a:rPr lang="en-US" sz="1000" b="0" dirty="0"/>
+            <a:t> </a:t>
+          </a:r>
+          <a:r>
+            <a:rPr lang="en-US" sz="1000" b="0" dirty="0" err="1"/>
+            <a:t>kerjasama</a:t>
+          </a:r>
+          <a:r>
+            <a:rPr lang="en-US" sz="1000" b="0" dirty="0"/>
+            <a:t> </a:t>
+          </a:r>
+          <a:r>
+            <a:rPr lang="en-US" sz="1000" b="0" dirty="0" err="1"/>
+            <a:t>dengan</a:t>
+          </a:r>
+          <a:r>
+            <a:rPr lang="en-US" sz="1000" b="0" dirty="0"/>
+            <a:t> </a:t>
+          </a:r>
+          <a:r>
+            <a:rPr lang="en-US" sz="1000" b="0" dirty="0" err="1"/>
+            <a:t>tempat</a:t>
+          </a:r>
+          <a:r>
+            <a:rPr lang="en-US" sz="1000" b="0" dirty="0"/>
+            <a:t> </a:t>
+          </a:r>
+          <a:r>
+            <a:rPr lang="en-US" sz="1000" b="0" dirty="0" err="1"/>
+            <a:t>kuliner</a:t>
+          </a:r>
+          <a:r>
+            <a:rPr lang="en-US" sz="1000" b="0" dirty="0"/>
+            <a:t>, </a:t>
+          </a:r>
+          <a:r>
+            <a:rPr lang="en-US" sz="1000" b="0" dirty="0" err="1"/>
+            <a:t>tempat</a:t>
+          </a:r>
+          <a:r>
+            <a:rPr lang="en-US" sz="1000" b="0" dirty="0"/>
+            <a:t> </a:t>
+          </a:r>
+          <a:r>
+            <a:rPr lang="en-US" sz="1000" b="0" dirty="0" err="1"/>
+            <a:t>wisata</a:t>
+          </a:r>
+          <a:r>
+            <a:rPr lang="en-US" sz="1000" b="0" dirty="0"/>
+            <a:t>, </a:t>
+          </a:r>
+          <a:r>
+            <a:rPr lang="en-US" sz="1000" b="0" dirty="0" err="1"/>
+            <a:t>atau</a:t>
+          </a:r>
+          <a:r>
+            <a:rPr lang="en-US" sz="1000" b="0" dirty="0"/>
+            <a:t> </a:t>
+          </a:r>
+          <a:r>
+            <a:rPr lang="en-US" sz="1000" b="0" dirty="0" err="1"/>
+            <a:t>penyedia</a:t>
+          </a:r>
+          <a:r>
+            <a:rPr lang="en-US" sz="1000" b="0" dirty="0"/>
+            <a:t> </a:t>
+          </a:r>
+          <a:r>
+            <a:rPr lang="en-US" sz="1000" b="0" dirty="0" err="1"/>
+            <a:t>layanan</a:t>
+          </a:r>
+          <a:r>
+            <a:rPr lang="en-US" sz="1000" b="0" dirty="0"/>
+            <a:t> </a:t>
+          </a:r>
+          <a:r>
+            <a:rPr lang="en-US" sz="1000" b="0" dirty="0" err="1"/>
+            <a:t>lokal</a:t>
+          </a:r>
+          <a:r>
+            <a:rPr lang="en-US" sz="1000" b="0" dirty="0"/>
+            <a:t>, </a:t>
+          </a:r>
+          <a:r>
+            <a:rPr lang="en-US" sz="1000" b="0" dirty="0" err="1"/>
+            <a:t>bisnis</a:t>
+          </a:r>
+          <a:r>
+            <a:rPr lang="en-US" sz="1000" b="0" dirty="0"/>
+            <a:t> Airbnb Bangkok </a:t>
+          </a:r>
+          <a:r>
+            <a:rPr lang="en-US" sz="1000" b="0" dirty="0" err="1"/>
+            <a:t>dapat</a:t>
+          </a:r>
+          <a:r>
+            <a:rPr lang="en-US" sz="1000" b="0" dirty="0"/>
+            <a:t> </a:t>
+          </a:r>
+          <a:r>
+            <a:rPr lang="en-US" sz="1000" b="0" dirty="0" err="1"/>
+            <a:t>memberikan</a:t>
+          </a:r>
+          <a:r>
+            <a:rPr lang="en-US" sz="1000" b="0" dirty="0"/>
+            <a:t> customer touchpoint yang </a:t>
+          </a:r>
+          <a:r>
+            <a:rPr lang="en-US" sz="1000" b="0" dirty="0" err="1"/>
+            <a:t>berkesan</a:t>
+          </a:r>
+          <a:r>
+            <a:rPr lang="en-US" sz="1000" b="0" dirty="0"/>
+            <a:t> </a:t>
+          </a:r>
+          <a:r>
+            <a:rPr lang="en-US" sz="1000" b="0" dirty="0" err="1"/>
+            <a:t>dengan</a:t>
+          </a:r>
+          <a:r>
+            <a:rPr lang="en-US" sz="1000" b="0" dirty="0"/>
+            <a:t> </a:t>
+          </a:r>
+          <a:r>
+            <a:rPr lang="en-US" sz="1000" b="0" dirty="0" err="1"/>
+            <a:t>keunikan</a:t>
+          </a:r>
+          <a:r>
+            <a:rPr lang="en-US" sz="1000" b="0" dirty="0"/>
+            <a:t> </a:t>
+          </a:r>
+          <a:r>
+            <a:rPr lang="en-US" sz="1000" b="0" dirty="0" err="1"/>
+            <a:t>atau</a:t>
+          </a:r>
+          <a:r>
+            <a:rPr lang="en-US" sz="1000" b="0" dirty="0"/>
+            <a:t> </a:t>
+          </a:r>
+          <a:r>
+            <a:rPr lang="en-US" sz="1000" b="0" dirty="0" err="1"/>
+            <a:t>ciri</a:t>
+          </a:r>
+          <a:r>
+            <a:rPr lang="en-US" sz="1000" b="0" dirty="0"/>
+            <a:t> </a:t>
+          </a:r>
+          <a:r>
+            <a:rPr lang="en-US" sz="1000" b="0" dirty="0" err="1"/>
+            <a:t>khas</a:t>
+          </a:r>
+          <a:r>
+            <a:rPr lang="en-US" sz="1000" b="0" dirty="0"/>
+            <a:t> </a:t>
+          </a:r>
+          <a:r>
+            <a:rPr lang="en-US" sz="1000" b="0"/>
+            <a:t>area Bangkok</a:t>
+          </a:r>
+          <a:r>
+            <a:rPr lang="en-US" sz="1000" b="0" dirty="0"/>
+            <a:t>. Salah </a:t>
+          </a:r>
+          <a:r>
+            <a:rPr lang="en-US" sz="1000" b="0" dirty="0" err="1"/>
+            <a:t>satu</a:t>
+          </a:r>
+          <a:r>
+            <a:rPr lang="en-US" sz="1000" b="0" dirty="0"/>
+            <a:t> </a:t>
+          </a:r>
+          <a:r>
+            <a:rPr lang="en-US" sz="1000" b="0" dirty="0" err="1"/>
+            <a:t>caranya</a:t>
+          </a:r>
+          <a:r>
+            <a:rPr lang="en-US" sz="1000" b="0" dirty="0"/>
+            <a:t> </a:t>
+          </a:r>
+          <a:r>
+            <a:rPr lang="en-US" sz="1000" b="0" dirty="0" err="1"/>
+            <a:t>adalah</a:t>
+          </a:r>
+          <a:r>
+            <a:rPr lang="en-US" sz="1000" b="0" dirty="0"/>
+            <a:t> </a:t>
+          </a:r>
+          <a:r>
+            <a:rPr lang="en-US" sz="1000" b="0" dirty="0" err="1"/>
+            <a:t>dengan</a:t>
+          </a:r>
+          <a:r>
+            <a:rPr lang="en-US" sz="1000" b="0" dirty="0"/>
+            <a:t> </a:t>
+          </a:r>
+          <a:r>
+            <a:rPr lang="en-US" sz="1000" b="0" dirty="0" err="1"/>
+            <a:t>mengikuti</a:t>
+          </a:r>
+          <a:r>
+            <a:rPr lang="en-US" sz="1000" b="0" dirty="0"/>
+            <a:t> acara </a:t>
+          </a:r>
+          <a:r>
+            <a:rPr lang="en-US" sz="1000" b="0" dirty="0" err="1"/>
+            <a:t>lokal</a:t>
+          </a:r>
+          <a:r>
+            <a:rPr lang="en-US" sz="1000" b="0" dirty="0"/>
+            <a:t> </a:t>
+          </a:r>
+          <a:r>
+            <a:rPr lang="en-US" sz="1000" b="0" dirty="0" err="1"/>
+            <a:t>atau</a:t>
+          </a:r>
+          <a:r>
+            <a:rPr lang="en-US" sz="1000" b="0" dirty="0"/>
+            <a:t> festival </a:t>
+          </a:r>
+          <a:r>
+            <a:rPr lang="en-US" sz="1000" b="0" dirty="0" err="1"/>
+            <a:t>dengan</a:t>
+          </a:r>
+          <a:r>
+            <a:rPr lang="en-US" sz="1000" b="0" dirty="0"/>
+            <a:t> </a:t>
+          </a:r>
+          <a:r>
+            <a:rPr lang="en-US" sz="1000" b="0" dirty="0" err="1"/>
+            <a:t>menawarkan</a:t>
+          </a:r>
+          <a:r>
+            <a:rPr lang="en-US" sz="1000" b="0" dirty="0"/>
+            <a:t> </a:t>
+          </a:r>
+          <a:r>
+            <a:rPr lang="en-US" sz="1000" b="0" dirty="0" err="1"/>
+            <a:t>paket</a:t>
+          </a:r>
+          <a:r>
+            <a:rPr lang="en-US" sz="1000" b="0" dirty="0"/>
+            <a:t> </a:t>
+          </a:r>
+          <a:r>
+            <a:rPr lang="en-US" sz="1000" b="0" dirty="0" err="1"/>
+            <a:t>khusus</a:t>
+          </a:r>
+          <a:r>
+            <a:rPr lang="en-US" sz="1000" b="0" dirty="0"/>
+            <a:t> yang </a:t>
+          </a:r>
+          <a:r>
+            <a:rPr lang="en-US" sz="1000" b="0" dirty="0" err="1"/>
+            <a:t>menggabungkan</a:t>
+          </a:r>
+          <a:r>
+            <a:rPr lang="en-US" sz="1000" b="0" dirty="0"/>
+            <a:t> </a:t>
+          </a:r>
+          <a:r>
+            <a:rPr lang="en-US" sz="1000" b="0" dirty="0" err="1"/>
+            <a:t>penginapan</a:t>
+          </a:r>
+          <a:r>
+            <a:rPr lang="en-US" sz="1000" b="0" dirty="0"/>
+            <a:t> </a:t>
+          </a:r>
+          <a:r>
+            <a:rPr lang="en-US" sz="1000" b="0" dirty="0" err="1"/>
+            <a:t>dengan</a:t>
+          </a:r>
+          <a:r>
+            <a:rPr lang="en-US" sz="1000" b="0" dirty="0"/>
+            <a:t> </a:t>
+          </a:r>
+          <a:r>
+            <a:rPr lang="en-US" sz="1000" b="0" dirty="0" err="1"/>
+            <a:t>akses</a:t>
+          </a:r>
+          <a:r>
+            <a:rPr lang="en-US" sz="1000" b="0" dirty="0"/>
+            <a:t> </a:t>
+          </a:r>
+          <a:r>
+            <a:rPr lang="en-US" sz="1000" b="0" dirty="0" err="1"/>
+            <a:t>ke</a:t>
+          </a:r>
+          <a:r>
+            <a:rPr lang="en-US" sz="1000" b="0" dirty="0"/>
+            <a:t> acara-acara </a:t>
+          </a:r>
+          <a:r>
+            <a:rPr lang="en-US" sz="1000" b="0" dirty="0" err="1"/>
+            <a:t>tersebut</a:t>
+          </a:r>
+          <a:r>
+            <a:rPr lang="en-US" sz="1000" b="0" dirty="0"/>
+            <a:t>.</a:t>
+          </a:r>
+          <a:endParaRPr lang="en-US" sz="1000" dirty="0"/>
         </a:p>
       </dgm:t>
     </dgm:pt>
-    <dgm:pt modelId="{51819207-41DD-4031-82C9-0AF9E6C61699}" type="parTrans" cxnId="{BD639280-E5A1-4FE5-A36B-40235A5F24C2}">
+    <dgm:pt modelId="{D303F2DA-2577-43A7-9982-72AD1DBEF82A}" type="parTrans" cxnId="{86B031C5-6C87-4B84-85C6-CB6BAE8D6AF4}">
       <dgm:prSet/>
       <dgm:spPr/>
       <dgm:t>
@@ -3622,7 +4059,7 @@
         </a:p>
       </dgm:t>
     </dgm:pt>
-    <dgm:pt modelId="{9A79ECA6-1363-428F-994B-17557A18AA4F}" type="sibTrans" cxnId="{BD639280-E5A1-4FE5-A36B-40235A5F24C2}">
+    <dgm:pt modelId="{AB1B304F-FEAB-4106-994A-4DF0EF99EE51}" type="sibTrans" cxnId="{86B031C5-6C87-4B84-85C6-CB6BAE8D6AF4}">
       <dgm:prSet/>
       <dgm:spPr/>
       <dgm:t>
@@ -3633,46 +4070,22 @@
         </a:p>
       </dgm:t>
     </dgm:pt>
-    <dgm:pt modelId="{3EAAF73A-CABE-4C37-BA08-E018B4C47289}">
-      <dgm:prSet phldrT="[Text]"/>
+    <dgm:pt modelId="{0B1C7B8D-AE11-49C5-83CB-F46649989F6C}">
+      <dgm:prSet phldrT="[Text]" custT="1"/>
       <dgm:spPr/>
       <dgm:t>
         <a:bodyPr/>
         <a:lstStyle/>
         <a:p>
           <a:r>
-            <a:rPr lang="en-US" b="1" dirty="0" err="1"/>
-            <a:t>Kolaborasi</a:t>
-          </a:r>
-          <a:r>
-            <a:rPr lang="en-US" b="1" dirty="0"/>
-            <a:t> </a:t>
-          </a:r>
-          <a:r>
-            <a:rPr lang="en-US" b="1" dirty="0" err="1"/>
-            <a:t>dengan</a:t>
-          </a:r>
-          <a:r>
-            <a:rPr lang="en-US" b="1" dirty="0"/>
-            <a:t> </a:t>
-          </a:r>
-          <a:r>
-            <a:rPr lang="en-US" b="1" dirty="0" err="1"/>
-            <a:t>Bisnis</a:t>
-          </a:r>
-          <a:r>
-            <a:rPr lang="en-US" b="1" dirty="0"/>
-            <a:t> </a:t>
-          </a:r>
-          <a:r>
-            <a:rPr lang="en-US" b="1" dirty="0" err="1"/>
-            <a:t>Lokal</a:t>
-          </a:r>
-          <a:endParaRPr lang="en-US" b="1" dirty="0"/>
+            <a:rPr lang="en-US" sz="1200" b="0"/>
+            <a:t>Pemasaran Digital dan Branding</a:t>
+          </a:r>
+          <a:endParaRPr lang="en-US" sz="1200" dirty="0"/>
         </a:p>
       </dgm:t>
     </dgm:pt>
-    <dgm:pt modelId="{A89761CC-365B-45A1-B1BA-136FF6747E35}" type="parTrans" cxnId="{C2D32B5F-3B3D-449D-96B7-CF8FB3D7C557}">
+    <dgm:pt modelId="{E6F9D42E-3244-4532-B199-10A36E5FDDB7}" type="parTrans" cxnId="{DEBFE785-C40B-42AE-9507-49F8F3C3EAB4}">
       <dgm:prSet/>
       <dgm:spPr/>
       <dgm:t>
@@ -3683,7 +4096,7 @@
         </a:p>
       </dgm:t>
     </dgm:pt>
-    <dgm:pt modelId="{5432D159-B036-46CB-81AD-6B7B67E63B9C}" type="sibTrans" cxnId="{C2D32B5F-3B3D-449D-96B7-CF8FB3D7C557}">
+    <dgm:pt modelId="{D8F738EC-2DB8-4704-B91D-9FCCFF83E667}" type="sibTrans" cxnId="{DEBFE785-C40B-42AE-9507-49F8F3C3EAB4}">
       <dgm:prSet/>
       <dgm:spPr/>
       <dgm:t>
@@ -3694,98 +4107,250 @@
         </a:p>
       </dgm:t>
     </dgm:pt>
-    <dgm:pt modelId="{A7657E6C-2BA2-43A8-8BC5-B928872C16EC}">
-      <dgm:prSet phldrT="[Text]"/>
+    <dgm:pt modelId="{94A9871A-38DC-4511-90AB-98CDFF66BD0E}">
+      <dgm:prSet phldrT="[Text]" custT="1"/>
       <dgm:spPr/>
       <dgm:t>
         <a:bodyPr/>
         <a:lstStyle/>
         <a:p>
           <a:r>
-            <a:rPr lang="en-US" dirty="0" err="1"/>
-            <a:t>Bekerja</a:t>
-          </a:r>
-          <a:r>
-            <a:rPr lang="en-US" dirty="0"/>
+            <a:rPr lang="en-US" sz="1000" b="0" dirty="0" err="1"/>
+            <a:t>Menargetkan</a:t>
+          </a:r>
+          <a:r>
+            <a:rPr lang="en-US" sz="1000" b="0" dirty="0"/>
             <a:t> </a:t>
           </a:r>
           <a:r>
-            <a:rPr lang="en-US" dirty="0" err="1"/>
-            <a:t>sama</a:t>
-          </a:r>
-          <a:r>
-            <a:rPr lang="en-US" dirty="0"/>
+            <a:rPr lang="en-US" sz="1000" b="0" dirty="0" err="1"/>
+            <a:t>kelompok</a:t>
+          </a:r>
+          <a:r>
+            <a:rPr lang="en-US" sz="1000" b="0" dirty="0"/>
             <a:t> </a:t>
           </a:r>
           <a:r>
-            <a:rPr lang="en-US" dirty="0" err="1"/>
+            <a:rPr lang="en-US" sz="1000" b="0" dirty="0" err="1"/>
+            <a:t>wisatawan</a:t>
+          </a:r>
+          <a:r>
+            <a:rPr lang="en-US" sz="1000" b="0" dirty="0"/>
+            <a:t> </a:t>
+          </a:r>
+          <a:r>
+            <a:rPr lang="en-US" sz="1000" b="0" dirty="0" err="1"/>
+            <a:t>tertentu</a:t>
+          </a:r>
+          <a:r>
+            <a:rPr lang="en-US" sz="1000" b="0" dirty="0"/>
+            <a:t>, </a:t>
+          </a:r>
+          <a:r>
+            <a:rPr lang="en-US" sz="1000" b="0" dirty="0" err="1"/>
+            <a:t>Misalnya</a:t>
+          </a:r>
+          <a:r>
+            <a:rPr lang="en-US" sz="1000" b="0" dirty="0"/>
+            <a:t> </a:t>
+          </a:r>
+          <a:r>
+            <a:rPr lang="en-US" sz="1000" b="0" dirty="0" err="1"/>
+            <a:t>wisatawan</a:t>
+          </a:r>
+          <a:r>
+            <a:rPr lang="en-US" sz="1000" b="0" dirty="0"/>
+            <a:t> backpacker </a:t>
+          </a:r>
+          <a:r>
+            <a:rPr lang="en-US" sz="1000" b="0" dirty="0" err="1"/>
+            <a:t>mungkin</a:t>
+          </a:r>
+          <a:r>
+            <a:rPr lang="en-US" sz="1000" b="0" dirty="0"/>
+            <a:t> </a:t>
+          </a:r>
+          <a:r>
+            <a:rPr lang="en-US" sz="1000" b="0" dirty="0" err="1"/>
+            <a:t>lebih</a:t>
+          </a:r>
+          <a:r>
+            <a:rPr lang="en-US" sz="1000" b="0" dirty="0"/>
+            <a:t> </a:t>
+          </a:r>
+          <a:r>
+            <a:rPr lang="en-US" sz="1000" b="0" dirty="0" err="1"/>
+            <a:t>tertarik</a:t>
+          </a:r>
+          <a:r>
+            <a:rPr lang="en-US" sz="1000" b="0" dirty="0"/>
+            <a:t> pada </a:t>
+          </a:r>
+          <a:r>
+            <a:rPr lang="en-US" sz="1000" b="0" dirty="0" err="1"/>
+            <a:t>akomodasi</a:t>
+          </a:r>
+          <a:r>
+            <a:rPr lang="en-US" sz="1000" b="0" dirty="0"/>
+            <a:t> yang </a:t>
+          </a:r>
+          <a:r>
+            <a:rPr lang="en-US" sz="1000" b="0" dirty="0" err="1"/>
+            <a:t>terjangkau</a:t>
+          </a:r>
+          <a:r>
+            <a:rPr lang="en-US" sz="1000" b="0" dirty="0"/>
+            <a:t> dan </a:t>
+          </a:r>
+          <a:r>
+            <a:rPr lang="en-US" sz="1000" b="0" dirty="0" err="1"/>
+            <a:t>berlokasi</a:t>
+          </a:r>
+          <a:r>
+            <a:rPr lang="en-US" sz="1000" b="0" dirty="0"/>
+            <a:t> </a:t>
+          </a:r>
+          <a:r>
+            <a:rPr lang="en-US" sz="1000" b="0" dirty="0" err="1"/>
+            <a:t>dekat</a:t>
+          </a:r>
+          <a:r>
+            <a:rPr lang="en-US" sz="1000" b="0" dirty="0"/>
+            <a:t> </a:t>
+          </a:r>
+          <a:r>
+            <a:rPr lang="en-US" sz="1000" b="0" dirty="0" err="1"/>
             <a:t>dengan</a:t>
           </a:r>
           <a:r>
-            <a:rPr lang="en-US" dirty="0"/>
+            <a:rPr lang="en-US" sz="1000" b="0" dirty="0"/>
             <a:t> </a:t>
           </a:r>
           <a:r>
-            <a:rPr lang="en-US" dirty="0" err="1"/>
-            <a:t>restoran</a:t>
-          </a:r>
-          <a:r>
-            <a:rPr lang="en-US" dirty="0"/>
+            <a:rPr lang="en-US" sz="1000" b="0" dirty="0" err="1"/>
+            <a:t>tempat-tempat</a:t>
+          </a:r>
+          <a:r>
+            <a:rPr lang="en-US" sz="1000" b="0" dirty="0"/>
+            <a:t> </a:t>
+          </a:r>
+          <a:r>
+            <a:rPr lang="en-US" sz="1000" b="0" dirty="0" err="1"/>
+            <a:t>menarik</a:t>
+          </a:r>
+          <a:r>
+            <a:rPr lang="en-US" sz="1000" b="0" dirty="0"/>
             <a:t>, </a:t>
           </a:r>
           <a:r>
-            <a:rPr lang="en-US" dirty="0" err="1"/>
-            <a:t>tempat</a:t>
-          </a:r>
-          <a:r>
-            <a:rPr lang="en-US" dirty="0"/>
+            <a:rPr lang="en-US" sz="1000" b="0" dirty="0" err="1"/>
+            <a:t>sementara</a:t>
+          </a:r>
+          <a:r>
+            <a:rPr lang="en-US" sz="1000" b="0" dirty="0"/>
             <a:t> </a:t>
           </a:r>
           <a:r>
-            <a:rPr lang="en-US" dirty="0" err="1"/>
-            <a:t>wisata</a:t>
-          </a:r>
-          <a:r>
-            <a:rPr lang="en-US" dirty="0"/>
+            <a:rPr lang="en-US" sz="1000" b="0" dirty="0" err="1"/>
+            <a:t>pelancong</a:t>
+          </a:r>
+          <a:r>
+            <a:rPr lang="en-US" sz="1000" b="0" dirty="0"/>
+            <a:t> </a:t>
+          </a:r>
+          <a:r>
+            <a:rPr lang="en-US" sz="1000" b="0" dirty="0" err="1"/>
+            <a:t>bisnis</a:t>
+          </a:r>
+          <a:r>
+            <a:rPr lang="en-US" sz="1000" b="0" dirty="0"/>
+            <a:t> </a:t>
+          </a:r>
+          <a:r>
+            <a:rPr lang="en-US" sz="1000" b="0" dirty="0" err="1"/>
+            <a:t>mungkin</a:t>
+          </a:r>
+          <a:r>
+            <a:rPr lang="en-US" sz="1000" b="0" dirty="0"/>
+            <a:t> </a:t>
+          </a:r>
+          <a:r>
+            <a:rPr lang="en-US" sz="1000" b="0" dirty="0" err="1"/>
+            <a:t>memprioritaskan</a:t>
+          </a:r>
+          <a:r>
+            <a:rPr lang="en-US" sz="1000" b="0" dirty="0"/>
+            <a:t> </a:t>
+          </a:r>
+          <a:r>
+            <a:rPr lang="en-US" sz="1000" b="0" dirty="0" err="1"/>
+            <a:t>fasilitas</a:t>
+          </a:r>
+          <a:r>
+            <a:rPr lang="en-US" sz="1000" b="0" dirty="0"/>
+            <a:t> </a:t>
+          </a:r>
+          <a:r>
+            <a:rPr lang="en-US" sz="1000" b="0" dirty="0" err="1"/>
+            <a:t>kerja</a:t>
+          </a:r>
+          <a:r>
+            <a:rPr lang="en-US" sz="1000" b="0" dirty="0"/>
+            <a:t> dan </a:t>
+          </a:r>
+          <a:r>
+            <a:rPr lang="en-US" sz="1000" b="0" dirty="0" err="1"/>
+            <a:t>kenyamanan</a:t>
+          </a:r>
+          <a:r>
+            <a:rPr lang="en-US" sz="1000" b="0" dirty="0"/>
             <a:t>, </a:t>
           </a:r>
           <a:r>
-            <a:rPr lang="en-US" dirty="0" err="1"/>
-            <a:t>atau</a:t>
-          </a:r>
-          <a:r>
-            <a:rPr lang="en-US" dirty="0"/>
+            <a:rPr lang="en-US" sz="1000" b="0" dirty="0" err="1"/>
+            <a:t>mementingkan</a:t>
+          </a:r>
+          <a:r>
+            <a:rPr lang="en-US" sz="1000" b="0" dirty="0"/>
             <a:t> </a:t>
           </a:r>
           <a:r>
-            <a:rPr lang="en-US" dirty="0" err="1"/>
-            <a:t>penyedia</a:t>
-          </a:r>
-          <a:r>
-            <a:rPr lang="en-US" dirty="0"/>
+            <a:rPr lang="en-US" sz="1000" b="0" dirty="0" err="1"/>
+            <a:t>eksklusifitas</a:t>
+          </a:r>
+          <a:r>
+            <a:rPr lang="en-US" sz="1000" b="0" dirty="0"/>
             <a:t> </a:t>
           </a:r>
           <a:r>
-            <a:rPr lang="en-US" dirty="0" err="1"/>
-            <a:t>layanan</a:t>
-          </a:r>
-          <a:r>
-            <a:rPr lang="en-US" dirty="0"/>
+            <a:rPr lang="en-US" sz="1000" b="0" dirty="0" err="1"/>
+            <a:t>tanpa</a:t>
+          </a:r>
+          <a:r>
+            <a:rPr lang="en-US" sz="1000" b="0" dirty="0"/>
             <a:t> </a:t>
           </a:r>
           <a:r>
-            <a:rPr lang="en-US" dirty="0" err="1"/>
-            <a:t>lokal</a:t>
-          </a:r>
-          <a:r>
-            <a:rPr lang="en-US" dirty="0"/>
+            <a:rPr lang="en-US" sz="1000" b="0" dirty="0" err="1"/>
+            <a:t>mengenal</a:t>
+          </a:r>
+          <a:r>
+            <a:rPr lang="en-US" sz="1000" b="0" dirty="0"/>
             <a:t> </a:t>
           </a:r>
-          <a:endParaRPr lang="en-US" b="0" dirty="0"/>
+          <a:r>
+            <a:rPr lang="en-US" sz="1000" b="0" dirty="0" err="1"/>
+            <a:t>harga</a:t>
+          </a:r>
+          <a:r>
+            <a:rPr lang="en-US" sz="1000" b="0" dirty="0"/>
+            <a:t>.</a:t>
+          </a:r>
+          <a:endParaRPr lang="en-US" sz="1000" dirty="0"/>
         </a:p>
       </dgm:t>
     </dgm:pt>
-    <dgm:pt modelId="{F4492355-7CEA-45D2-9409-3D45B2313B32}" type="parTrans" cxnId="{6961C581-05AE-417A-89A4-7DD2E1FB8094}">
+    <dgm:pt modelId="{79C25037-78AF-4C7B-B1FC-B8CE1BD2C841}" type="parTrans" cxnId="{FC5D53FC-959F-43EF-831F-84D51162A06D}">
       <dgm:prSet/>
       <dgm:spPr/>
       <dgm:t>
@@ -3796,282 +4361,7 @@
         </a:p>
       </dgm:t>
     </dgm:pt>
-    <dgm:pt modelId="{3D46C219-5FD8-4B59-8A42-3DAAE55A0722}" type="sibTrans" cxnId="{6961C581-05AE-417A-89A4-7DD2E1FB8094}">
-      <dgm:prSet/>
-      <dgm:spPr/>
-      <dgm:t>
-        <a:bodyPr/>
-        <a:lstStyle/>
-        <a:p>
-          <a:endParaRPr lang="en-US"/>
-        </a:p>
-      </dgm:t>
-    </dgm:pt>
-    <dgm:pt modelId="{C456CA6F-F944-4B55-9B79-6A0AB41B71F7}">
-      <dgm:prSet phldrT="[Text]"/>
-      <dgm:spPr/>
-      <dgm:t>
-        <a:bodyPr/>
-        <a:lstStyle/>
-        <a:p>
-          <a:r>
-            <a:rPr lang="en-US" dirty="0" err="1"/>
-            <a:t>Mengikuti</a:t>
-          </a:r>
-          <a:r>
-            <a:rPr lang="en-US" dirty="0"/>
-            <a:t> acara </a:t>
-          </a:r>
-          <a:r>
-            <a:rPr lang="en-US" dirty="0" err="1"/>
-            <a:t>lokal</a:t>
-          </a:r>
-          <a:r>
-            <a:rPr lang="en-US" dirty="0"/>
-            <a:t> </a:t>
-          </a:r>
-          <a:r>
-            <a:rPr lang="en-US" dirty="0" err="1"/>
-            <a:t>atau</a:t>
-          </a:r>
-          <a:r>
-            <a:rPr lang="en-US" dirty="0"/>
-            <a:t> festival </a:t>
-          </a:r>
-          <a:r>
-            <a:rPr lang="en-US" dirty="0" err="1"/>
-            <a:t>dengan</a:t>
-          </a:r>
-          <a:r>
-            <a:rPr lang="en-US" dirty="0"/>
-            <a:t> </a:t>
-          </a:r>
-          <a:r>
-            <a:rPr lang="en-US" dirty="0" err="1"/>
-            <a:t>menawarkan</a:t>
-          </a:r>
-          <a:r>
-            <a:rPr lang="en-US" dirty="0"/>
-            <a:t> </a:t>
-          </a:r>
-          <a:r>
-            <a:rPr lang="en-US" dirty="0" err="1"/>
-            <a:t>paket</a:t>
-          </a:r>
-          <a:r>
-            <a:rPr lang="en-US" dirty="0"/>
-            <a:t> </a:t>
-          </a:r>
-          <a:r>
-            <a:rPr lang="en-US" dirty="0" err="1"/>
-            <a:t>khusus</a:t>
-          </a:r>
-          <a:r>
-            <a:rPr lang="en-US" dirty="0"/>
-            <a:t> yang </a:t>
-          </a:r>
-          <a:r>
-            <a:rPr lang="en-US" dirty="0" err="1"/>
-            <a:t>menggabungkan</a:t>
-          </a:r>
-          <a:r>
-            <a:rPr lang="en-US" dirty="0"/>
-            <a:t> </a:t>
-          </a:r>
-          <a:r>
-            <a:rPr lang="en-US" dirty="0" err="1"/>
-            <a:t>penginapan</a:t>
-          </a:r>
-          <a:r>
-            <a:rPr lang="en-US" dirty="0"/>
-            <a:t> </a:t>
-          </a:r>
-          <a:r>
-            <a:rPr lang="en-US" dirty="0" err="1"/>
-            <a:t>dengan</a:t>
-          </a:r>
-          <a:r>
-            <a:rPr lang="en-US" dirty="0"/>
-            <a:t> </a:t>
-          </a:r>
-          <a:r>
-            <a:rPr lang="en-US" dirty="0" err="1"/>
-            <a:t>akses</a:t>
-          </a:r>
-          <a:r>
-            <a:rPr lang="en-US" dirty="0"/>
-            <a:t> </a:t>
-          </a:r>
-          <a:r>
-            <a:rPr lang="en-US" dirty="0" err="1"/>
-            <a:t>ke</a:t>
-          </a:r>
-          <a:r>
-            <a:rPr lang="en-US" dirty="0"/>
-            <a:t> acara-acara </a:t>
-          </a:r>
-          <a:r>
-            <a:rPr lang="en-US" dirty="0" err="1"/>
-            <a:t>tersebut</a:t>
-          </a:r>
-          <a:endParaRPr lang="en-US" b="0" dirty="0"/>
-        </a:p>
-      </dgm:t>
-    </dgm:pt>
-    <dgm:pt modelId="{24897A82-7535-4BB6-B087-7334A34E107E}" type="parTrans" cxnId="{BC8FCEDE-5299-4BD9-B155-3D22B5D0024A}">
-      <dgm:prSet/>
-      <dgm:spPr/>
-      <dgm:t>
-        <a:bodyPr/>
-        <a:lstStyle/>
-        <a:p>
-          <a:endParaRPr lang="en-US"/>
-        </a:p>
-      </dgm:t>
-    </dgm:pt>
-    <dgm:pt modelId="{E56CACF7-8CA8-45C8-B357-C6177057B73C}" type="sibTrans" cxnId="{BC8FCEDE-5299-4BD9-B155-3D22B5D0024A}">
-      <dgm:prSet/>
-      <dgm:spPr/>
-      <dgm:t>
-        <a:bodyPr/>
-        <a:lstStyle/>
-        <a:p>
-          <a:endParaRPr lang="en-US"/>
-        </a:p>
-      </dgm:t>
-    </dgm:pt>
-    <dgm:pt modelId="{CC5C17E2-C755-43B0-8F89-A6E8B1C38BFC}">
-      <dgm:prSet phldrT="[Text]"/>
-      <dgm:spPr/>
-      <dgm:t>
-        <a:bodyPr/>
-        <a:lstStyle/>
-        <a:p>
-          <a:r>
-            <a:rPr lang="en-US" b="0" dirty="0" err="1"/>
-            <a:t>Peningkatan</a:t>
-          </a:r>
-          <a:r>
-            <a:rPr lang="en-US" b="0" dirty="0"/>
-            <a:t> </a:t>
-          </a:r>
-          <a:r>
-            <a:rPr lang="en-US" b="0" dirty="0" err="1"/>
-            <a:t>Kualitas</a:t>
-          </a:r>
-          <a:r>
-            <a:rPr lang="en-US" b="0" dirty="0"/>
-            <a:t> </a:t>
-          </a:r>
-          <a:r>
-            <a:rPr lang="en-US" b="0" dirty="0" err="1"/>
-            <a:t>Properti</a:t>
-          </a:r>
-          <a:endParaRPr lang="en-US" b="0" dirty="0"/>
-        </a:p>
-      </dgm:t>
-    </dgm:pt>
-    <dgm:pt modelId="{8A988DC3-9871-4BAD-BF2B-13535B90CAC8}" type="parTrans" cxnId="{DAB8961E-0D10-4C4E-84E1-F29FB6F3A1BB}">
-      <dgm:prSet/>
-      <dgm:spPr/>
-      <dgm:t>
-        <a:bodyPr/>
-        <a:lstStyle/>
-        <a:p>
-          <a:endParaRPr lang="en-US"/>
-        </a:p>
-      </dgm:t>
-    </dgm:pt>
-    <dgm:pt modelId="{CB714741-E9D8-4200-82F6-F9A7E921152B}" type="sibTrans" cxnId="{DAB8961E-0D10-4C4E-84E1-F29FB6F3A1BB}">
-      <dgm:prSet/>
-      <dgm:spPr/>
-      <dgm:t>
-        <a:bodyPr/>
-        <a:lstStyle/>
-        <a:p>
-          <a:endParaRPr lang="en-US"/>
-        </a:p>
-      </dgm:t>
-    </dgm:pt>
-    <dgm:pt modelId="{FFA1688F-DE7C-4333-982F-B52546370DD4}">
-      <dgm:prSet phldrT="[Text]"/>
-      <dgm:spPr/>
-      <dgm:t>
-        <a:bodyPr/>
-        <a:lstStyle/>
-        <a:p>
-          <a:r>
-            <a:rPr lang="en-US" b="0" dirty="0"/>
-            <a:t> </a:t>
-          </a:r>
-          <a:r>
-            <a:rPr lang="en-US" b="0" dirty="0" err="1"/>
-            <a:t>Menyediakan</a:t>
-          </a:r>
-          <a:r>
-            <a:rPr lang="en-US" b="0" dirty="0"/>
-            <a:t> </a:t>
-          </a:r>
-          <a:r>
-            <a:rPr lang="en-US" b="0" dirty="0" err="1"/>
-            <a:t>ruang</a:t>
-          </a:r>
-          <a:r>
-            <a:rPr lang="en-US" b="0" dirty="0"/>
-            <a:t> yang </a:t>
-          </a:r>
-          <a:r>
-            <a:rPr lang="en-US" b="0" dirty="0" err="1"/>
-            <a:t>nyaman</a:t>
-          </a:r>
-          <a:r>
-            <a:rPr lang="en-US" b="0" dirty="0"/>
-            <a:t> dan </a:t>
-          </a:r>
-          <a:r>
-            <a:rPr lang="en-US" b="0" dirty="0" err="1"/>
-            <a:t>ekslusif</a:t>
-          </a:r>
-          <a:r>
-            <a:rPr lang="en-US" b="0" dirty="0"/>
-            <a:t> </a:t>
-          </a:r>
-          <a:r>
-            <a:rPr lang="en-US" b="0" dirty="0" err="1"/>
-            <a:t>untuk</a:t>
-          </a:r>
-          <a:r>
-            <a:rPr lang="en-US" b="0" dirty="0"/>
-            <a:t> </a:t>
-          </a:r>
-          <a:r>
-            <a:rPr lang="en-US" b="0" dirty="0" err="1"/>
-            <a:t>menarik</a:t>
-          </a:r>
-          <a:r>
-            <a:rPr lang="en-US" b="0" dirty="0"/>
-            <a:t> </a:t>
-          </a:r>
-          <a:r>
-            <a:rPr lang="en-US" b="0" dirty="0" err="1"/>
-            <a:t>wisatawa</a:t>
-          </a:r>
-          <a:endParaRPr lang="en-US" b="0" dirty="0"/>
-        </a:p>
-      </dgm:t>
-    </dgm:pt>
-    <dgm:pt modelId="{000473B5-7ADF-484D-9D46-BE084B0706BA}" type="parTrans" cxnId="{975371AC-D0DF-4158-AF8C-2D9BBA181844}">
-      <dgm:prSet/>
-      <dgm:spPr/>
-      <dgm:t>
-        <a:bodyPr/>
-        <a:lstStyle/>
-        <a:p>
-          <a:endParaRPr lang="en-US"/>
-        </a:p>
-      </dgm:t>
-    </dgm:pt>
-    <dgm:pt modelId="{614312C1-E2B1-4CA1-B860-9C6F9296C0C0}" type="sibTrans" cxnId="{975371AC-D0DF-4158-AF8C-2D9BBA181844}">
+    <dgm:pt modelId="{A961757A-5039-49BA-B854-F99F14FC7A2F}" type="sibTrans" cxnId="{FC5D53FC-959F-43EF-831F-84D51162A06D}">
       <dgm:prSet/>
       <dgm:spPr/>
       <dgm:t>
@@ -4097,7 +4387,7 @@
       <dgm:spPr/>
     </dgm:pt>
     <dgm:pt modelId="{CAAEB329-E67B-4AB6-AEE5-0FCB96F78822}" type="pres">
-      <dgm:prSet presAssocID="{3C27ACFE-08BC-40E9-8837-70FFBCC037BE}" presName="parentText" presStyleLbl="alignNode1" presStyleIdx="0" presStyleCnt="4">
+      <dgm:prSet presAssocID="{3C27ACFE-08BC-40E9-8837-70FFBCC037BE}" presName="parentText" presStyleLbl="alignNode1" presStyleIdx="0" presStyleCnt="3">
         <dgm:presLayoutVars>
           <dgm:chMax val="1"/>
           <dgm:bulletEnabled val="1"/>
@@ -4106,23 +4396,23 @@
       <dgm:spPr/>
     </dgm:pt>
     <dgm:pt modelId="{D255E2EE-2DBA-465A-84BF-57AC0040A47F}" type="pres">
-      <dgm:prSet presAssocID="{3C27ACFE-08BC-40E9-8837-70FFBCC037BE}" presName="descendantText" presStyleLbl="alignAcc1" presStyleIdx="0" presStyleCnt="4" custLinFactNeighborX="-603">
+      <dgm:prSet presAssocID="{3C27ACFE-08BC-40E9-8837-70FFBCC037BE}" presName="descendantText" presStyleLbl="alignAcc1" presStyleIdx="0" presStyleCnt="3" custLinFactNeighborX="-603">
         <dgm:presLayoutVars>
           <dgm:bulletEnabled val="1"/>
         </dgm:presLayoutVars>
       </dgm:prSet>
       <dgm:spPr/>
     </dgm:pt>
-    <dgm:pt modelId="{E22668F8-A600-46C7-9E70-B48F7F993CA8}" type="pres">
+    <dgm:pt modelId="{0BCFB993-D9F0-4FF7-BBC1-42921011E71A}" type="pres">
       <dgm:prSet presAssocID="{7BB849EE-523B-4AF2-9D1E-95B0EAD4374D}" presName="sp" presStyleCnt="0"/>
       <dgm:spPr/>
     </dgm:pt>
-    <dgm:pt modelId="{9412CC7C-FE2C-4412-8A1D-5367141B2C94}" type="pres">
-      <dgm:prSet presAssocID="{3EAAF73A-CABE-4C37-BA08-E018B4C47289}" presName="composite" presStyleCnt="0"/>
+    <dgm:pt modelId="{9BB6946B-5593-44D6-85E4-6E632C0B5F91}" type="pres">
+      <dgm:prSet presAssocID="{460329F7-8B77-4405-BD66-CEE053AF2729}" presName="composite" presStyleCnt="0"/>
       <dgm:spPr/>
     </dgm:pt>
-    <dgm:pt modelId="{E9786993-E0A7-42BE-949B-1C820C0B775B}" type="pres">
-      <dgm:prSet presAssocID="{3EAAF73A-CABE-4C37-BA08-E018B4C47289}" presName="parentText" presStyleLbl="alignNode1" presStyleIdx="1" presStyleCnt="4">
+    <dgm:pt modelId="{3E58FF03-06A4-46FD-8D46-94B630C040DF}" type="pres">
+      <dgm:prSet presAssocID="{460329F7-8B77-4405-BD66-CEE053AF2729}" presName="parentText" presStyleLbl="alignNode1" presStyleIdx="1" presStyleCnt="3">
         <dgm:presLayoutVars>
           <dgm:chMax val="1"/>
           <dgm:bulletEnabled val="1"/>
@@ -4130,24 +4420,24 @@
       </dgm:prSet>
       <dgm:spPr/>
     </dgm:pt>
-    <dgm:pt modelId="{14EF5A79-3E75-4A2E-AA54-7EB63D3736DD}" type="pres">
-      <dgm:prSet presAssocID="{3EAAF73A-CABE-4C37-BA08-E018B4C47289}" presName="descendantText" presStyleLbl="alignAcc1" presStyleIdx="1" presStyleCnt="4">
+    <dgm:pt modelId="{CF7E765F-B33D-4DCA-9928-AFF8A91B49F3}" type="pres">
+      <dgm:prSet presAssocID="{460329F7-8B77-4405-BD66-CEE053AF2729}" presName="descendantText" presStyleLbl="alignAcc1" presStyleIdx="1" presStyleCnt="3">
         <dgm:presLayoutVars>
           <dgm:bulletEnabled val="1"/>
         </dgm:presLayoutVars>
       </dgm:prSet>
       <dgm:spPr/>
     </dgm:pt>
-    <dgm:pt modelId="{32E4E45B-B6D5-4117-A255-9184AA8D46F6}" type="pres">
-      <dgm:prSet presAssocID="{5432D159-B036-46CB-81AD-6B7B67E63B9C}" presName="sp" presStyleCnt="0"/>
+    <dgm:pt modelId="{7FB7462D-8EEF-4DF4-A994-84750834784C}" type="pres">
+      <dgm:prSet presAssocID="{C969C20B-81F3-4FCD-8B73-F98EB73512CA}" presName="sp" presStyleCnt="0"/>
       <dgm:spPr/>
     </dgm:pt>
-    <dgm:pt modelId="{7FDD00FF-97E3-4C0C-BD05-460B4AD74C7F}" type="pres">
-      <dgm:prSet presAssocID="{CC5C17E2-C755-43B0-8F89-A6E8B1C38BFC}" presName="composite" presStyleCnt="0"/>
+    <dgm:pt modelId="{F2A5EF1C-83E1-4E5F-9AA8-433A711D9360}" type="pres">
+      <dgm:prSet presAssocID="{0B1C7B8D-AE11-49C5-83CB-F46649989F6C}" presName="composite" presStyleCnt="0"/>
       <dgm:spPr/>
     </dgm:pt>
-    <dgm:pt modelId="{9D5E349A-EDE7-4F47-970E-F253922EC100}" type="pres">
-      <dgm:prSet presAssocID="{CC5C17E2-C755-43B0-8F89-A6E8B1C38BFC}" presName="parentText" presStyleLbl="alignNode1" presStyleIdx="2" presStyleCnt="4">
+    <dgm:pt modelId="{5882C09B-0A88-43DD-B27D-47B3E6103822}" type="pres">
+      <dgm:prSet presAssocID="{0B1C7B8D-AE11-49C5-83CB-F46649989F6C}" presName="parentText" presStyleLbl="alignNode1" presStyleIdx="2" presStyleCnt="3">
         <dgm:presLayoutVars>
           <dgm:chMax val="1"/>
           <dgm:bulletEnabled val="1"/>
@@ -4155,33 +4445,8 @@
       </dgm:prSet>
       <dgm:spPr/>
     </dgm:pt>
-    <dgm:pt modelId="{D36F5875-FFB3-44A1-BD73-4B7ECF45E6B6}" type="pres">
-      <dgm:prSet presAssocID="{CC5C17E2-C755-43B0-8F89-A6E8B1C38BFC}" presName="descendantText" presStyleLbl="alignAcc1" presStyleIdx="2" presStyleCnt="4">
-        <dgm:presLayoutVars>
-          <dgm:bulletEnabled val="1"/>
-        </dgm:presLayoutVars>
-      </dgm:prSet>
-      <dgm:spPr/>
-    </dgm:pt>
-    <dgm:pt modelId="{C45EC72C-177D-440E-BE38-BDBA767CD3F3}" type="pres">
-      <dgm:prSet presAssocID="{CB714741-E9D8-4200-82F6-F9A7E921152B}" presName="sp" presStyleCnt="0"/>
-      <dgm:spPr/>
-    </dgm:pt>
-    <dgm:pt modelId="{2A01A8A9-4AAE-4086-BB44-BAB49E422C98}" type="pres">
-      <dgm:prSet presAssocID="{E2733376-3487-457A-994A-F989FF3348DC}" presName="composite" presStyleCnt="0"/>
-      <dgm:spPr/>
-    </dgm:pt>
-    <dgm:pt modelId="{67BC9B80-7353-42BE-809F-539A67A944A8}" type="pres">
-      <dgm:prSet presAssocID="{E2733376-3487-457A-994A-F989FF3348DC}" presName="parentText" presStyleLbl="alignNode1" presStyleIdx="3" presStyleCnt="4">
-        <dgm:presLayoutVars>
-          <dgm:chMax val="1"/>
-          <dgm:bulletEnabled val="1"/>
-        </dgm:presLayoutVars>
-      </dgm:prSet>
-      <dgm:spPr/>
-    </dgm:pt>
-    <dgm:pt modelId="{38E5D018-A97C-45EB-B9BF-F4E0D5CE6BA5}" type="pres">
-      <dgm:prSet presAssocID="{E2733376-3487-457A-994A-F989FF3348DC}" presName="descendantText" presStyleLbl="alignAcc1" presStyleIdx="3" presStyleCnt="4">
+    <dgm:pt modelId="{1841557B-7C75-4699-9AA1-7A858DB3AADB}" type="pres">
+      <dgm:prSet presAssocID="{0B1C7B8D-AE11-49C5-83CB-F46649989F6C}" presName="descendantText" presStyleLbl="alignAcc1" presStyleIdx="2" presStyleCnt="3">
         <dgm:presLayoutVars>
           <dgm:bulletEnabled val="1"/>
         </dgm:presLayoutVars>
@@ -4190,42 +4455,32 @@
     </dgm:pt>
   </dgm:ptLst>
   <dgm:cxnLst>
-    <dgm:cxn modelId="{85F0E606-307E-4020-875E-AA8E426A9CDA}" type="presOf" srcId="{CC5C17E2-C755-43B0-8F89-A6E8B1C38BFC}" destId="{9D5E349A-EDE7-4F47-970E-F253922EC100}" srcOrd="0" destOrd="0" presId="urn:microsoft.com/office/officeart/2005/8/layout/chevron2"/>
     <dgm:cxn modelId="{46138C0A-4AFE-4943-AFA1-D9DF5C06E7B9}" type="presOf" srcId="{F7864385-3A2D-45FF-842B-5D8945501131}" destId="{C1C6B8A4-7410-4714-8A09-3D90205185CD}" srcOrd="0" destOrd="0" presId="urn:microsoft.com/office/officeart/2005/8/layout/chevron2"/>
-    <dgm:cxn modelId="{BB23291C-F21D-4B9A-8439-19BDBF052A61}" type="presOf" srcId="{D578B054-3E3C-458B-820F-065A125966AC}" destId="{38E5D018-A97C-45EB-B9BF-F4E0D5CE6BA5}" srcOrd="0" destOrd="0" presId="urn:microsoft.com/office/officeart/2005/8/layout/chevron2"/>
-    <dgm:cxn modelId="{DAB8961E-0D10-4C4E-84E1-F29FB6F3A1BB}" srcId="{F7864385-3A2D-45FF-842B-5D8945501131}" destId="{CC5C17E2-C755-43B0-8F89-A6E8B1C38BFC}" srcOrd="2" destOrd="0" parTransId="{8A988DC3-9871-4BAD-BF2B-13535B90CAC8}" sibTransId="{CB714741-E9D8-4200-82F6-F9A7E921152B}"/>
-    <dgm:cxn modelId="{318CD821-D4D2-430A-BF6A-C666672445D1}" srcId="{E2733376-3487-457A-994A-F989FF3348DC}" destId="{D578B054-3E3C-458B-820F-065A125966AC}" srcOrd="0" destOrd="0" parTransId="{6D656422-3D1F-40EA-A3BF-21052E3DE522}" sibTransId="{14ED4E73-BD45-455D-BFD2-6BAD678C9F61}"/>
-    <dgm:cxn modelId="{BED6782A-BEA8-44DC-9335-5A1776B9C041}" type="presOf" srcId="{C456CA6F-F944-4B55-9B79-6A0AB41B71F7}" destId="{14EF5A79-3E75-4A2E-AA54-7EB63D3736DD}" srcOrd="0" destOrd="1" presId="urn:microsoft.com/office/officeart/2005/8/layout/chevron2"/>
-    <dgm:cxn modelId="{C2D32B5F-3B3D-449D-96B7-CF8FB3D7C557}" srcId="{F7864385-3A2D-45FF-842B-5D8945501131}" destId="{3EAAF73A-CABE-4C37-BA08-E018B4C47289}" srcOrd="1" destOrd="0" parTransId="{A89761CC-365B-45A1-B1BA-136FF6747E35}" sibTransId="{5432D159-B036-46CB-81AD-6B7B67E63B9C}"/>
+    <dgm:cxn modelId="{EE70120B-7EE8-48AC-9295-FFE2D30027D2}" srcId="{F7864385-3A2D-45FF-842B-5D8945501131}" destId="{460329F7-8B77-4405-BD66-CEE053AF2729}" srcOrd="1" destOrd="0" parTransId="{EE14DAFD-6D39-4FA4-A218-C2FDD215BA84}" sibTransId="{C969C20B-81F3-4FCD-8B73-F98EB73512CA}"/>
+    <dgm:cxn modelId="{DAF1BF1A-B962-4503-A80F-B8781CCD4322}" type="presOf" srcId="{E1BB324D-F549-41BC-A95A-57D154E35167}" destId="{D255E2EE-2DBA-465A-84BF-57AC0040A47F}" srcOrd="0" destOrd="0" presId="urn:microsoft.com/office/officeart/2005/8/layout/chevron2"/>
+    <dgm:cxn modelId="{4ADED236-6599-4992-BD93-FADA09D2C5D3}" type="presOf" srcId="{460329F7-8B77-4405-BD66-CEE053AF2729}" destId="{3E58FF03-06A4-46FD-8D46-94B630C040DF}" srcOrd="0" destOrd="0" presId="urn:microsoft.com/office/officeart/2005/8/layout/chevron2"/>
+    <dgm:cxn modelId="{D0AE4760-D556-4605-AD7A-776F42D689B4}" type="presOf" srcId="{FF15002C-B760-418F-8C35-2B875FEC5982}" destId="{CF7E765F-B33D-4DCA-9928-AFF8A91B49F3}" srcOrd="0" destOrd="0" presId="urn:microsoft.com/office/officeart/2005/8/layout/chevron2"/>
+    <dgm:cxn modelId="{08750463-9416-4339-8C6A-6DBD503FC65C}" type="presOf" srcId="{0B1C7B8D-AE11-49C5-83CB-F46649989F6C}" destId="{5882C09B-0A88-43DD-B27D-47B3E6103822}" srcOrd="0" destOrd="0" presId="urn:microsoft.com/office/officeart/2005/8/layout/chevron2"/>
     <dgm:cxn modelId="{F60A774F-4F61-447D-95A5-86EA2F71F5C4}" srcId="{F7864385-3A2D-45FF-842B-5D8945501131}" destId="{3C27ACFE-08BC-40E9-8837-70FFBCC037BE}" srcOrd="0" destOrd="0" parTransId="{76DBC3EC-368C-4962-BC99-C1548AB25E80}" sibTransId="{7BB849EE-523B-4AF2-9D1E-95B0EAD4374D}"/>
-    <dgm:cxn modelId="{BD639280-E5A1-4FE5-A36B-40235A5F24C2}" srcId="{E2733376-3487-457A-994A-F989FF3348DC}" destId="{A84BE2C0-E817-4C47-B588-7F1737708E0D}" srcOrd="1" destOrd="0" parTransId="{51819207-41DD-4031-82C9-0AF9E6C61699}" sibTransId="{9A79ECA6-1363-428F-994B-17557A18AA4F}"/>
-    <dgm:cxn modelId="{6961C581-05AE-417A-89A4-7DD2E1FB8094}" srcId="{3EAAF73A-CABE-4C37-BA08-E018B4C47289}" destId="{A7657E6C-2BA2-43A8-8BC5-B928872C16EC}" srcOrd="0" destOrd="0" parTransId="{F4492355-7CEA-45D2-9409-3D45B2313B32}" sibTransId="{3D46C219-5FD8-4B59-8A42-3DAAE55A0722}"/>
-    <dgm:cxn modelId="{11E71284-B833-4EA4-AA95-1C8991AAEF52}" srcId="{3C27ACFE-08BC-40E9-8837-70FFBCC037BE}" destId="{6EFED190-8CEF-4A2B-B04D-1172FEF17356}" srcOrd="0" destOrd="0" parTransId="{B2FFAB79-D998-48E4-AAEB-11E695E6BFC0}" sibTransId="{6E943DEB-46C7-4DA4-A5E0-9468482DA14C}"/>
-    <dgm:cxn modelId="{B6870092-FF1A-48F5-93EE-9AA371F7066C}" type="presOf" srcId="{6EFED190-8CEF-4A2B-B04D-1172FEF17356}" destId="{D255E2EE-2DBA-465A-84BF-57AC0040A47F}" srcOrd="0" destOrd="0" presId="urn:microsoft.com/office/officeart/2005/8/layout/chevron2"/>
-    <dgm:cxn modelId="{927C3393-64FC-47DE-AA9C-C0B8C8F3EC61}" type="presOf" srcId="{A7657E6C-2BA2-43A8-8BC5-B928872C16EC}" destId="{14EF5A79-3E75-4A2E-AA54-7EB63D3736DD}" srcOrd="0" destOrd="0" presId="urn:microsoft.com/office/officeart/2005/8/layout/chevron2"/>
-    <dgm:cxn modelId="{975371AC-D0DF-4158-AF8C-2D9BBA181844}" srcId="{CC5C17E2-C755-43B0-8F89-A6E8B1C38BFC}" destId="{FFA1688F-DE7C-4333-982F-B52546370DD4}" srcOrd="0" destOrd="0" parTransId="{000473B5-7ADF-484D-9D46-BE084B0706BA}" sibTransId="{614312C1-E2B1-4CA1-B860-9C6F9296C0C0}"/>
-    <dgm:cxn modelId="{6BC415AF-9FF0-4751-B804-BC119208E44C}" type="presOf" srcId="{E2733376-3487-457A-994A-F989FF3348DC}" destId="{67BC9B80-7353-42BE-809F-539A67A944A8}" srcOrd="0" destOrd="0" presId="urn:microsoft.com/office/officeart/2005/8/layout/chevron2"/>
-    <dgm:cxn modelId="{CF4498B7-A65E-411C-A7D7-9A65CC4174AC}" type="presOf" srcId="{A84BE2C0-E817-4C47-B588-7F1737708E0D}" destId="{38E5D018-A97C-45EB-B9BF-F4E0D5CE6BA5}" srcOrd="0" destOrd="1" presId="urn:microsoft.com/office/officeart/2005/8/layout/chevron2"/>
-    <dgm:cxn modelId="{A21914B8-FF1B-4C39-88CA-1D20A148429A}" srcId="{F7864385-3A2D-45FF-842B-5D8945501131}" destId="{E2733376-3487-457A-994A-F989FF3348DC}" srcOrd="3" destOrd="0" parTransId="{B2AE5F48-ED72-48CE-8222-B500E6594CB6}" sibTransId="{7A64DF79-6681-4F77-8295-67284C8C680C}"/>
-    <dgm:cxn modelId="{34891BCB-AC79-4BB8-BA5C-CAEB13271827}" type="presOf" srcId="{3EAAF73A-CABE-4C37-BA08-E018B4C47289}" destId="{E9786993-E0A7-42BE-949B-1C820C0B775B}" srcOrd="0" destOrd="0" presId="urn:microsoft.com/office/officeart/2005/8/layout/chevron2"/>
+    <dgm:cxn modelId="{DEBFE785-C40B-42AE-9507-49F8F3C3EAB4}" srcId="{F7864385-3A2D-45FF-842B-5D8945501131}" destId="{0B1C7B8D-AE11-49C5-83CB-F46649989F6C}" srcOrd="2" destOrd="0" parTransId="{E6F9D42E-3244-4532-B199-10A36E5FDDB7}" sibTransId="{D8F738EC-2DB8-4704-B91D-9FCCFF83E667}"/>
+    <dgm:cxn modelId="{6E7F99BD-C4E4-43F3-B163-4455F63AE3C5}" srcId="{3C27ACFE-08BC-40E9-8837-70FFBCC037BE}" destId="{635232DF-8CD5-4B28-B022-8D6576723641}" srcOrd="1" destOrd="0" parTransId="{6DD28E21-7BFB-48B1-B247-188FC444257F}" sibTransId="{015CD2BF-A1C1-464C-AC6F-FFDEA22FF8BB}"/>
+    <dgm:cxn modelId="{86B031C5-6C87-4B84-85C6-CB6BAE8D6AF4}" srcId="{460329F7-8B77-4405-BD66-CEE053AF2729}" destId="{FF15002C-B760-418F-8C35-2B875FEC5982}" srcOrd="0" destOrd="0" parTransId="{D303F2DA-2577-43A7-9982-72AD1DBEF82A}" sibTransId="{AB1B304F-FEAB-4106-994A-4DF0EF99EE51}"/>
+    <dgm:cxn modelId="{26CFC9C6-157E-49A5-BA16-23D161909A14}" type="presOf" srcId="{635232DF-8CD5-4B28-B022-8D6576723641}" destId="{D255E2EE-2DBA-465A-84BF-57AC0040A47F}" srcOrd="0" destOrd="1" presId="urn:microsoft.com/office/officeart/2005/8/layout/chevron2"/>
     <dgm:cxn modelId="{53AC9CCD-783F-407C-8DE5-D5E8C64697DA}" type="presOf" srcId="{3C27ACFE-08BC-40E9-8837-70FFBCC037BE}" destId="{CAAEB329-E67B-4AB6-AEE5-0FCB96F78822}" srcOrd="0" destOrd="0" presId="urn:microsoft.com/office/officeart/2005/8/layout/chevron2"/>
-    <dgm:cxn modelId="{BC8FCEDE-5299-4BD9-B155-3D22B5D0024A}" srcId="{3EAAF73A-CABE-4C37-BA08-E018B4C47289}" destId="{C456CA6F-F944-4B55-9B79-6A0AB41B71F7}" srcOrd="1" destOrd="0" parTransId="{24897A82-7535-4BB6-B087-7334A34E107E}" sibTransId="{E56CACF7-8CA8-45C8-B357-C6177057B73C}"/>
-    <dgm:cxn modelId="{CF3854FF-FFC7-4128-A41F-52055C2080BC}" type="presOf" srcId="{FFA1688F-DE7C-4333-982F-B52546370DD4}" destId="{D36F5875-FFB3-44A1-BD73-4B7ECF45E6B6}" srcOrd="0" destOrd="0" presId="urn:microsoft.com/office/officeart/2005/8/layout/chevron2"/>
+    <dgm:cxn modelId="{4EBC27E6-B24A-468D-935B-2EFCFB77934E}" srcId="{3C27ACFE-08BC-40E9-8837-70FFBCC037BE}" destId="{E1BB324D-F549-41BC-A95A-57D154E35167}" srcOrd="0" destOrd="0" parTransId="{0F32A688-58DD-4BFC-B0CA-55985EDEC6B0}" sibTransId="{EE402D4F-66D2-4C98-9F06-F7C30203C84A}"/>
+    <dgm:cxn modelId="{FC5D53FC-959F-43EF-831F-84D51162A06D}" srcId="{0B1C7B8D-AE11-49C5-83CB-F46649989F6C}" destId="{94A9871A-38DC-4511-90AB-98CDFF66BD0E}" srcOrd="0" destOrd="0" parTransId="{79C25037-78AF-4C7B-B1FC-B8CE1BD2C841}" sibTransId="{A961757A-5039-49BA-B854-F99F14FC7A2F}"/>
+    <dgm:cxn modelId="{DD7EFEFE-6C2C-42D8-A495-0463F288C4CF}" type="presOf" srcId="{94A9871A-38DC-4511-90AB-98CDFF66BD0E}" destId="{1841557B-7C75-4699-9AA1-7A858DB3AADB}" srcOrd="0" destOrd="0" presId="urn:microsoft.com/office/officeart/2005/8/layout/chevron2"/>
     <dgm:cxn modelId="{37BB6481-0F61-4C5D-8EFC-AC2A7CFDCD87}" type="presParOf" srcId="{C1C6B8A4-7410-4714-8A09-3D90205185CD}" destId="{56786FDE-62D8-4EC4-B10B-A5E7621B6922}" srcOrd="0" destOrd="0" presId="urn:microsoft.com/office/officeart/2005/8/layout/chevron2"/>
     <dgm:cxn modelId="{C96F0350-2958-4C5E-A594-E91905DE3F7B}" type="presParOf" srcId="{56786FDE-62D8-4EC4-B10B-A5E7621B6922}" destId="{CAAEB329-E67B-4AB6-AEE5-0FCB96F78822}" srcOrd="0" destOrd="0" presId="urn:microsoft.com/office/officeart/2005/8/layout/chevron2"/>
     <dgm:cxn modelId="{2B79E55F-4100-4AE2-AA74-722252D43204}" type="presParOf" srcId="{56786FDE-62D8-4EC4-B10B-A5E7621B6922}" destId="{D255E2EE-2DBA-465A-84BF-57AC0040A47F}" srcOrd="1" destOrd="0" presId="urn:microsoft.com/office/officeart/2005/8/layout/chevron2"/>
-    <dgm:cxn modelId="{31BC3885-38FC-4CE8-B774-A8ECC9A40183}" type="presParOf" srcId="{C1C6B8A4-7410-4714-8A09-3D90205185CD}" destId="{E22668F8-A600-46C7-9E70-B48F7F993CA8}" srcOrd="1" destOrd="0" presId="urn:microsoft.com/office/officeart/2005/8/layout/chevron2"/>
-    <dgm:cxn modelId="{A8B3843B-A613-4FCC-A4C8-8EFDDE2C55F0}" type="presParOf" srcId="{C1C6B8A4-7410-4714-8A09-3D90205185CD}" destId="{9412CC7C-FE2C-4412-8A1D-5367141B2C94}" srcOrd="2" destOrd="0" presId="urn:microsoft.com/office/officeart/2005/8/layout/chevron2"/>
-    <dgm:cxn modelId="{C8D84CEB-2AF6-49A0-81DD-A50C75109F09}" type="presParOf" srcId="{9412CC7C-FE2C-4412-8A1D-5367141B2C94}" destId="{E9786993-E0A7-42BE-949B-1C820C0B775B}" srcOrd="0" destOrd="0" presId="urn:microsoft.com/office/officeart/2005/8/layout/chevron2"/>
-    <dgm:cxn modelId="{7158E414-3CD0-4948-8B59-F0AE03C88D46}" type="presParOf" srcId="{9412CC7C-FE2C-4412-8A1D-5367141B2C94}" destId="{14EF5A79-3E75-4A2E-AA54-7EB63D3736DD}" srcOrd="1" destOrd="0" presId="urn:microsoft.com/office/officeart/2005/8/layout/chevron2"/>
-    <dgm:cxn modelId="{6C109207-D0DE-49D4-8DF2-F5E0A993D966}" type="presParOf" srcId="{C1C6B8A4-7410-4714-8A09-3D90205185CD}" destId="{32E4E45B-B6D5-4117-A255-9184AA8D46F6}" srcOrd="3" destOrd="0" presId="urn:microsoft.com/office/officeart/2005/8/layout/chevron2"/>
-    <dgm:cxn modelId="{470CC0A5-B227-4354-8E72-27EE6D2FBD54}" type="presParOf" srcId="{C1C6B8A4-7410-4714-8A09-3D90205185CD}" destId="{7FDD00FF-97E3-4C0C-BD05-460B4AD74C7F}" srcOrd="4" destOrd="0" presId="urn:microsoft.com/office/officeart/2005/8/layout/chevron2"/>
-    <dgm:cxn modelId="{83F2CC7E-813A-4537-AE69-C903548F2F70}" type="presParOf" srcId="{7FDD00FF-97E3-4C0C-BD05-460B4AD74C7F}" destId="{9D5E349A-EDE7-4F47-970E-F253922EC100}" srcOrd="0" destOrd="0" presId="urn:microsoft.com/office/officeart/2005/8/layout/chevron2"/>
-    <dgm:cxn modelId="{7ECD6BA9-BF90-4637-A5AC-AECC6DE68515}" type="presParOf" srcId="{7FDD00FF-97E3-4C0C-BD05-460B4AD74C7F}" destId="{D36F5875-FFB3-44A1-BD73-4B7ECF45E6B6}" srcOrd="1" destOrd="0" presId="urn:microsoft.com/office/officeart/2005/8/layout/chevron2"/>
-    <dgm:cxn modelId="{1D61959C-FB91-473C-AF66-98757AC1C69A}" type="presParOf" srcId="{C1C6B8A4-7410-4714-8A09-3D90205185CD}" destId="{C45EC72C-177D-440E-BE38-BDBA767CD3F3}" srcOrd="5" destOrd="0" presId="urn:microsoft.com/office/officeart/2005/8/layout/chevron2"/>
-    <dgm:cxn modelId="{3B1715CD-046F-4E58-B030-3264B6A62235}" type="presParOf" srcId="{C1C6B8A4-7410-4714-8A09-3D90205185CD}" destId="{2A01A8A9-4AAE-4086-BB44-BAB49E422C98}" srcOrd="6" destOrd="0" presId="urn:microsoft.com/office/officeart/2005/8/layout/chevron2"/>
-    <dgm:cxn modelId="{4D2B6603-DB03-4CC4-8053-2560EDED7282}" type="presParOf" srcId="{2A01A8A9-4AAE-4086-BB44-BAB49E422C98}" destId="{67BC9B80-7353-42BE-809F-539A67A944A8}" srcOrd="0" destOrd="0" presId="urn:microsoft.com/office/officeart/2005/8/layout/chevron2"/>
-    <dgm:cxn modelId="{1DDEE31D-4AC1-4BAC-AF48-6FDF1E89149B}" type="presParOf" srcId="{2A01A8A9-4AAE-4086-BB44-BAB49E422C98}" destId="{38E5D018-A97C-45EB-B9BF-F4E0D5CE6BA5}" srcOrd="1" destOrd="0" presId="urn:microsoft.com/office/officeart/2005/8/layout/chevron2"/>
+    <dgm:cxn modelId="{A164ADE8-5244-4411-A38A-2BC8E0EB52C0}" type="presParOf" srcId="{C1C6B8A4-7410-4714-8A09-3D90205185CD}" destId="{0BCFB993-D9F0-4FF7-BBC1-42921011E71A}" srcOrd="1" destOrd="0" presId="urn:microsoft.com/office/officeart/2005/8/layout/chevron2"/>
+    <dgm:cxn modelId="{D0F129B3-A1A1-47A0-9A8F-0CA5554CEBFD}" type="presParOf" srcId="{C1C6B8A4-7410-4714-8A09-3D90205185CD}" destId="{9BB6946B-5593-44D6-85E4-6E632C0B5F91}" srcOrd="2" destOrd="0" presId="urn:microsoft.com/office/officeart/2005/8/layout/chevron2"/>
+    <dgm:cxn modelId="{E5621ED2-03A0-4DCA-8FD8-B7FDEFEC5D2E}" type="presParOf" srcId="{9BB6946B-5593-44D6-85E4-6E632C0B5F91}" destId="{3E58FF03-06A4-46FD-8D46-94B630C040DF}" srcOrd="0" destOrd="0" presId="urn:microsoft.com/office/officeart/2005/8/layout/chevron2"/>
+    <dgm:cxn modelId="{92753A03-3168-4B6C-A849-666A3E9123B7}" type="presParOf" srcId="{9BB6946B-5593-44D6-85E4-6E632C0B5F91}" destId="{CF7E765F-B33D-4DCA-9928-AFF8A91B49F3}" srcOrd="1" destOrd="0" presId="urn:microsoft.com/office/officeart/2005/8/layout/chevron2"/>
+    <dgm:cxn modelId="{AFE19EF5-E9A9-4E19-A858-EACE8115FEAC}" type="presParOf" srcId="{C1C6B8A4-7410-4714-8A09-3D90205185CD}" destId="{7FB7462D-8EEF-4DF4-A994-84750834784C}" srcOrd="3" destOrd="0" presId="urn:microsoft.com/office/officeart/2005/8/layout/chevron2"/>
+    <dgm:cxn modelId="{487A1DC9-FDEA-4B2C-B586-3F58D0485E87}" type="presParOf" srcId="{C1C6B8A4-7410-4714-8A09-3D90205185CD}" destId="{F2A5EF1C-83E1-4E5F-9AA8-433A711D9360}" srcOrd="4" destOrd="0" presId="urn:microsoft.com/office/officeart/2005/8/layout/chevron2"/>
+    <dgm:cxn modelId="{BCCAFB49-7259-45B2-874B-74D79030EFE5}" type="presParOf" srcId="{F2A5EF1C-83E1-4E5F-9AA8-433A711D9360}" destId="{5882C09B-0A88-43DD-B27D-47B3E6103822}" srcOrd="0" destOrd="0" presId="urn:microsoft.com/office/officeart/2005/8/layout/chevron2"/>
+    <dgm:cxn modelId="{B54BCBEC-1F40-4810-932E-FFD32D624A24}" type="presParOf" srcId="{F2A5EF1C-83E1-4E5F-9AA8-433A711D9360}" destId="{1841557B-7C75-4699-9AA1-7A858DB3AADB}" srcOrd="1" destOrd="0" presId="urn:microsoft.com/office/officeart/2005/8/layout/chevron2"/>
   </dgm:cxnLst>
   <dgm:bg/>
   <dgm:whole/>
@@ -4252,8 +4507,8 @@
       </dsp:nvSpPr>
       <dsp:spPr>
         <a:xfrm rot="5400000">
-          <a:off x="-169068" y="169670"/>
-          <a:ext cx="1127124" cy="788987"/>
+          <a:off x="-243535" y="247640"/>
+          <a:ext cx="1623573" cy="1136501"/>
         </a:xfrm>
         <a:prstGeom prst="chevron">
           <a:avLst/>
@@ -4295,12 +4550,12 @@
         </a:fontRef>
       </dsp:style>
       <dsp:txBody>
-        <a:bodyPr spcFirstLastPara="0" vert="horz" wrap="square" lIns="4445" tIns="4445" rIns="4445" bIns="4445" numCol="1" spcCol="1270" anchor="ctr" anchorCtr="0">
+        <a:bodyPr spcFirstLastPara="0" vert="horz" wrap="square" lIns="7620" tIns="7620" rIns="7620" bIns="7620" numCol="1" spcCol="1270" anchor="ctr" anchorCtr="0">
           <a:noAutofit/>
         </a:bodyPr>
         <a:lstStyle/>
         <a:p>
-          <a:pPr marL="0" lvl="0" indent="0" algn="ctr" defTabSz="311150">
+          <a:pPr marL="0" lvl="0" indent="0" algn="ctr" defTabSz="533400">
             <a:lnSpc>
               <a:spcPct val="90000"/>
             </a:lnSpc>
@@ -4313,23 +4568,23 @@
             <a:buNone/>
           </a:pPr>
           <a:r>
-            <a:rPr lang="en-US" sz="700" b="1" kern="1200" dirty="0" err="1"/>
+            <a:rPr lang="en-US" sz="1200" b="1" kern="1200" dirty="0" err="1"/>
             <a:t>Optimalisasi</a:t>
           </a:r>
           <a:r>
-            <a:rPr lang="en-US" sz="700" b="1" kern="1200" dirty="0"/>
+            <a:rPr lang="en-US" sz="1200" b="1" kern="1200" dirty="0"/>
             <a:t> Harga dan </a:t>
           </a:r>
           <a:r>
-            <a:rPr lang="en-US" sz="700" b="1" kern="1200" dirty="0" err="1"/>
+            <a:rPr lang="en-US" sz="1200" b="1" kern="1200" dirty="0" err="1"/>
             <a:t>Penawaran</a:t>
           </a:r>
-          <a:endParaRPr lang="en-US" sz="700" kern="1200" dirty="0"/>
+          <a:endParaRPr lang="en-US" sz="1200" kern="1200" dirty="0"/>
         </a:p>
       </dsp:txBody>
       <dsp:txXfrm rot="-5400000">
-        <a:off x="1" y="395096"/>
-        <a:ext cx="788987" cy="338137"/>
+        <a:off x="2" y="572355"/>
+        <a:ext cx="1136501" cy="487072"/>
       </dsp:txXfrm>
     </dsp:sp>
     <dsp:sp modelId="{D255E2EE-2DBA-465A-84BF-57AC0040A47F}">
@@ -4339,8 +4594,8 @@
       </dsp:nvSpPr>
       <dsp:spPr>
         <a:xfrm rot="5400000">
-          <a:off x="3044176" y="-2286589"/>
-          <a:ext cx="732631" cy="5307012"/>
+          <a:off x="3307412" y="-2199752"/>
+          <a:ext cx="1055877" cy="5463590"/>
         </a:xfrm>
         <a:prstGeom prst="round2SameRect">
           <a:avLst/>
@@ -4381,12 +4636,12 @@
         <a:fontRef idx="minor"/>
       </dsp:style>
       <dsp:txBody>
-        <a:bodyPr spcFirstLastPara="0" vert="horz" wrap="square" lIns="78232" tIns="6985" rIns="6985" bIns="6985" numCol="1" spcCol="1270" anchor="ctr" anchorCtr="0">
+        <a:bodyPr spcFirstLastPara="0" vert="horz" wrap="square" lIns="71120" tIns="6350" rIns="6350" bIns="6350" numCol="1" spcCol="1270" anchor="ctr" anchorCtr="0">
           <a:noAutofit/>
         </a:bodyPr>
         <a:lstStyle/>
         <a:p>
-          <a:pPr marL="57150" lvl="1" indent="-57150" algn="l" defTabSz="488950">
+          <a:pPr marL="57150" lvl="1" indent="-57150" algn="l" defTabSz="444500">
             <a:lnSpc>
               <a:spcPct val="90000"/>
             </a:lnSpc>
@@ -4399,114 +4654,297 @@
             <a:buChar char="•"/>
           </a:pPr>
           <a:r>
-            <a:rPr lang="en-US" sz="1100" kern="1200" dirty="0" err="1"/>
-            <a:t>Menetapkan</a:t>
-          </a:r>
-          <a:r>
-            <a:rPr lang="en-US" sz="1100" kern="1200" dirty="0"/>
+            <a:rPr lang="en-US" sz="1000" b="0" kern="1200" dirty="0" err="1"/>
+            <a:t>Pemilik</a:t>
+          </a:r>
+          <a:r>
+            <a:rPr lang="en-US" sz="1000" b="0" kern="1200" dirty="0"/>
             <a:t> </a:t>
           </a:r>
           <a:r>
-            <a:rPr lang="en-US" sz="1100" kern="1200" dirty="0" err="1"/>
+            <a:rPr lang="en-US" sz="1000" b="0" kern="1200" dirty="0" err="1"/>
+            <a:t>properti</a:t>
+          </a:r>
+          <a:r>
+            <a:rPr lang="en-US" sz="1000" b="0" kern="1200" dirty="0"/>
+            <a:t> </a:t>
+          </a:r>
+          <a:r>
+            <a:rPr lang="en-US" sz="1000" b="0" kern="1200" dirty="0" err="1"/>
+            <a:t>dapat</a:t>
+          </a:r>
+          <a:r>
+            <a:rPr lang="en-US" sz="1000" b="0" kern="1200" dirty="0"/>
+            <a:t> </a:t>
+          </a:r>
+          <a:r>
+            <a:rPr lang="en-US" sz="1000" b="0" kern="1200" dirty="0" err="1"/>
+            <a:t>menggunakan</a:t>
+          </a:r>
+          <a:r>
+            <a:rPr lang="en-US" sz="1000" b="0" kern="1200" dirty="0"/>
+            <a:t> strategi </a:t>
+          </a:r>
+          <a:r>
+            <a:rPr lang="en-US" sz="1000" b="0" kern="1200" dirty="0" err="1"/>
+            <a:t>penetapan</a:t>
+          </a:r>
+          <a:r>
+            <a:rPr lang="en-US" sz="1000" b="0" kern="1200" dirty="0"/>
+            <a:t> </a:t>
+          </a:r>
+          <a:r>
+            <a:rPr lang="en-US" sz="1000" b="0" kern="1200" dirty="0" err="1"/>
             <a:t>harga</a:t>
           </a:r>
           <a:r>
-            <a:rPr lang="en-US" sz="1100" kern="1200" dirty="0"/>
+            <a:rPr lang="en-US" sz="1000" b="0" kern="1200" dirty="0"/>
+            <a:t> </a:t>
+          </a:r>
+          <a:r>
+            <a:rPr lang="en-US" sz="1000" b="0" kern="1200" dirty="0" err="1"/>
+            <a:t>dinamis</a:t>
+          </a:r>
+          <a:r>
+            <a:rPr lang="en-US" sz="1000" b="0" kern="1200" dirty="0"/>
             <a:t> yang </a:t>
           </a:r>
           <a:r>
-            <a:rPr lang="en-US" sz="1100" kern="1200" dirty="0" err="1"/>
-            <a:t>kompetitif</a:t>
-          </a:r>
-          <a:r>
-            <a:rPr lang="en-US" sz="1100" kern="1200" dirty="0"/>
+            <a:rPr lang="en-US" sz="1000" b="0" kern="1200" dirty="0" err="1"/>
+            <a:t>menyesuaikan</a:t>
+          </a:r>
+          <a:r>
+            <a:rPr lang="en-US" sz="1000" b="0" kern="1200" dirty="0"/>
             <a:t> </a:t>
           </a:r>
           <a:r>
-            <a:rPr lang="en-US" sz="1100" kern="1200" dirty="0" err="1"/>
+            <a:rPr lang="en-US" sz="1000" b="0" kern="1200" dirty="0" err="1"/>
+            <a:t>tarif</a:t>
+          </a:r>
+          <a:r>
+            <a:rPr lang="en-US" sz="1000" b="0" kern="1200" dirty="0"/>
+            <a:t> </a:t>
+          </a:r>
+          <a:r>
+            <a:rPr lang="en-US" sz="1000" b="0" kern="1200" dirty="0" err="1"/>
             <a:t>berdasarkan</a:t>
           </a:r>
           <a:r>
-            <a:rPr lang="en-US" sz="1100" kern="1200" dirty="0"/>
+            <a:rPr lang="en-US" sz="1000" b="0" kern="1200" dirty="0"/>
             <a:t> </a:t>
           </a:r>
           <a:r>
-            <a:rPr lang="en-US" sz="1100" kern="1200" dirty="0" err="1"/>
-            <a:t>analisis</a:t>
-          </a:r>
-          <a:r>
-            <a:rPr lang="en-US" sz="1100" kern="1200" dirty="0"/>
+            <a:rPr lang="en-US" sz="1000" b="0" kern="1200" dirty="0" err="1"/>
+            <a:t>permintaan</a:t>
+          </a:r>
+          <a:r>
+            <a:rPr lang="en-US" sz="1000" b="0" kern="1200" dirty="0"/>
+            <a:t>, </a:t>
+          </a:r>
+          <a:r>
+            <a:rPr lang="en-US" sz="1000" b="0" kern="1200" dirty="0" err="1"/>
+            <a:t>musim</a:t>
+          </a:r>
+          <a:r>
+            <a:rPr lang="en-US" sz="1000" b="0" kern="1200" dirty="0"/>
+            <a:t>, dan acara </a:t>
+          </a:r>
+          <a:r>
+            <a:rPr lang="en-US" sz="1000" b="0" kern="1200" dirty="0" err="1"/>
+            <a:t>lokal</a:t>
+          </a:r>
+          <a:r>
+            <a:rPr lang="en-US" sz="1000" b="0" kern="1200" dirty="0"/>
+            <a:t>, </a:t>
+          </a:r>
+          <a:r>
+            <a:rPr lang="en-US" sz="1000" b="0" kern="1200" dirty="0" err="1"/>
+            <a:t>atau</a:t>
+          </a:r>
+          <a:r>
+            <a:rPr lang="en-US" sz="1000" b="0" kern="1200" dirty="0"/>
             <a:t> </a:t>
           </a:r>
           <a:r>
-            <a:rPr lang="en-US" sz="1100" kern="1200" dirty="0" err="1"/>
-            <a:t>mendalam</a:t>
-          </a:r>
-          <a:r>
-            <a:rPr lang="en-US" sz="1100" kern="1200" dirty="0"/>
+            <a:rPr lang="en-US" sz="1000" b="0" kern="1200" dirty="0" err="1"/>
+            <a:t>menyediakan</a:t>
+          </a:r>
+          <a:r>
+            <a:rPr lang="en-US" sz="1000" b="0" kern="1200" dirty="0"/>
             <a:t> </a:t>
           </a:r>
           <a:r>
-            <a:rPr lang="en-US" sz="1100" kern="1200" dirty="0" err="1"/>
-            <a:t>terhadap</a:t>
-          </a:r>
-          <a:r>
-            <a:rPr lang="en-US" sz="1100" kern="1200" dirty="0"/>
+            <a:rPr lang="en-US" sz="1000" b="0" kern="1200" dirty="0" err="1"/>
+            <a:t>diskon</a:t>
+          </a:r>
+          <a:r>
+            <a:rPr lang="en-US" sz="1000" b="0" kern="1200" dirty="0"/>
             <a:t> </a:t>
           </a:r>
           <a:r>
-            <a:rPr lang="en-US" sz="1100" kern="1200" dirty="0" err="1"/>
-            <a:t>tarif</a:t>
-          </a:r>
-          <a:r>
-            <a:rPr lang="en-US" sz="1100" kern="1200" dirty="0"/>
-            <a:t> rata-rata per listing dan per </a:t>
-          </a:r>
-          <a:r>
-            <a:rPr lang="en-US" sz="1100" kern="1200" dirty="0" err="1"/>
-            <a:t>malam</a:t>
-          </a:r>
-          <a:r>
-            <a:rPr lang="en-US" sz="1100" kern="1200" dirty="0"/>
-            <a:t> di </a:t>
-          </a:r>
-          <a:r>
-            <a:rPr lang="en-US" sz="1100" kern="1200" dirty="0" err="1"/>
-            <a:t>berbagai</a:t>
-          </a:r>
-          <a:r>
-            <a:rPr lang="en-US" sz="1100" kern="1200" dirty="0"/>
+            <a:rPr lang="en-US" sz="1000" b="0" kern="1200" dirty="0" err="1"/>
+            <a:t>untuk</a:t>
+          </a:r>
+          <a:r>
+            <a:rPr lang="en-US" sz="1000" b="0" kern="1200" dirty="0"/>
             <a:t> </a:t>
           </a:r>
           <a:r>
-            <a:rPr lang="en-US" sz="1100" kern="1200" dirty="0" err="1"/>
-            <a:t>Neighbourhood</a:t>
-          </a:r>
-          <a:r>
-            <a:rPr lang="en-US" sz="1100" kern="1200" dirty="0"/>
-            <a:t> . K</a:t>
-          </a:r>
-          <a:r>
-            <a:rPr lang="sv-SE" sz="1100" kern="1200" dirty="0"/>
-            <a:t>isaran 60% hingga 80% dari rata-rata tarif, dengan angka rata-rata 6.147 Bath dan rata-rata tarif per malam 754 Bath.</a:t>
-          </a:r>
-          <a:endParaRPr lang="en-US" sz="1100" b="0" kern="1200" dirty="0"/>
+            <a:rPr lang="en-US" sz="1000" b="0" kern="1200" dirty="0" err="1"/>
+            <a:t>pemesanan</a:t>
+          </a:r>
+          <a:r>
+            <a:rPr lang="en-US" sz="1000" b="0" kern="1200" dirty="0"/>
+            <a:t> </a:t>
+          </a:r>
+          <a:r>
+            <a:rPr lang="en-US" sz="1000" b="0" kern="1200" dirty="0" err="1"/>
+            <a:t>jangka</a:t>
+          </a:r>
+          <a:r>
+            <a:rPr lang="en-US" sz="1000" b="0" kern="1200" dirty="0"/>
+            <a:t> </a:t>
+          </a:r>
+          <a:r>
+            <a:rPr lang="en-US" sz="1000" b="0" kern="1200" dirty="0" err="1"/>
+            <a:t>panjang</a:t>
+          </a:r>
+          <a:r>
+            <a:rPr lang="en-US" sz="1000" b="0" kern="1200" dirty="0"/>
+            <a:t> </a:t>
+          </a:r>
+          <a:r>
+            <a:rPr lang="en-US" sz="1000" b="0" kern="1200" dirty="0" err="1"/>
+            <a:t>atau</a:t>
+          </a:r>
+          <a:r>
+            <a:rPr lang="en-US" sz="1000" b="0" kern="1200" dirty="0"/>
+            <a:t> </a:t>
+          </a:r>
+          <a:r>
+            <a:rPr lang="en-US" sz="1000" b="0" kern="1200" dirty="0" err="1"/>
+            <a:t>menawarkan</a:t>
+          </a:r>
+          <a:r>
+            <a:rPr lang="en-US" sz="1000" b="0" kern="1200" dirty="0"/>
+            <a:t> </a:t>
+          </a:r>
+          <a:r>
+            <a:rPr lang="en-US" sz="1000" b="0" kern="1200" dirty="0" err="1"/>
+            <a:t>paket</a:t>
+          </a:r>
+          <a:r>
+            <a:rPr lang="en-US" sz="1000" b="0" kern="1200" dirty="0"/>
+            <a:t> </a:t>
+          </a:r>
+          <a:r>
+            <a:rPr lang="en-US" sz="1000" b="0" kern="1200" dirty="0" err="1"/>
+            <a:t>spesial</a:t>
+          </a:r>
+          <a:r>
+            <a:rPr lang="en-US" sz="1000" b="0" kern="1200" dirty="0"/>
+            <a:t> </a:t>
+          </a:r>
+          <a:r>
+            <a:rPr lang="en-US" sz="1000" b="0" kern="1200" dirty="0" err="1"/>
+            <a:t>selama</a:t>
+          </a:r>
+          <a:r>
+            <a:rPr lang="en-US" sz="1000" b="0" kern="1200" dirty="0"/>
+            <a:t> </a:t>
+          </a:r>
+          <a:r>
+            <a:rPr lang="en-US" sz="1000" b="0" kern="1200" dirty="0" err="1"/>
+            <a:t>musim</a:t>
+          </a:r>
+          <a:r>
+            <a:rPr lang="en-US" sz="1000" b="0" kern="1200" dirty="0"/>
+            <a:t> </a:t>
+          </a:r>
+          <a:r>
+            <a:rPr lang="en-US" sz="1000" b="0" kern="1200" dirty="0" err="1"/>
+            <a:t>rendah</a:t>
+          </a:r>
+          <a:r>
+            <a:rPr lang="en-US" sz="1000" b="0" kern="1200" dirty="0"/>
+            <a:t> (low season) </a:t>
+          </a:r>
+          <a:r>
+            <a:rPr lang="en-US" sz="1000" b="0" kern="1200" dirty="0" err="1"/>
+            <a:t>untuk</a:t>
+          </a:r>
+          <a:r>
+            <a:rPr lang="en-US" sz="1000" b="0" kern="1200" dirty="0"/>
+            <a:t> </a:t>
+          </a:r>
+          <a:r>
+            <a:rPr lang="en-US" sz="1000" b="0" kern="1200" dirty="0" err="1"/>
+            <a:t>menarik</a:t>
+          </a:r>
+          <a:r>
+            <a:rPr lang="en-US" sz="1000" b="0" kern="1200" dirty="0"/>
+            <a:t> </a:t>
+          </a:r>
+          <a:r>
+            <a:rPr lang="en-US" sz="1000" b="0" kern="1200" dirty="0" err="1"/>
+            <a:t>lebih</a:t>
+          </a:r>
+          <a:r>
+            <a:rPr lang="en-US" sz="1000" b="0" kern="1200" dirty="0"/>
+            <a:t> </a:t>
+          </a:r>
+          <a:r>
+            <a:rPr lang="en-US" sz="1000" b="0" kern="1200" dirty="0" err="1"/>
+            <a:t>banyak</a:t>
+          </a:r>
+          <a:r>
+            <a:rPr lang="en-US" sz="1000" b="0" kern="1200" dirty="0"/>
+            <a:t> </a:t>
+          </a:r>
+          <a:r>
+            <a:rPr lang="en-US" sz="1000" b="0" kern="1200" dirty="0" err="1"/>
+            <a:t>tamu</a:t>
+          </a:r>
+          <a:r>
+            <a:rPr lang="en-US" sz="1000" b="0" kern="1200" dirty="0"/>
+            <a:t>.</a:t>
+          </a:r>
+          <a:endParaRPr lang="en-US" sz="1000" kern="1200" dirty="0"/>
+        </a:p>
+        <a:p>
+          <a:pPr marL="57150" lvl="1" indent="-57150" algn="l" defTabSz="444500">
+            <a:lnSpc>
+              <a:spcPct val="90000"/>
+            </a:lnSpc>
+            <a:spcBef>
+              <a:spcPct val="0"/>
+            </a:spcBef>
+            <a:spcAft>
+              <a:spcPct val="15000"/>
+            </a:spcAft>
+            <a:buChar char="•"/>
+          </a:pPr>
+          <a:r>
+            <a:rPr lang="sv-SE" sz="1000" b="0" kern="1200" dirty="0"/>
+            <a:t>Melalui analisa, mayoritas tarif berdasarkan `Neighbourhood` berada di kisaran 60% hingga 80% dari rata-rata tarif, dengan angka rata-rata 6.147 Bath untuk tarif per listing dan rata-rata tarif per malam 754 Bath.</a:t>
+          </a:r>
+          <a:endParaRPr lang="en-US" sz="1000" kern="1200" dirty="0"/>
         </a:p>
       </dsp:txBody>
       <dsp:txXfrm rot="-5400000">
-        <a:off x="756986" y="36365"/>
-        <a:ext cx="5271248" cy="661103"/>
+        <a:off x="1103556" y="55648"/>
+        <a:ext cx="5412046" cy="952789"/>
       </dsp:txXfrm>
     </dsp:sp>
-    <dsp:sp modelId="{E9786993-E0A7-42BE-949B-1C820C0B775B}">
+    <dsp:sp modelId="{3E58FF03-06A4-46FD-8D46-94B630C040DF}">
       <dsp:nvSpPr>
         <dsp:cNvPr id="0" name=""/>
         <dsp:cNvSpPr/>
       </dsp:nvSpPr>
       <dsp:spPr>
         <a:xfrm rot="5400000">
-          <a:off x="-169068" y="1148227"/>
-          <a:ext cx="1127124" cy="788987"/>
+          <a:off x="-243535" y="1677584"/>
+          <a:ext cx="1623573" cy="1136501"/>
         </a:xfrm>
         <a:prstGeom prst="chevron">
           <a:avLst/>
@@ -4548,12 +4986,12 @@
         </a:fontRef>
       </dsp:style>
       <dsp:txBody>
-        <a:bodyPr spcFirstLastPara="0" vert="horz" wrap="square" lIns="4445" tIns="4445" rIns="4445" bIns="4445" numCol="1" spcCol="1270" anchor="ctr" anchorCtr="0">
+        <a:bodyPr spcFirstLastPara="0" vert="horz" wrap="square" lIns="7620" tIns="7620" rIns="7620" bIns="7620" numCol="1" spcCol="1270" anchor="ctr" anchorCtr="0">
           <a:noAutofit/>
         </a:bodyPr>
         <a:lstStyle/>
         <a:p>
-          <a:pPr marL="0" lvl="0" indent="0" algn="ctr" defTabSz="311150">
+          <a:pPr marL="0" lvl="0" indent="0" algn="ctr" defTabSz="533400">
             <a:lnSpc>
               <a:spcPct val="90000"/>
             </a:lnSpc>
@@ -4566,50 +5004,26 @@
             <a:buNone/>
           </a:pPr>
           <a:r>
-            <a:rPr lang="en-US" sz="700" b="1" kern="1200" dirty="0" err="1"/>
-            <a:t>Kolaborasi</a:t>
-          </a:r>
-          <a:r>
-            <a:rPr lang="en-US" sz="700" b="1" kern="1200" dirty="0"/>
-            <a:t> </a:t>
-          </a:r>
-          <a:r>
-            <a:rPr lang="en-US" sz="700" b="1" kern="1200" dirty="0" err="1"/>
-            <a:t>dengan</a:t>
-          </a:r>
-          <a:r>
-            <a:rPr lang="en-US" sz="700" b="1" kern="1200" dirty="0"/>
-            <a:t> </a:t>
-          </a:r>
-          <a:r>
-            <a:rPr lang="en-US" sz="700" b="1" kern="1200" dirty="0" err="1"/>
-            <a:t>Bisnis</a:t>
-          </a:r>
-          <a:r>
-            <a:rPr lang="en-US" sz="700" b="1" kern="1200" dirty="0"/>
-            <a:t> </a:t>
-          </a:r>
-          <a:r>
-            <a:rPr lang="en-US" sz="700" b="1" kern="1200" dirty="0" err="1"/>
-            <a:t>Lokal</a:t>
-          </a:r>
-          <a:endParaRPr lang="en-US" sz="700" b="1" kern="1200" dirty="0"/>
+            <a:rPr lang="en-US" sz="1200" b="0" kern="1200"/>
+            <a:t>Kolaborasi dengan Bisnis Lokal</a:t>
+          </a:r>
+          <a:endParaRPr lang="en-US" sz="1200" kern="1200" dirty="0"/>
         </a:p>
       </dsp:txBody>
       <dsp:txXfrm rot="-5400000">
-        <a:off x="1" y="1373653"/>
-        <a:ext cx="788987" cy="338137"/>
+        <a:off x="2" y="2002299"/>
+        <a:ext cx="1136501" cy="487072"/>
       </dsp:txXfrm>
     </dsp:sp>
-    <dsp:sp modelId="{14EF5A79-3E75-4A2E-AA54-7EB63D3736DD}">
+    <dsp:sp modelId="{CF7E765F-B33D-4DCA-9928-AFF8A91B49F3}">
       <dsp:nvSpPr>
         <dsp:cNvPr id="0" name=""/>
         <dsp:cNvSpPr/>
       </dsp:nvSpPr>
       <dsp:spPr>
         <a:xfrm rot="5400000">
-          <a:off x="3076178" y="-1308031"/>
-          <a:ext cx="732631" cy="5307012"/>
+          <a:off x="3340635" y="-770085"/>
+          <a:ext cx="1055322" cy="5463590"/>
         </a:xfrm>
         <a:prstGeom prst="round2SameRect">
           <a:avLst/>
@@ -4650,12 +5064,12 @@
         <a:fontRef idx="minor"/>
       </dsp:style>
       <dsp:txBody>
-        <a:bodyPr spcFirstLastPara="0" vert="horz" wrap="square" lIns="78232" tIns="6985" rIns="6985" bIns="6985" numCol="1" spcCol="1270" anchor="ctr" anchorCtr="0">
+        <a:bodyPr spcFirstLastPara="0" vert="horz" wrap="square" lIns="71120" tIns="6350" rIns="6350" bIns="6350" numCol="1" spcCol="1270" anchor="ctr" anchorCtr="0">
           <a:noAutofit/>
         </a:bodyPr>
         <a:lstStyle/>
         <a:p>
-          <a:pPr marL="57150" lvl="1" indent="-57150" algn="l" defTabSz="488950">
+          <a:pPr marL="57150" lvl="1" indent="-57150" algn="l" defTabSz="444500">
             <a:lnSpc>
               <a:spcPct val="90000"/>
             </a:lnSpc>
@@ -4668,217 +5082,326 @@
             <a:buChar char="•"/>
           </a:pPr>
           <a:r>
-            <a:rPr lang="en-US" sz="1100" kern="1200" dirty="0" err="1"/>
-            <a:t>Bekerja</a:t>
-          </a:r>
-          <a:r>
-            <a:rPr lang="en-US" sz="1100" kern="1200" dirty="0"/>
+            <a:rPr lang="en-US" sz="1000" b="0" kern="1200" dirty="0" err="1"/>
+            <a:t>Melalui</a:t>
+          </a:r>
+          <a:r>
+            <a:rPr lang="en-US" sz="1000" b="0" kern="1200" dirty="0"/>
             <a:t> </a:t>
           </a:r>
           <a:r>
-            <a:rPr lang="en-US" sz="1100" kern="1200" dirty="0" err="1"/>
-            <a:t>sama</a:t>
-          </a:r>
-          <a:r>
-            <a:rPr lang="en-US" sz="1100" kern="1200" dirty="0"/>
+            <a:rPr lang="en-US" sz="1000" b="0" kern="1200" dirty="0" err="1"/>
+            <a:t>kerjasama</a:t>
+          </a:r>
+          <a:r>
+            <a:rPr lang="en-US" sz="1000" b="0" kern="1200" dirty="0"/>
             <a:t> </a:t>
           </a:r>
           <a:r>
-            <a:rPr lang="en-US" sz="1100" kern="1200" dirty="0" err="1"/>
+            <a:rPr lang="en-US" sz="1000" b="0" kern="1200" dirty="0" err="1"/>
             <a:t>dengan</a:t>
           </a:r>
           <a:r>
-            <a:rPr lang="en-US" sz="1100" kern="1200" dirty="0"/>
+            <a:rPr lang="en-US" sz="1000" b="0" kern="1200" dirty="0"/>
             <a:t> </a:t>
           </a:r>
           <a:r>
-            <a:rPr lang="en-US" sz="1100" kern="1200" dirty="0" err="1"/>
-            <a:t>restoran</a:t>
-          </a:r>
-          <a:r>
-            <a:rPr lang="en-US" sz="1100" kern="1200" dirty="0"/>
+            <a:rPr lang="en-US" sz="1000" b="0" kern="1200" dirty="0" err="1"/>
+            <a:t>tempat</a:t>
+          </a:r>
+          <a:r>
+            <a:rPr lang="en-US" sz="1000" b="0" kern="1200" dirty="0"/>
+            <a:t> </a:t>
+          </a:r>
+          <a:r>
+            <a:rPr lang="en-US" sz="1000" b="0" kern="1200" dirty="0" err="1"/>
+            <a:t>kuliner</a:t>
+          </a:r>
+          <a:r>
+            <a:rPr lang="en-US" sz="1000" b="0" kern="1200" dirty="0"/>
             <a:t>, </a:t>
           </a:r>
           <a:r>
-            <a:rPr lang="en-US" sz="1100" kern="1200" dirty="0" err="1"/>
+            <a:rPr lang="en-US" sz="1000" b="0" kern="1200" dirty="0" err="1"/>
             <a:t>tempat</a:t>
           </a:r>
           <a:r>
-            <a:rPr lang="en-US" sz="1100" kern="1200" dirty="0"/>
+            <a:rPr lang="en-US" sz="1000" b="0" kern="1200" dirty="0"/>
             <a:t> </a:t>
           </a:r>
           <a:r>
-            <a:rPr lang="en-US" sz="1100" kern="1200" dirty="0" err="1"/>
+            <a:rPr lang="en-US" sz="1000" b="0" kern="1200" dirty="0" err="1"/>
             <a:t>wisata</a:t>
           </a:r>
           <a:r>
-            <a:rPr lang="en-US" sz="1100" kern="1200" dirty="0"/>
+            <a:rPr lang="en-US" sz="1000" b="0" kern="1200" dirty="0"/>
             <a:t>, </a:t>
           </a:r>
           <a:r>
-            <a:rPr lang="en-US" sz="1100" kern="1200" dirty="0" err="1"/>
+            <a:rPr lang="en-US" sz="1000" b="0" kern="1200" dirty="0" err="1"/>
             <a:t>atau</a:t>
           </a:r>
           <a:r>
-            <a:rPr lang="en-US" sz="1100" kern="1200" dirty="0"/>
+            <a:rPr lang="en-US" sz="1000" b="0" kern="1200" dirty="0"/>
             <a:t> </a:t>
           </a:r>
           <a:r>
-            <a:rPr lang="en-US" sz="1100" kern="1200" dirty="0" err="1"/>
+            <a:rPr lang="en-US" sz="1000" b="0" kern="1200" dirty="0" err="1"/>
             <a:t>penyedia</a:t>
           </a:r>
           <a:r>
-            <a:rPr lang="en-US" sz="1100" kern="1200" dirty="0"/>
+            <a:rPr lang="en-US" sz="1000" b="0" kern="1200" dirty="0"/>
             <a:t> </a:t>
           </a:r>
           <a:r>
-            <a:rPr lang="en-US" sz="1100" kern="1200" dirty="0" err="1"/>
+            <a:rPr lang="en-US" sz="1000" b="0" kern="1200" dirty="0" err="1"/>
             <a:t>layanan</a:t>
           </a:r>
           <a:r>
-            <a:rPr lang="en-US" sz="1100" kern="1200" dirty="0"/>
+            <a:rPr lang="en-US" sz="1000" b="0" kern="1200" dirty="0"/>
             <a:t> </a:t>
           </a:r>
           <a:r>
-            <a:rPr lang="en-US" sz="1100" kern="1200" dirty="0" err="1"/>
+            <a:rPr lang="en-US" sz="1000" b="0" kern="1200" dirty="0" err="1"/>
             <a:t>lokal</a:t>
           </a:r>
           <a:r>
-            <a:rPr lang="en-US" sz="1100" kern="1200" dirty="0"/>
+            <a:rPr lang="en-US" sz="1000" b="0" kern="1200" dirty="0"/>
+            <a:t>, </a:t>
+          </a:r>
+          <a:r>
+            <a:rPr lang="en-US" sz="1000" b="0" kern="1200" dirty="0" err="1"/>
+            <a:t>bisnis</a:t>
+          </a:r>
+          <a:r>
+            <a:rPr lang="en-US" sz="1000" b="0" kern="1200" dirty="0"/>
+            <a:t> Airbnb Bangkok </a:t>
+          </a:r>
+          <a:r>
+            <a:rPr lang="en-US" sz="1000" b="0" kern="1200" dirty="0" err="1"/>
+            <a:t>dapat</a:t>
+          </a:r>
+          <a:r>
+            <a:rPr lang="en-US" sz="1000" b="0" kern="1200" dirty="0"/>
             <a:t> </a:t>
           </a:r>
-          <a:endParaRPr lang="en-US" sz="1100" b="0" kern="1200" dirty="0"/>
-        </a:p>
-        <a:p>
-          <a:pPr marL="57150" lvl="1" indent="-57150" algn="l" defTabSz="488950">
-            <a:lnSpc>
-              <a:spcPct val="90000"/>
-            </a:lnSpc>
-            <a:spcBef>
-              <a:spcPct val="0"/>
-            </a:spcBef>
-            <a:spcAft>
-              <a:spcPct val="15000"/>
-            </a:spcAft>
-            <a:buChar char="•"/>
-          </a:pPr>
-          <a:r>
-            <a:rPr lang="en-US" sz="1100" kern="1200" dirty="0" err="1"/>
-            <a:t>Mengikuti</a:t>
-          </a:r>
-          <a:r>
-            <a:rPr lang="en-US" sz="1100" kern="1200" dirty="0"/>
+          <a:r>
+            <a:rPr lang="en-US" sz="1000" b="0" kern="1200" dirty="0" err="1"/>
+            <a:t>memberikan</a:t>
+          </a:r>
+          <a:r>
+            <a:rPr lang="en-US" sz="1000" b="0" kern="1200" dirty="0"/>
+            <a:t> customer touchpoint yang </a:t>
+          </a:r>
+          <a:r>
+            <a:rPr lang="en-US" sz="1000" b="0" kern="1200" dirty="0" err="1"/>
+            <a:t>berkesan</a:t>
+          </a:r>
+          <a:r>
+            <a:rPr lang="en-US" sz="1000" b="0" kern="1200" dirty="0"/>
+            <a:t> </a:t>
+          </a:r>
+          <a:r>
+            <a:rPr lang="en-US" sz="1000" b="0" kern="1200" dirty="0" err="1"/>
+            <a:t>dengan</a:t>
+          </a:r>
+          <a:r>
+            <a:rPr lang="en-US" sz="1000" b="0" kern="1200" dirty="0"/>
+            <a:t> </a:t>
+          </a:r>
+          <a:r>
+            <a:rPr lang="en-US" sz="1000" b="0" kern="1200" dirty="0" err="1"/>
+            <a:t>keunikan</a:t>
+          </a:r>
+          <a:r>
+            <a:rPr lang="en-US" sz="1000" b="0" kern="1200" dirty="0"/>
+            <a:t> </a:t>
+          </a:r>
+          <a:r>
+            <a:rPr lang="en-US" sz="1000" b="0" kern="1200" dirty="0" err="1"/>
+            <a:t>atau</a:t>
+          </a:r>
+          <a:r>
+            <a:rPr lang="en-US" sz="1000" b="0" kern="1200" dirty="0"/>
+            <a:t> </a:t>
+          </a:r>
+          <a:r>
+            <a:rPr lang="en-US" sz="1000" b="0" kern="1200" dirty="0" err="1"/>
+            <a:t>ciri</a:t>
+          </a:r>
+          <a:r>
+            <a:rPr lang="en-US" sz="1000" b="0" kern="1200" dirty="0"/>
+            <a:t> </a:t>
+          </a:r>
+          <a:r>
+            <a:rPr lang="en-US" sz="1000" b="0" kern="1200" dirty="0" err="1"/>
+            <a:t>khas</a:t>
+          </a:r>
+          <a:r>
+            <a:rPr lang="en-US" sz="1000" b="0" kern="1200" dirty="0"/>
+            <a:t> </a:t>
+          </a:r>
+          <a:r>
+            <a:rPr lang="en-US" sz="1000" b="0" kern="1200"/>
+            <a:t>area Bangkok</a:t>
+          </a:r>
+          <a:r>
+            <a:rPr lang="en-US" sz="1000" b="0" kern="1200" dirty="0"/>
+            <a:t>. Salah </a:t>
+          </a:r>
+          <a:r>
+            <a:rPr lang="en-US" sz="1000" b="0" kern="1200" dirty="0" err="1"/>
+            <a:t>satu</a:t>
+          </a:r>
+          <a:r>
+            <a:rPr lang="en-US" sz="1000" b="0" kern="1200" dirty="0"/>
+            <a:t> </a:t>
+          </a:r>
+          <a:r>
+            <a:rPr lang="en-US" sz="1000" b="0" kern="1200" dirty="0" err="1"/>
+            <a:t>caranya</a:t>
+          </a:r>
+          <a:r>
+            <a:rPr lang="en-US" sz="1000" b="0" kern="1200" dirty="0"/>
+            <a:t> </a:t>
+          </a:r>
+          <a:r>
+            <a:rPr lang="en-US" sz="1000" b="0" kern="1200" dirty="0" err="1"/>
+            <a:t>adalah</a:t>
+          </a:r>
+          <a:r>
+            <a:rPr lang="en-US" sz="1000" b="0" kern="1200" dirty="0"/>
+            <a:t> </a:t>
+          </a:r>
+          <a:r>
+            <a:rPr lang="en-US" sz="1000" b="0" kern="1200" dirty="0" err="1"/>
+            <a:t>dengan</a:t>
+          </a:r>
+          <a:r>
+            <a:rPr lang="en-US" sz="1000" b="0" kern="1200" dirty="0"/>
+            <a:t> </a:t>
+          </a:r>
+          <a:r>
+            <a:rPr lang="en-US" sz="1000" b="0" kern="1200" dirty="0" err="1"/>
+            <a:t>mengikuti</a:t>
+          </a:r>
+          <a:r>
+            <a:rPr lang="en-US" sz="1000" b="0" kern="1200" dirty="0"/>
             <a:t> acara </a:t>
           </a:r>
           <a:r>
-            <a:rPr lang="en-US" sz="1100" kern="1200" dirty="0" err="1"/>
+            <a:rPr lang="en-US" sz="1000" b="0" kern="1200" dirty="0" err="1"/>
             <a:t>lokal</a:t>
           </a:r>
           <a:r>
-            <a:rPr lang="en-US" sz="1100" kern="1200" dirty="0"/>
+            <a:rPr lang="en-US" sz="1000" b="0" kern="1200" dirty="0"/>
             <a:t> </a:t>
           </a:r>
           <a:r>
-            <a:rPr lang="en-US" sz="1100" kern="1200" dirty="0" err="1"/>
+            <a:rPr lang="en-US" sz="1000" b="0" kern="1200" dirty="0" err="1"/>
             <a:t>atau</a:t>
           </a:r>
           <a:r>
-            <a:rPr lang="en-US" sz="1100" kern="1200" dirty="0"/>
+            <a:rPr lang="en-US" sz="1000" b="0" kern="1200" dirty="0"/>
             <a:t> festival </a:t>
           </a:r>
           <a:r>
-            <a:rPr lang="en-US" sz="1100" kern="1200" dirty="0" err="1"/>
+            <a:rPr lang="en-US" sz="1000" b="0" kern="1200" dirty="0" err="1"/>
             <a:t>dengan</a:t>
           </a:r>
           <a:r>
-            <a:rPr lang="en-US" sz="1100" kern="1200" dirty="0"/>
+            <a:rPr lang="en-US" sz="1000" b="0" kern="1200" dirty="0"/>
             <a:t> </a:t>
           </a:r>
           <a:r>
-            <a:rPr lang="en-US" sz="1100" kern="1200" dirty="0" err="1"/>
+            <a:rPr lang="en-US" sz="1000" b="0" kern="1200" dirty="0" err="1"/>
             <a:t>menawarkan</a:t>
           </a:r>
           <a:r>
-            <a:rPr lang="en-US" sz="1100" kern="1200" dirty="0"/>
+            <a:rPr lang="en-US" sz="1000" b="0" kern="1200" dirty="0"/>
             <a:t> </a:t>
           </a:r>
           <a:r>
-            <a:rPr lang="en-US" sz="1100" kern="1200" dirty="0" err="1"/>
+            <a:rPr lang="en-US" sz="1000" b="0" kern="1200" dirty="0" err="1"/>
             <a:t>paket</a:t>
           </a:r>
           <a:r>
-            <a:rPr lang="en-US" sz="1100" kern="1200" dirty="0"/>
+            <a:rPr lang="en-US" sz="1000" b="0" kern="1200" dirty="0"/>
             <a:t> </a:t>
           </a:r>
           <a:r>
-            <a:rPr lang="en-US" sz="1100" kern="1200" dirty="0" err="1"/>
+            <a:rPr lang="en-US" sz="1000" b="0" kern="1200" dirty="0" err="1"/>
             <a:t>khusus</a:t>
           </a:r>
           <a:r>
-            <a:rPr lang="en-US" sz="1100" kern="1200" dirty="0"/>
+            <a:rPr lang="en-US" sz="1000" b="0" kern="1200" dirty="0"/>
             <a:t> yang </a:t>
           </a:r>
           <a:r>
-            <a:rPr lang="en-US" sz="1100" kern="1200" dirty="0" err="1"/>
+            <a:rPr lang="en-US" sz="1000" b="0" kern="1200" dirty="0" err="1"/>
             <a:t>menggabungkan</a:t>
           </a:r>
           <a:r>
-            <a:rPr lang="en-US" sz="1100" kern="1200" dirty="0"/>
+            <a:rPr lang="en-US" sz="1000" b="0" kern="1200" dirty="0"/>
             <a:t> </a:t>
           </a:r>
           <a:r>
-            <a:rPr lang="en-US" sz="1100" kern="1200" dirty="0" err="1"/>
+            <a:rPr lang="en-US" sz="1000" b="0" kern="1200" dirty="0" err="1"/>
             <a:t>penginapan</a:t>
           </a:r>
           <a:r>
-            <a:rPr lang="en-US" sz="1100" kern="1200" dirty="0"/>
+            <a:rPr lang="en-US" sz="1000" b="0" kern="1200" dirty="0"/>
             <a:t> </a:t>
           </a:r>
           <a:r>
-            <a:rPr lang="en-US" sz="1100" kern="1200" dirty="0" err="1"/>
+            <a:rPr lang="en-US" sz="1000" b="0" kern="1200" dirty="0" err="1"/>
             <a:t>dengan</a:t>
           </a:r>
           <a:r>
-            <a:rPr lang="en-US" sz="1100" kern="1200" dirty="0"/>
+            <a:rPr lang="en-US" sz="1000" b="0" kern="1200" dirty="0"/>
             <a:t> </a:t>
           </a:r>
           <a:r>
-            <a:rPr lang="en-US" sz="1100" kern="1200" dirty="0" err="1"/>
+            <a:rPr lang="en-US" sz="1000" b="0" kern="1200" dirty="0" err="1"/>
             <a:t>akses</a:t>
           </a:r>
           <a:r>
-            <a:rPr lang="en-US" sz="1100" kern="1200" dirty="0"/>
+            <a:rPr lang="en-US" sz="1000" b="0" kern="1200" dirty="0"/>
             <a:t> </a:t>
           </a:r>
           <a:r>
-            <a:rPr lang="en-US" sz="1100" kern="1200" dirty="0" err="1"/>
+            <a:rPr lang="en-US" sz="1000" b="0" kern="1200" dirty="0" err="1"/>
             <a:t>ke</a:t>
           </a:r>
           <a:r>
-            <a:rPr lang="en-US" sz="1100" kern="1200" dirty="0"/>
+            <a:rPr lang="en-US" sz="1000" b="0" kern="1200" dirty="0"/>
             <a:t> acara-acara </a:t>
           </a:r>
           <a:r>
-            <a:rPr lang="en-US" sz="1100" kern="1200" dirty="0" err="1"/>
+            <a:rPr lang="en-US" sz="1000" b="0" kern="1200" dirty="0" err="1"/>
             <a:t>tersebut</a:t>
           </a:r>
-          <a:endParaRPr lang="en-US" sz="1100" b="0" kern="1200" dirty="0"/>
+          <a:r>
+            <a:rPr lang="en-US" sz="1000" b="0" kern="1200" dirty="0"/>
+            <a:t>.</a:t>
+          </a:r>
+          <a:endParaRPr lang="en-US" sz="1000" kern="1200" dirty="0"/>
         </a:p>
       </dsp:txBody>
       <dsp:txXfrm rot="-5400000">
-        <a:off x="788988" y="1014923"/>
-        <a:ext cx="5271248" cy="661103"/>
+        <a:off x="1136502" y="1485565"/>
+        <a:ext cx="5412073" cy="952288"/>
       </dsp:txXfrm>
     </dsp:sp>
-    <dsp:sp modelId="{9D5E349A-EDE7-4F47-970E-F253922EC100}">
+    <dsp:sp modelId="{5882C09B-0A88-43DD-B27D-47B3E6103822}">
       <dsp:nvSpPr>
         <dsp:cNvPr id="0" name=""/>
         <dsp:cNvSpPr/>
       </dsp:nvSpPr>
       <dsp:spPr>
         <a:xfrm rot="5400000">
-          <a:off x="-169068" y="2126784"/>
-          <a:ext cx="1127124" cy="788987"/>
+          <a:off x="-243535" y="3107529"/>
+          <a:ext cx="1623573" cy="1136501"/>
         </a:xfrm>
         <a:prstGeom prst="chevron">
           <a:avLst/>
@@ -4920,12 +5443,12 @@
         </a:fontRef>
       </dsp:style>
       <dsp:txBody>
-        <a:bodyPr spcFirstLastPara="0" vert="horz" wrap="square" lIns="4445" tIns="4445" rIns="4445" bIns="4445" numCol="1" spcCol="1270" anchor="ctr" anchorCtr="0">
+        <a:bodyPr spcFirstLastPara="0" vert="horz" wrap="square" lIns="7620" tIns="7620" rIns="7620" bIns="7620" numCol="1" spcCol="1270" anchor="ctr" anchorCtr="0">
           <a:noAutofit/>
         </a:bodyPr>
         <a:lstStyle/>
         <a:p>
-          <a:pPr marL="0" lvl="0" indent="0" algn="ctr" defTabSz="311150">
+          <a:pPr marL="0" lvl="0" indent="0" algn="ctr" defTabSz="533400">
             <a:lnSpc>
               <a:spcPct val="90000"/>
             </a:lnSpc>
@@ -4938,42 +5461,26 @@
             <a:buNone/>
           </a:pPr>
           <a:r>
-            <a:rPr lang="en-US" sz="700" b="0" kern="1200" dirty="0" err="1"/>
-            <a:t>Peningkatan</a:t>
-          </a:r>
-          <a:r>
-            <a:rPr lang="en-US" sz="700" b="0" kern="1200" dirty="0"/>
-            <a:t> </a:t>
-          </a:r>
-          <a:r>
-            <a:rPr lang="en-US" sz="700" b="0" kern="1200" dirty="0" err="1"/>
-            <a:t>Kualitas</a:t>
-          </a:r>
-          <a:r>
-            <a:rPr lang="en-US" sz="700" b="0" kern="1200" dirty="0"/>
-            <a:t> </a:t>
-          </a:r>
-          <a:r>
-            <a:rPr lang="en-US" sz="700" b="0" kern="1200" dirty="0" err="1"/>
-            <a:t>Properti</a:t>
-          </a:r>
-          <a:endParaRPr lang="en-US" sz="700" b="0" kern="1200" dirty="0"/>
+            <a:rPr lang="en-US" sz="1200" b="0" kern="1200"/>
+            <a:t>Pemasaran Digital dan Branding</a:t>
+          </a:r>
+          <a:endParaRPr lang="en-US" sz="1200" kern="1200" dirty="0"/>
         </a:p>
       </dsp:txBody>
       <dsp:txXfrm rot="-5400000">
-        <a:off x="1" y="2352210"/>
-        <a:ext cx="788987" cy="338137"/>
+        <a:off x="2" y="3432244"/>
+        <a:ext cx="1136501" cy="487072"/>
       </dsp:txXfrm>
     </dsp:sp>
-    <dsp:sp modelId="{D36F5875-FFB3-44A1-BD73-4B7ECF45E6B6}">
+    <dsp:sp modelId="{1841557B-7C75-4699-9AA1-7A858DB3AADB}">
       <dsp:nvSpPr>
         <dsp:cNvPr id="0" name=""/>
         <dsp:cNvSpPr/>
       </dsp:nvSpPr>
       <dsp:spPr>
         <a:xfrm rot="5400000">
-          <a:off x="3076178" y="-329474"/>
-          <a:ext cx="732631" cy="5307012"/>
+          <a:off x="3340635" y="659859"/>
+          <a:ext cx="1055322" cy="5463590"/>
         </a:xfrm>
         <a:prstGeom prst="round2SameRect">
           <a:avLst/>
@@ -5014,12 +5521,12 @@
         <a:fontRef idx="minor"/>
       </dsp:style>
       <dsp:txBody>
-        <a:bodyPr spcFirstLastPara="0" vert="horz" wrap="square" lIns="78232" tIns="6985" rIns="6985" bIns="6985" numCol="1" spcCol="1270" anchor="ctr" anchorCtr="0">
+        <a:bodyPr spcFirstLastPara="0" vert="horz" wrap="square" lIns="71120" tIns="6350" rIns="6350" bIns="6350" numCol="1" spcCol="1270" anchor="ctr" anchorCtr="0">
           <a:noAutofit/>
         </a:bodyPr>
         <a:lstStyle/>
         <a:p>
-          <a:pPr marL="57150" lvl="1" indent="-57150" algn="l" defTabSz="488950">
+          <a:pPr marL="57150" lvl="1" indent="-57150" algn="l" defTabSz="444500">
             <a:lnSpc>
               <a:spcPct val="90000"/>
             </a:lnSpc>
@@ -5032,270 +5539,243 @@
             <a:buChar char="•"/>
           </a:pPr>
           <a:r>
-            <a:rPr lang="en-US" sz="1100" b="0" kern="1200" dirty="0"/>
+            <a:rPr lang="en-US" sz="1000" b="0" kern="1200" dirty="0" err="1"/>
+            <a:t>Menargetkan</a:t>
+          </a:r>
+          <a:r>
+            <a:rPr lang="en-US" sz="1000" b="0" kern="1200" dirty="0"/>
             <a:t> </a:t>
           </a:r>
           <a:r>
-            <a:rPr lang="en-US" sz="1100" b="0" kern="1200" dirty="0" err="1"/>
-            <a:t>Menyediakan</a:t>
-          </a:r>
-          <a:r>
-            <a:rPr lang="en-US" sz="1100" b="0" kern="1200" dirty="0"/>
+            <a:rPr lang="en-US" sz="1000" b="0" kern="1200" dirty="0" err="1"/>
+            <a:t>kelompok</a:t>
+          </a:r>
+          <a:r>
+            <a:rPr lang="en-US" sz="1000" b="0" kern="1200" dirty="0"/>
             <a:t> </a:t>
           </a:r>
           <a:r>
-            <a:rPr lang="en-US" sz="1100" b="0" kern="1200" dirty="0" err="1"/>
-            <a:t>ruang</a:t>
-          </a:r>
-          <a:r>
-            <a:rPr lang="en-US" sz="1100" b="0" kern="1200" dirty="0"/>
+            <a:rPr lang="en-US" sz="1000" b="0" kern="1200" dirty="0" err="1"/>
+            <a:t>wisatawan</a:t>
+          </a:r>
+          <a:r>
+            <a:rPr lang="en-US" sz="1000" b="0" kern="1200" dirty="0"/>
+            <a:t> </a:t>
+          </a:r>
+          <a:r>
+            <a:rPr lang="en-US" sz="1000" b="0" kern="1200" dirty="0" err="1"/>
+            <a:t>tertentu</a:t>
+          </a:r>
+          <a:r>
+            <a:rPr lang="en-US" sz="1000" b="0" kern="1200" dirty="0"/>
+            <a:t>, </a:t>
+          </a:r>
+          <a:r>
+            <a:rPr lang="en-US" sz="1000" b="0" kern="1200" dirty="0" err="1"/>
+            <a:t>Misalnya</a:t>
+          </a:r>
+          <a:r>
+            <a:rPr lang="en-US" sz="1000" b="0" kern="1200" dirty="0"/>
+            <a:t> </a:t>
+          </a:r>
+          <a:r>
+            <a:rPr lang="en-US" sz="1000" b="0" kern="1200" dirty="0" err="1"/>
+            <a:t>wisatawan</a:t>
+          </a:r>
+          <a:r>
+            <a:rPr lang="en-US" sz="1000" b="0" kern="1200" dirty="0"/>
+            <a:t> backpacker </a:t>
+          </a:r>
+          <a:r>
+            <a:rPr lang="en-US" sz="1000" b="0" kern="1200" dirty="0" err="1"/>
+            <a:t>mungkin</a:t>
+          </a:r>
+          <a:r>
+            <a:rPr lang="en-US" sz="1000" b="0" kern="1200" dirty="0"/>
+            <a:t> </a:t>
+          </a:r>
+          <a:r>
+            <a:rPr lang="en-US" sz="1000" b="0" kern="1200" dirty="0" err="1"/>
+            <a:t>lebih</a:t>
+          </a:r>
+          <a:r>
+            <a:rPr lang="en-US" sz="1000" b="0" kern="1200" dirty="0"/>
+            <a:t> </a:t>
+          </a:r>
+          <a:r>
+            <a:rPr lang="en-US" sz="1000" b="0" kern="1200" dirty="0" err="1"/>
+            <a:t>tertarik</a:t>
+          </a:r>
+          <a:r>
+            <a:rPr lang="en-US" sz="1000" b="0" kern="1200" dirty="0"/>
+            <a:t> pada </a:t>
+          </a:r>
+          <a:r>
+            <a:rPr lang="en-US" sz="1000" b="0" kern="1200" dirty="0" err="1"/>
+            <a:t>akomodasi</a:t>
+          </a:r>
+          <a:r>
+            <a:rPr lang="en-US" sz="1000" b="0" kern="1200" dirty="0"/>
             <a:t> yang </a:t>
           </a:r>
           <a:r>
-            <a:rPr lang="en-US" sz="1100" b="0" kern="1200" dirty="0" err="1"/>
-            <a:t>nyaman</a:t>
-          </a:r>
-          <a:r>
-            <a:rPr lang="en-US" sz="1100" b="0" kern="1200" dirty="0"/>
+            <a:rPr lang="en-US" sz="1000" b="0" kern="1200" dirty="0" err="1"/>
+            <a:t>terjangkau</a:t>
+          </a:r>
+          <a:r>
+            <a:rPr lang="en-US" sz="1000" b="0" kern="1200" dirty="0"/>
             <a:t> dan </a:t>
           </a:r>
           <a:r>
-            <a:rPr lang="en-US" sz="1100" b="0" kern="1200" dirty="0" err="1"/>
-            <a:t>ekslusif</a:t>
-          </a:r>
-          <a:r>
-            <a:rPr lang="en-US" sz="1100" b="0" kern="1200" dirty="0"/>
+            <a:rPr lang="en-US" sz="1000" b="0" kern="1200" dirty="0" err="1"/>
+            <a:t>berlokasi</a:t>
+          </a:r>
+          <a:r>
+            <a:rPr lang="en-US" sz="1000" b="0" kern="1200" dirty="0"/>
             <a:t> </a:t>
           </a:r>
           <a:r>
-            <a:rPr lang="en-US" sz="1100" b="0" kern="1200" dirty="0" err="1"/>
-            <a:t>untuk</a:t>
-          </a:r>
-          <a:r>
-            <a:rPr lang="en-US" sz="1100" b="0" kern="1200" dirty="0"/>
+            <a:rPr lang="en-US" sz="1000" b="0" kern="1200" dirty="0" err="1"/>
+            <a:t>dekat</a:t>
+          </a:r>
+          <a:r>
+            <a:rPr lang="en-US" sz="1000" b="0" kern="1200" dirty="0"/>
             <a:t> </a:t>
           </a:r>
           <a:r>
-            <a:rPr lang="en-US" sz="1100" b="0" kern="1200" dirty="0" err="1"/>
+            <a:rPr lang="en-US" sz="1000" b="0" kern="1200" dirty="0" err="1"/>
+            <a:t>dengan</a:t>
+          </a:r>
+          <a:r>
+            <a:rPr lang="en-US" sz="1000" b="0" kern="1200" dirty="0"/>
+            <a:t> </a:t>
+          </a:r>
+          <a:r>
+            <a:rPr lang="en-US" sz="1000" b="0" kern="1200" dirty="0" err="1"/>
+            <a:t>tempat-tempat</a:t>
+          </a:r>
+          <a:r>
+            <a:rPr lang="en-US" sz="1000" b="0" kern="1200" dirty="0"/>
+            <a:t> </a:t>
+          </a:r>
+          <a:r>
+            <a:rPr lang="en-US" sz="1000" b="0" kern="1200" dirty="0" err="1"/>
             <a:t>menarik</a:t>
           </a:r>
           <a:r>
-            <a:rPr lang="en-US" sz="1100" b="0" kern="1200" dirty="0"/>
+            <a:rPr lang="en-US" sz="1000" b="0" kern="1200" dirty="0"/>
+            <a:t>, </a:t>
+          </a:r>
+          <a:r>
+            <a:rPr lang="en-US" sz="1000" b="0" kern="1200" dirty="0" err="1"/>
+            <a:t>sementara</a:t>
+          </a:r>
+          <a:r>
+            <a:rPr lang="en-US" sz="1000" b="0" kern="1200" dirty="0"/>
             <a:t> </a:t>
           </a:r>
           <a:r>
-            <a:rPr lang="en-US" sz="1100" b="0" kern="1200" dirty="0" err="1"/>
-            <a:t>wisatawa</a:t>
-          </a:r>
-          <a:endParaRPr lang="en-US" sz="1100" b="0" kern="1200" dirty="0"/>
+            <a:rPr lang="en-US" sz="1000" b="0" kern="1200" dirty="0" err="1"/>
+            <a:t>pelancong</a:t>
+          </a:r>
+          <a:r>
+            <a:rPr lang="en-US" sz="1000" b="0" kern="1200" dirty="0"/>
+            <a:t> </a:t>
+          </a:r>
+          <a:r>
+            <a:rPr lang="en-US" sz="1000" b="0" kern="1200" dirty="0" err="1"/>
+            <a:t>bisnis</a:t>
+          </a:r>
+          <a:r>
+            <a:rPr lang="en-US" sz="1000" b="0" kern="1200" dirty="0"/>
+            <a:t> </a:t>
+          </a:r>
+          <a:r>
+            <a:rPr lang="en-US" sz="1000" b="0" kern="1200" dirty="0" err="1"/>
+            <a:t>mungkin</a:t>
+          </a:r>
+          <a:r>
+            <a:rPr lang="en-US" sz="1000" b="0" kern="1200" dirty="0"/>
+            <a:t> </a:t>
+          </a:r>
+          <a:r>
+            <a:rPr lang="en-US" sz="1000" b="0" kern="1200" dirty="0" err="1"/>
+            <a:t>memprioritaskan</a:t>
+          </a:r>
+          <a:r>
+            <a:rPr lang="en-US" sz="1000" b="0" kern="1200" dirty="0"/>
+            <a:t> </a:t>
+          </a:r>
+          <a:r>
+            <a:rPr lang="en-US" sz="1000" b="0" kern="1200" dirty="0" err="1"/>
+            <a:t>fasilitas</a:t>
+          </a:r>
+          <a:r>
+            <a:rPr lang="en-US" sz="1000" b="0" kern="1200" dirty="0"/>
+            <a:t> </a:t>
+          </a:r>
+          <a:r>
+            <a:rPr lang="en-US" sz="1000" b="0" kern="1200" dirty="0" err="1"/>
+            <a:t>kerja</a:t>
+          </a:r>
+          <a:r>
+            <a:rPr lang="en-US" sz="1000" b="0" kern="1200" dirty="0"/>
+            <a:t> dan </a:t>
+          </a:r>
+          <a:r>
+            <a:rPr lang="en-US" sz="1000" b="0" kern="1200" dirty="0" err="1"/>
+            <a:t>kenyamanan</a:t>
+          </a:r>
+          <a:r>
+            <a:rPr lang="en-US" sz="1000" b="0" kern="1200" dirty="0"/>
+            <a:t>, </a:t>
+          </a:r>
+          <a:r>
+            <a:rPr lang="en-US" sz="1000" b="0" kern="1200" dirty="0" err="1"/>
+            <a:t>mementingkan</a:t>
+          </a:r>
+          <a:r>
+            <a:rPr lang="en-US" sz="1000" b="0" kern="1200" dirty="0"/>
+            <a:t> </a:t>
+          </a:r>
+          <a:r>
+            <a:rPr lang="en-US" sz="1000" b="0" kern="1200" dirty="0" err="1"/>
+            <a:t>eksklusifitas</a:t>
+          </a:r>
+          <a:r>
+            <a:rPr lang="en-US" sz="1000" b="0" kern="1200" dirty="0"/>
+            <a:t> </a:t>
+          </a:r>
+          <a:r>
+            <a:rPr lang="en-US" sz="1000" b="0" kern="1200" dirty="0" err="1"/>
+            <a:t>tanpa</a:t>
+          </a:r>
+          <a:r>
+            <a:rPr lang="en-US" sz="1000" b="0" kern="1200" dirty="0"/>
+            <a:t> </a:t>
+          </a:r>
+          <a:r>
+            <a:rPr lang="en-US" sz="1000" b="0" kern="1200" dirty="0" err="1"/>
+            <a:t>mengenal</a:t>
+          </a:r>
+          <a:r>
+            <a:rPr lang="en-US" sz="1000" b="0" kern="1200" dirty="0"/>
+            <a:t> </a:t>
+          </a:r>
+          <a:r>
+            <a:rPr lang="en-US" sz="1000" b="0" kern="1200" dirty="0" err="1"/>
+            <a:t>harga</a:t>
+          </a:r>
+          <a:r>
+            <a:rPr lang="en-US" sz="1000" b="0" kern="1200" dirty="0"/>
+            <a:t>.</a:t>
+          </a:r>
+          <a:endParaRPr lang="en-US" sz="1000" kern="1200" dirty="0"/>
         </a:p>
       </dsp:txBody>
       <dsp:txXfrm rot="-5400000">
-        <a:off x="788988" y="1993480"/>
-        <a:ext cx="5271248" cy="661103"/>
-      </dsp:txXfrm>
-    </dsp:sp>
-    <dsp:sp modelId="{67BC9B80-7353-42BE-809F-539A67A944A8}">
-      <dsp:nvSpPr>
-        <dsp:cNvPr id="0" name=""/>
-        <dsp:cNvSpPr/>
-      </dsp:nvSpPr>
-      <dsp:spPr>
-        <a:xfrm rot="5400000">
-          <a:off x="-169068" y="3105342"/>
-          <a:ext cx="1127124" cy="788987"/>
-        </a:xfrm>
-        <a:prstGeom prst="chevron">
-          <a:avLst/>
-        </a:prstGeom>
-        <a:solidFill>
-          <a:schemeClr val="accent1">
-            <a:hueOff val="0"/>
-            <a:satOff val="0"/>
-            <a:lumOff val="0"/>
-            <a:alphaOff val="0"/>
-          </a:schemeClr>
-        </a:solidFill>
-        <a:ln w="19050" cap="flat" cmpd="sng" algn="ctr">
-          <a:solidFill>
-            <a:schemeClr val="accent1">
-              <a:hueOff val="0"/>
-              <a:satOff val="0"/>
-              <a:lumOff val="0"/>
-              <a:alphaOff val="0"/>
-            </a:schemeClr>
-          </a:solidFill>
-          <a:prstDash val="solid"/>
-          <a:miter lim="800000"/>
-        </a:ln>
-        <a:effectLst/>
-      </dsp:spPr>
-      <dsp:style>
-        <a:lnRef idx="2">
-          <a:scrgbClr r="0" g="0" b="0"/>
-        </a:lnRef>
-        <a:fillRef idx="1">
-          <a:scrgbClr r="0" g="0" b="0"/>
-        </a:fillRef>
-        <a:effectRef idx="0">
-          <a:scrgbClr r="0" g="0" b="0"/>
-        </a:effectRef>
-        <a:fontRef idx="minor">
-          <a:schemeClr val="lt1"/>
-        </a:fontRef>
-      </dsp:style>
-      <dsp:txBody>
-        <a:bodyPr spcFirstLastPara="0" vert="horz" wrap="square" lIns="4445" tIns="4445" rIns="4445" bIns="4445" numCol="1" spcCol="1270" anchor="ctr" anchorCtr="0">
-          <a:noAutofit/>
-        </a:bodyPr>
-        <a:lstStyle/>
-        <a:p>
-          <a:pPr marL="0" lvl="0" indent="0" algn="ctr" defTabSz="311150">
-            <a:lnSpc>
-              <a:spcPct val="90000"/>
-            </a:lnSpc>
-            <a:spcBef>
-              <a:spcPct val="0"/>
-            </a:spcBef>
-            <a:spcAft>
-              <a:spcPct val="35000"/>
-            </a:spcAft>
-            <a:buNone/>
-          </a:pPr>
-          <a:r>
-            <a:rPr lang="en-US" sz="700" b="1" kern="1200" dirty="0" err="1"/>
-            <a:t>Pemasaran</a:t>
-          </a:r>
-          <a:r>
-            <a:rPr lang="en-US" sz="700" b="1" kern="1200" dirty="0"/>
-            <a:t> digital</a:t>
-          </a:r>
-        </a:p>
-      </dsp:txBody>
-      <dsp:txXfrm rot="-5400000">
-        <a:off x="1" y="3330768"/>
-        <a:ext cx="788987" cy="338137"/>
-      </dsp:txXfrm>
-    </dsp:sp>
-    <dsp:sp modelId="{38E5D018-A97C-45EB-B9BF-F4E0D5CE6BA5}">
-      <dsp:nvSpPr>
-        <dsp:cNvPr id="0" name=""/>
-        <dsp:cNvSpPr/>
-      </dsp:nvSpPr>
-      <dsp:spPr>
-        <a:xfrm rot="5400000">
-          <a:off x="3076178" y="649083"/>
-          <a:ext cx="732631" cy="5307012"/>
-        </a:xfrm>
-        <a:prstGeom prst="round2SameRect">
-          <a:avLst/>
-        </a:prstGeom>
-        <a:solidFill>
-          <a:schemeClr val="lt1">
-            <a:alpha val="90000"/>
-            <a:hueOff val="0"/>
-            <a:satOff val="0"/>
-            <a:lumOff val="0"/>
-            <a:alphaOff val="0"/>
-          </a:schemeClr>
-        </a:solidFill>
-        <a:ln w="19050" cap="flat" cmpd="sng" algn="ctr">
-          <a:solidFill>
-            <a:schemeClr val="accent1">
-              <a:hueOff val="0"/>
-              <a:satOff val="0"/>
-              <a:lumOff val="0"/>
-              <a:alphaOff val="0"/>
-            </a:schemeClr>
-          </a:solidFill>
-          <a:prstDash val="solid"/>
-          <a:miter lim="800000"/>
-        </a:ln>
-        <a:effectLst/>
-      </dsp:spPr>
-      <dsp:style>
-        <a:lnRef idx="2">
-          <a:scrgbClr r="0" g="0" b="0"/>
-        </a:lnRef>
-        <a:fillRef idx="1">
-          <a:scrgbClr r="0" g="0" b="0"/>
-        </a:fillRef>
-        <a:effectRef idx="0">
-          <a:scrgbClr r="0" g="0" b="0"/>
-        </a:effectRef>
-        <a:fontRef idx="minor"/>
-      </dsp:style>
-      <dsp:txBody>
-        <a:bodyPr spcFirstLastPara="0" vert="horz" wrap="square" lIns="78232" tIns="6985" rIns="6985" bIns="6985" numCol="1" spcCol="1270" anchor="ctr" anchorCtr="0">
-          <a:noAutofit/>
-        </a:bodyPr>
-        <a:lstStyle/>
-        <a:p>
-          <a:pPr marL="57150" lvl="1" indent="-57150" algn="l" defTabSz="488950">
-            <a:lnSpc>
-              <a:spcPct val="90000"/>
-            </a:lnSpc>
-            <a:spcBef>
-              <a:spcPct val="0"/>
-            </a:spcBef>
-            <a:spcAft>
-              <a:spcPct val="15000"/>
-            </a:spcAft>
-            <a:buChar char="•"/>
-          </a:pPr>
-          <a:r>
-            <a:rPr lang="en-US" sz="1100" kern="1200" dirty="0" err="1"/>
-            <a:t>Menggunakan</a:t>
-          </a:r>
-          <a:r>
-            <a:rPr lang="en-US" sz="1100" kern="1200" dirty="0"/>
-            <a:t> kata </a:t>
-          </a:r>
-          <a:r>
-            <a:rPr lang="en-US" sz="1100" kern="1200" dirty="0" err="1"/>
-            <a:t>kunci</a:t>
-          </a:r>
-          <a:r>
-            <a:rPr lang="en-US" sz="1100" kern="1200" dirty="0"/>
-            <a:t> yang </a:t>
-          </a:r>
-          <a:r>
-            <a:rPr lang="en-US" sz="1100" kern="1200" dirty="0" err="1"/>
-            <a:t>relevan</a:t>
-          </a:r>
-          <a:endParaRPr lang="en-US" sz="1100" kern="1200" dirty="0"/>
-        </a:p>
-        <a:p>
-          <a:pPr marL="57150" lvl="1" indent="-57150" algn="l" defTabSz="488950">
-            <a:lnSpc>
-              <a:spcPct val="90000"/>
-            </a:lnSpc>
-            <a:spcBef>
-              <a:spcPct val="0"/>
-            </a:spcBef>
-            <a:spcAft>
-              <a:spcPct val="15000"/>
-            </a:spcAft>
-            <a:buChar char="•"/>
-          </a:pPr>
-          <a:r>
-            <a:rPr lang="en-US" sz="1100" b="0" kern="1200" dirty="0" err="1"/>
-            <a:t>Kampanye</a:t>
-          </a:r>
-          <a:r>
-            <a:rPr lang="en-US" sz="1100" b="0" kern="1200" dirty="0"/>
-            <a:t> Media </a:t>
-          </a:r>
-          <a:r>
-            <a:rPr lang="en-US" sz="1100" b="0" kern="1200" dirty="0" err="1"/>
-            <a:t>Sosial</a:t>
-          </a:r>
-          <a:endParaRPr lang="en-US" sz="1100" b="0" kern="1200" dirty="0"/>
-        </a:p>
-      </dsp:txBody>
-      <dsp:txXfrm rot="-5400000">
-        <a:off x="788988" y="2972037"/>
-        <a:ext cx="5271248" cy="661103"/>
+        <a:off x="1136502" y="2915510"/>
+        <a:ext cx="5412073" cy="952288"/>
       </dsp:txXfrm>
     </dsp:sp>
   </dsp:spTree>
@@ -7607,1760 +8087,6 @@
           <a:bodyPr/>
           <a:lstStyle/>
           <a:p>
-            <a:r>
-              <a:rPr lang="en-US" b="1" dirty="0" err="1"/>
-              <a:t>Optimalisasi</a:t>
-            </a:r>
-            <a:r>
-              <a:rPr lang="en-US" b="1" dirty="0"/>
-              <a:t> Harga dan </a:t>
-            </a:r>
-            <a:r>
-              <a:rPr lang="en-US" b="1" dirty="0" err="1"/>
-              <a:t>Penawaran</a:t>
-            </a:r>
-            <a:endParaRPr lang="en-US" b="1" dirty="0"/>
-          </a:p>
-          <a:p>
-            <a:pPr>
-              <a:buFont typeface="Arial" panose="020B0604020202020204" pitchFamily="34" charset="0"/>
-              <a:buChar char="•"/>
-            </a:pPr>
-            <a:r>
-              <a:rPr lang="en-US" b="1" dirty="0" err="1"/>
-              <a:t>Analisis</a:t>
-            </a:r>
-            <a:r>
-              <a:rPr lang="en-US" b="1" dirty="0"/>
-              <a:t> </a:t>
-            </a:r>
-            <a:r>
-              <a:rPr lang="en-US" b="1" dirty="0" err="1"/>
-              <a:t>Kompetitif</a:t>
-            </a:r>
-            <a:r>
-              <a:rPr lang="en-US" b="1" dirty="0"/>
-              <a:t> Harga</a:t>
-            </a:r>
-            <a:r>
-              <a:rPr lang="en-US" dirty="0"/>
-              <a:t>: </a:t>
-            </a:r>
-            <a:r>
-              <a:rPr lang="en-US" dirty="0" err="1"/>
-              <a:t>Menetapkan</a:t>
-            </a:r>
-            <a:r>
-              <a:rPr lang="en-US" dirty="0"/>
-              <a:t> </a:t>
-            </a:r>
-            <a:r>
-              <a:rPr lang="en-US" dirty="0" err="1"/>
-              <a:t>harga</a:t>
-            </a:r>
-            <a:r>
-              <a:rPr lang="en-US" dirty="0"/>
-              <a:t> yang </a:t>
-            </a:r>
-            <a:r>
-              <a:rPr lang="en-US" dirty="0" err="1"/>
-              <a:t>kompetitif</a:t>
-            </a:r>
-            <a:r>
-              <a:rPr lang="en-US" dirty="0"/>
-              <a:t> </a:t>
-            </a:r>
-            <a:r>
-              <a:rPr lang="en-US" dirty="0" err="1"/>
-              <a:t>berdasarkan</a:t>
-            </a:r>
-            <a:r>
-              <a:rPr lang="en-US" dirty="0"/>
-              <a:t> </a:t>
-            </a:r>
-            <a:r>
-              <a:rPr lang="en-US" dirty="0" err="1"/>
-              <a:t>analisis</a:t>
-            </a:r>
-            <a:r>
-              <a:rPr lang="en-US" dirty="0"/>
-              <a:t> </a:t>
-            </a:r>
-            <a:r>
-              <a:rPr lang="en-US" dirty="0" err="1"/>
-              <a:t>mendalam</a:t>
-            </a:r>
-            <a:r>
-              <a:rPr lang="en-US" dirty="0"/>
-              <a:t> </a:t>
-            </a:r>
-            <a:r>
-              <a:rPr lang="en-US" dirty="0" err="1"/>
-              <a:t>terhadap</a:t>
-            </a:r>
-            <a:r>
-              <a:rPr lang="en-US" dirty="0"/>
-              <a:t> </a:t>
-            </a:r>
-            <a:r>
-              <a:rPr lang="en-US" dirty="0" err="1"/>
-              <a:t>tarif</a:t>
-            </a:r>
-            <a:r>
-              <a:rPr lang="en-US" dirty="0"/>
-              <a:t> rata-rata per listing dan per </a:t>
-            </a:r>
-            <a:r>
-              <a:rPr lang="en-US" dirty="0" err="1"/>
-              <a:t>malam</a:t>
-            </a:r>
-            <a:r>
-              <a:rPr lang="en-US" dirty="0"/>
-              <a:t> di </a:t>
-            </a:r>
-            <a:r>
-              <a:rPr lang="en-US" dirty="0" err="1"/>
-              <a:t>berbagai</a:t>
-            </a:r>
-            <a:r>
-              <a:rPr lang="en-US" dirty="0"/>
-              <a:t> </a:t>
-            </a:r>
-            <a:r>
-              <a:rPr lang="en-US" dirty="0" err="1"/>
-              <a:t>Neighbourhood</a:t>
-            </a:r>
-            <a:r>
-              <a:rPr lang="en-US" dirty="0"/>
-              <a:t>. </a:t>
-            </a:r>
-            <a:r>
-              <a:rPr lang="en-US" dirty="0" err="1"/>
-              <a:t>Pemilik</a:t>
-            </a:r>
-            <a:r>
-              <a:rPr lang="en-US" dirty="0"/>
-              <a:t> </a:t>
-            </a:r>
-            <a:r>
-              <a:rPr lang="en-US" dirty="0" err="1"/>
-              <a:t>properti</a:t>
-            </a:r>
-            <a:r>
-              <a:rPr lang="en-US" dirty="0"/>
-              <a:t> </a:t>
-            </a:r>
-            <a:r>
-              <a:rPr lang="en-US" dirty="0" err="1"/>
-              <a:t>dapat</a:t>
-            </a:r>
-            <a:r>
-              <a:rPr lang="en-US" dirty="0"/>
-              <a:t> </a:t>
-            </a:r>
-            <a:r>
-              <a:rPr lang="en-US" dirty="0" err="1"/>
-              <a:t>menggunakan</a:t>
-            </a:r>
-            <a:r>
-              <a:rPr lang="en-US" dirty="0"/>
-              <a:t> strategi </a:t>
-            </a:r>
-            <a:r>
-              <a:rPr lang="en-US" dirty="0" err="1"/>
-              <a:t>penetapan</a:t>
-            </a:r>
-            <a:r>
-              <a:rPr lang="en-US" dirty="0"/>
-              <a:t> </a:t>
-            </a:r>
-            <a:r>
-              <a:rPr lang="en-US" dirty="0" err="1"/>
-              <a:t>harga</a:t>
-            </a:r>
-            <a:r>
-              <a:rPr lang="en-US" dirty="0"/>
-              <a:t> </a:t>
-            </a:r>
-            <a:r>
-              <a:rPr lang="en-US" dirty="0" err="1"/>
-              <a:t>dinamis</a:t>
-            </a:r>
-            <a:r>
-              <a:rPr lang="en-US" dirty="0"/>
-              <a:t> yang </a:t>
-            </a:r>
-            <a:r>
-              <a:rPr lang="en-US" dirty="0" err="1"/>
-              <a:t>menyesuaikan</a:t>
-            </a:r>
-            <a:r>
-              <a:rPr lang="en-US" dirty="0"/>
-              <a:t> </a:t>
-            </a:r>
-            <a:r>
-              <a:rPr lang="en-US" dirty="0" err="1"/>
-              <a:t>tarif</a:t>
-            </a:r>
-            <a:r>
-              <a:rPr lang="en-US" dirty="0"/>
-              <a:t> </a:t>
-            </a:r>
-            <a:r>
-              <a:rPr lang="en-US" dirty="0" err="1"/>
-              <a:t>berdasarkan</a:t>
-            </a:r>
-            <a:r>
-              <a:rPr lang="en-US" dirty="0"/>
-              <a:t> </a:t>
-            </a:r>
-            <a:r>
-              <a:rPr lang="en-US" dirty="0" err="1"/>
-              <a:t>permintaan</a:t>
-            </a:r>
-            <a:r>
-              <a:rPr lang="en-US" dirty="0"/>
-              <a:t>, </a:t>
-            </a:r>
-            <a:r>
-              <a:rPr lang="en-US" dirty="0" err="1"/>
-              <a:t>musim</a:t>
-            </a:r>
-            <a:r>
-              <a:rPr lang="en-US" dirty="0"/>
-              <a:t>, dan acara </a:t>
-            </a:r>
-            <a:r>
-              <a:rPr lang="en-US" dirty="0" err="1"/>
-              <a:t>lokal</a:t>
-            </a:r>
-            <a:r>
-              <a:rPr lang="en-US" dirty="0"/>
-              <a:t>.</a:t>
-            </a:r>
-          </a:p>
-          <a:p>
-            <a:pPr>
-              <a:buFont typeface="Arial" panose="020B0604020202020204" pitchFamily="34" charset="0"/>
-              <a:buChar char="•"/>
-            </a:pPr>
-            <a:r>
-              <a:rPr lang="en-US" b="1" dirty="0" err="1"/>
-              <a:t>Penawaran</a:t>
-            </a:r>
-            <a:r>
-              <a:rPr lang="en-US" b="1" dirty="0"/>
-              <a:t> </a:t>
-            </a:r>
-            <a:r>
-              <a:rPr lang="en-US" b="1" dirty="0" err="1"/>
-              <a:t>Khusus</a:t>
-            </a:r>
-            <a:r>
-              <a:rPr lang="en-US" b="1" dirty="0"/>
-              <a:t> dan </a:t>
-            </a:r>
-            <a:r>
-              <a:rPr lang="en-US" b="1" dirty="0" err="1"/>
-              <a:t>Diskon</a:t>
-            </a:r>
-            <a:r>
-              <a:rPr lang="en-US" dirty="0"/>
-              <a:t>: </a:t>
-            </a:r>
-            <a:r>
-              <a:rPr lang="en-US" dirty="0" err="1"/>
-              <a:t>Menyediakan</a:t>
-            </a:r>
-            <a:r>
-              <a:rPr lang="en-US" dirty="0"/>
-              <a:t> </a:t>
-            </a:r>
-            <a:r>
-              <a:rPr lang="en-US" dirty="0" err="1"/>
-              <a:t>diskon</a:t>
-            </a:r>
-            <a:r>
-              <a:rPr lang="en-US" dirty="0"/>
-              <a:t> </a:t>
-            </a:r>
-            <a:r>
-              <a:rPr lang="en-US" dirty="0" err="1"/>
-              <a:t>untuk</a:t>
-            </a:r>
-            <a:r>
-              <a:rPr lang="en-US" dirty="0"/>
-              <a:t> </a:t>
-            </a:r>
-            <a:r>
-              <a:rPr lang="en-US" dirty="0" err="1"/>
-              <a:t>pemesanan</a:t>
-            </a:r>
-            <a:r>
-              <a:rPr lang="en-US" dirty="0"/>
-              <a:t> </a:t>
-            </a:r>
-            <a:r>
-              <a:rPr lang="en-US" dirty="0" err="1"/>
-              <a:t>jangka</a:t>
-            </a:r>
-            <a:r>
-              <a:rPr lang="en-US" dirty="0"/>
-              <a:t> </a:t>
-            </a:r>
-            <a:r>
-              <a:rPr lang="en-US" dirty="0" err="1"/>
-              <a:t>panjang</a:t>
-            </a:r>
-            <a:r>
-              <a:rPr lang="en-US" dirty="0"/>
-              <a:t> </a:t>
-            </a:r>
-            <a:r>
-              <a:rPr lang="en-US" dirty="0" err="1"/>
-              <a:t>atau</a:t>
-            </a:r>
-            <a:r>
-              <a:rPr lang="en-US" dirty="0"/>
-              <a:t> </a:t>
-            </a:r>
-            <a:r>
-              <a:rPr lang="en-US" dirty="0" err="1"/>
-              <a:t>menawarkan</a:t>
-            </a:r>
-            <a:r>
-              <a:rPr lang="en-US" dirty="0"/>
-              <a:t> </a:t>
-            </a:r>
-            <a:r>
-              <a:rPr lang="en-US" dirty="0" err="1"/>
-              <a:t>paket</a:t>
-            </a:r>
-            <a:r>
-              <a:rPr lang="en-US" dirty="0"/>
-              <a:t> </a:t>
-            </a:r>
-            <a:r>
-              <a:rPr lang="en-US" dirty="0" err="1"/>
-              <a:t>spesial</a:t>
-            </a:r>
-            <a:r>
-              <a:rPr lang="en-US" dirty="0"/>
-              <a:t> </a:t>
-            </a:r>
-            <a:r>
-              <a:rPr lang="en-US" dirty="0" err="1"/>
-              <a:t>selama</a:t>
-            </a:r>
-            <a:r>
-              <a:rPr lang="en-US" dirty="0"/>
-              <a:t> </a:t>
-            </a:r>
-            <a:r>
-              <a:rPr lang="en-US" dirty="0" err="1"/>
-              <a:t>musim</a:t>
-            </a:r>
-            <a:r>
-              <a:rPr lang="en-US" dirty="0"/>
-              <a:t> </a:t>
-            </a:r>
-            <a:r>
-              <a:rPr lang="en-US" dirty="0" err="1"/>
-              <a:t>rendah</a:t>
-            </a:r>
-            <a:r>
-              <a:rPr lang="en-US" dirty="0"/>
-              <a:t> (low season) </a:t>
-            </a:r>
-            <a:r>
-              <a:rPr lang="en-US" dirty="0" err="1"/>
-              <a:t>untuk</a:t>
-            </a:r>
-            <a:r>
-              <a:rPr lang="en-US" dirty="0"/>
-              <a:t> </a:t>
-            </a:r>
-            <a:r>
-              <a:rPr lang="en-US" dirty="0" err="1"/>
-              <a:t>menarik</a:t>
-            </a:r>
-            <a:r>
-              <a:rPr lang="en-US" dirty="0"/>
-              <a:t> </a:t>
-            </a:r>
-            <a:r>
-              <a:rPr lang="en-US" dirty="0" err="1"/>
-              <a:t>lebih</a:t>
-            </a:r>
-            <a:r>
-              <a:rPr lang="en-US" dirty="0"/>
-              <a:t> </a:t>
-            </a:r>
-            <a:r>
-              <a:rPr lang="en-US" dirty="0" err="1"/>
-              <a:t>banyak</a:t>
-            </a:r>
-            <a:r>
-              <a:rPr lang="en-US" dirty="0"/>
-              <a:t> </a:t>
-            </a:r>
-            <a:r>
-              <a:rPr lang="en-US" dirty="0" err="1"/>
-              <a:t>tamu</a:t>
-            </a:r>
-            <a:r>
-              <a:rPr lang="en-US" dirty="0"/>
-              <a:t>.</a:t>
-            </a:r>
-          </a:p>
-          <a:p>
-            <a:r>
-              <a:rPr lang="en-US" b="1" dirty="0"/>
-              <a:t>2. </a:t>
-            </a:r>
-            <a:r>
-              <a:rPr lang="en-US" b="1" dirty="0" err="1"/>
-              <a:t>Peningkatan</a:t>
-            </a:r>
-            <a:r>
-              <a:rPr lang="en-US" b="1" dirty="0"/>
-              <a:t> </a:t>
-            </a:r>
-            <a:r>
-              <a:rPr lang="en-US" b="1" dirty="0" err="1"/>
-              <a:t>Kualitas</a:t>
-            </a:r>
-            <a:r>
-              <a:rPr lang="en-US" b="1" dirty="0"/>
-              <a:t> </a:t>
-            </a:r>
-            <a:r>
-              <a:rPr lang="en-US" b="1" dirty="0" err="1"/>
-              <a:t>Properti</a:t>
-            </a:r>
-            <a:endParaRPr lang="en-US" b="1" dirty="0"/>
-          </a:p>
-          <a:p>
-            <a:pPr>
-              <a:buFont typeface="Arial" panose="020B0604020202020204" pitchFamily="34" charset="0"/>
-              <a:buChar char="•"/>
-            </a:pPr>
-            <a:r>
-              <a:rPr lang="en-US" b="1" dirty="0" err="1"/>
-              <a:t>Fasilitas</a:t>
-            </a:r>
-            <a:r>
-              <a:rPr lang="en-US" b="1" dirty="0"/>
-              <a:t> Modern</a:t>
-            </a:r>
-            <a:r>
-              <a:rPr lang="en-US" dirty="0"/>
-              <a:t>: </a:t>
-            </a:r>
-            <a:r>
-              <a:rPr lang="en-US" dirty="0" err="1"/>
-              <a:t>Meningkatkan</a:t>
-            </a:r>
-            <a:r>
-              <a:rPr lang="en-US" dirty="0"/>
-              <a:t> </a:t>
-            </a:r>
-            <a:r>
-              <a:rPr lang="en-US" dirty="0" err="1"/>
-              <a:t>fasilitas</a:t>
-            </a:r>
-            <a:r>
-              <a:rPr lang="en-US" dirty="0"/>
-              <a:t> </a:t>
-            </a:r>
-            <a:r>
-              <a:rPr lang="en-US" dirty="0" err="1"/>
-              <a:t>properti</a:t>
-            </a:r>
-            <a:r>
-              <a:rPr lang="en-US" dirty="0"/>
-              <a:t> </a:t>
-            </a:r>
-            <a:r>
-              <a:rPr lang="en-US" dirty="0" err="1"/>
-              <a:t>seperti</a:t>
-            </a:r>
-            <a:r>
-              <a:rPr lang="en-US" dirty="0"/>
-              <a:t> </a:t>
-            </a:r>
-            <a:r>
-              <a:rPr lang="en-US" dirty="0" err="1"/>
-              <a:t>menyediakan</a:t>
-            </a:r>
-            <a:r>
-              <a:rPr lang="en-US" dirty="0"/>
-              <a:t> Wi-Fi </a:t>
-            </a:r>
-            <a:r>
-              <a:rPr lang="en-US" dirty="0" err="1"/>
-              <a:t>cepat</a:t>
-            </a:r>
-            <a:r>
-              <a:rPr lang="en-US" dirty="0"/>
-              <a:t>, </a:t>
-            </a:r>
-            <a:r>
-              <a:rPr lang="en-US" dirty="0" err="1"/>
-              <a:t>peralatan</a:t>
-            </a:r>
-            <a:r>
-              <a:rPr lang="en-US" dirty="0"/>
-              <a:t> </a:t>
-            </a:r>
-            <a:r>
-              <a:rPr lang="en-US" dirty="0" err="1"/>
-              <a:t>dapur</a:t>
-            </a:r>
-            <a:r>
-              <a:rPr lang="en-US" dirty="0"/>
-              <a:t> </a:t>
-            </a:r>
-            <a:r>
-              <a:rPr lang="en-US" dirty="0" err="1"/>
-              <a:t>lengkap</a:t>
-            </a:r>
-            <a:r>
-              <a:rPr lang="en-US" dirty="0"/>
-              <a:t>, dan </a:t>
-            </a:r>
-            <a:r>
-              <a:rPr lang="en-US" dirty="0" err="1"/>
-              <a:t>ruang</a:t>
-            </a:r>
-            <a:r>
-              <a:rPr lang="en-US" dirty="0"/>
-              <a:t> </a:t>
-            </a:r>
-            <a:r>
-              <a:rPr lang="en-US" dirty="0" err="1"/>
-              <a:t>kerja</a:t>
-            </a:r>
-            <a:r>
-              <a:rPr lang="en-US" dirty="0"/>
-              <a:t> yang </a:t>
-            </a:r>
-            <a:r>
-              <a:rPr lang="en-US" dirty="0" err="1"/>
-              <a:t>nyaman</a:t>
-            </a:r>
-            <a:r>
-              <a:rPr lang="en-US" dirty="0"/>
-              <a:t> </a:t>
-            </a:r>
-            <a:r>
-              <a:rPr lang="en-US" dirty="0" err="1"/>
-              <a:t>untuk</a:t>
-            </a:r>
-            <a:r>
-              <a:rPr lang="en-US" dirty="0"/>
-              <a:t> </a:t>
-            </a:r>
-            <a:r>
-              <a:rPr lang="en-US" dirty="0" err="1"/>
-              <a:t>menarik</a:t>
-            </a:r>
-            <a:r>
-              <a:rPr lang="en-US" dirty="0"/>
-              <a:t> </a:t>
-            </a:r>
-            <a:r>
-              <a:rPr lang="en-US" dirty="0" err="1"/>
-              <a:t>wisatawan</a:t>
-            </a:r>
-            <a:r>
-              <a:rPr lang="en-US" dirty="0"/>
-              <a:t> dan </a:t>
-            </a:r>
-            <a:r>
-              <a:rPr lang="en-US" dirty="0" err="1"/>
-              <a:t>pekerja</a:t>
-            </a:r>
-            <a:r>
-              <a:rPr lang="en-US" dirty="0"/>
-              <a:t> remote.</a:t>
-            </a:r>
-          </a:p>
-          <a:p>
-            <a:pPr>
-              <a:buFont typeface="Arial" panose="020B0604020202020204" pitchFamily="34" charset="0"/>
-              <a:buChar char="•"/>
-            </a:pPr>
-            <a:r>
-              <a:rPr lang="en-US" b="1" dirty="0" err="1"/>
-              <a:t>Renovasi</a:t>
-            </a:r>
-            <a:r>
-              <a:rPr lang="en-US" b="1" dirty="0"/>
-              <a:t> dan </a:t>
-            </a:r>
-            <a:r>
-              <a:rPr lang="en-US" b="1" dirty="0" err="1"/>
-              <a:t>Perawatan</a:t>
-            </a:r>
-            <a:r>
-              <a:rPr lang="en-US" dirty="0"/>
-              <a:t>: </a:t>
-            </a:r>
-            <a:r>
-              <a:rPr lang="en-US" dirty="0" err="1"/>
-              <a:t>Melakukan</a:t>
-            </a:r>
-            <a:r>
-              <a:rPr lang="en-US" dirty="0"/>
-              <a:t> </a:t>
-            </a:r>
-            <a:r>
-              <a:rPr lang="en-US" dirty="0" err="1"/>
-              <a:t>renovasi</a:t>
-            </a:r>
-            <a:r>
-              <a:rPr lang="en-US" dirty="0"/>
-              <a:t> </a:t>
-            </a:r>
-            <a:r>
-              <a:rPr lang="en-US" dirty="0" err="1"/>
-              <a:t>berkala</a:t>
-            </a:r>
-            <a:r>
-              <a:rPr lang="en-US" dirty="0"/>
-              <a:t> dan </a:t>
-            </a:r>
-            <a:r>
-              <a:rPr lang="en-US" dirty="0" err="1"/>
-              <a:t>memastikan</a:t>
-            </a:r>
-            <a:r>
-              <a:rPr lang="en-US" dirty="0"/>
-              <a:t> </a:t>
-            </a:r>
-            <a:r>
-              <a:rPr lang="en-US" dirty="0" err="1"/>
-              <a:t>properti</a:t>
-            </a:r>
-            <a:r>
-              <a:rPr lang="en-US" dirty="0"/>
-              <a:t> </a:t>
-            </a:r>
-            <a:r>
-              <a:rPr lang="en-US" dirty="0" err="1"/>
-              <a:t>selalu</a:t>
-            </a:r>
-            <a:r>
-              <a:rPr lang="en-US" dirty="0"/>
-              <a:t> </a:t>
-            </a:r>
-            <a:r>
-              <a:rPr lang="en-US" dirty="0" err="1"/>
-              <a:t>dalam</a:t>
-            </a:r>
-            <a:r>
-              <a:rPr lang="en-US" dirty="0"/>
-              <a:t> </a:t>
-            </a:r>
-            <a:r>
-              <a:rPr lang="en-US" dirty="0" err="1"/>
-              <a:t>kondisi</a:t>
-            </a:r>
-            <a:r>
-              <a:rPr lang="en-US" dirty="0"/>
-              <a:t> </a:t>
-            </a:r>
-            <a:r>
-              <a:rPr lang="en-US" dirty="0" err="1"/>
-              <a:t>terbaik</a:t>
-            </a:r>
-            <a:r>
-              <a:rPr lang="en-US" dirty="0"/>
-              <a:t> </a:t>
-            </a:r>
-            <a:r>
-              <a:rPr lang="en-US" dirty="0" err="1"/>
-              <a:t>untuk</a:t>
-            </a:r>
-            <a:r>
-              <a:rPr lang="en-US" dirty="0"/>
-              <a:t> </a:t>
-            </a:r>
-            <a:r>
-              <a:rPr lang="en-US" dirty="0" err="1"/>
-              <a:t>menciptakan</a:t>
-            </a:r>
-            <a:r>
-              <a:rPr lang="en-US" dirty="0"/>
-              <a:t> </a:t>
-            </a:r>
-            <a:r>
-              <a:rPr lang="en-US" dirty="0" err="1"/>
-              <a:t>pengalaman</a:t>
-            </a:r>
-            <a:r>
-              <a:rPr lang="en-US" dirty="0"/>
-              <a:t> </a:t>
-            </a:r>
-            <a:r>
-              <a:rPr lang="en-US" dirty="0" err="1"/>
-              <a:t>tamu</a:t>
-            </a:r>
-            <a:r>
-              <a:rPr lang="en-US" dirty="0"/>
-              <a:t> yang </a:t>
-            </a:r>
-            <a:r>
-              <a:rPr lang="en-US" dirty="0" err="1"/>
-              <a:t>luar</a:t>
-            </a:r>
-            <a:r>
-              <a:rPr lang="en-US" dirty="0"/>
-              <a:t> </a:t>
-            </a:r>
-            <a:r>
-              <a:rPr lang="en-US" dirty="0" err="1"/>
-              <a:t>biasa</a:t>
-            </a:r>
-            <a:r>
-              <a:rPr lang="en-US" dirty="0"/>
-              <a:t>, </a:t>
-            </a:r>
-            <a:r>
-              <a:rPr lang="en-US" dirty="0" err="1"/>
-              <a:t>sehingga</a:t>
-            </a:r>
-            <a:r>
-              <a:rPr lang="en-US" dirty="0"/>
-              <a:t> </a:t>
-            </a:r>
-            <a:r>
-              <a:rPr lang="en-US" dirty="0" err="1"/>
-              <a:t>meningkatkan</a:t>
-            </a:r>
-            <a:r>
-              <a:rPr lang="en-US" dirty="0"/>
-              <a:t> </a:t>
-            </a:r>
-            <a:r>
-              <a:rPr lang="en-US" dirty="0" err="1"/>
-              <a:t>ulasan</a:t>
-            </a:r>
-            <a:r>
-              <a:rPr lang="en-US" dirty="0"/>
-              <a:t> </a:t>
-            </a:r>
-            <a:r>
-              <a:rPr lang="en-US" dirty="0" err="1"/>
-              <a:t>positif</a:t>
-            </a:r>
-            <a:r>
-              <a:rPr lang="en-US" dirty="0"/>
-              <a:t> dan </a:t>
-            </a:r>
-            <a:r>
-              <a:rPr lang="en-US" dirty="0" err="1"/>
-              <a:t>peringkat</a:t>
-            </a:r>
-            <a:r>
-              <a:rPr lang="en-US" dirty="0"/>
-              <a:t> </a:t>
-            </a:r>
-            <a:r>
-              <a:rPr lang="en-US" dirty="0" err="1"/>
-              <a:t>properti</a:t>
-            </a:r>
-            <a:r>
-              <a:rPr lang="en-US" dirty="0"/>
-              <a:t>.</a:t>
-            </a:r>
-          </a:p>
-          <a:p>
-            <a:r>
-              <a:rPr lang="en-US" b="1" dirty="0"/>
-              <a:t>3. </a:t>
-            </a:r>
-            <a:r>
-              <a:rPr lang="en-US" b="1" dirty="0" err="1"/>
-              <a:t>Pemasaran</a:t>
-            </a:r>
-            <a:r>
-              <a:rPr lang="en-US" b="1" dirty="0"/>
-              <a:t> Digital dan Branding</a:t>
-            </a:r>
-          </a:p>
-          <a:p>
-            <a:pPr>
-              <a:buFont typeface="Arial" panose="020B0604020202020204" pitchFamily="34" charset="0"/>
-              <a:buChar char="•"/>
-            </a:pPr>
-            <a:r>
-              <a:rPr lang="en-US" b="1" dirty="0" err="1"/>
-              <a:t>Optimalisasi</a:t>
-            </a:r>
-            <a:r>
-              <a:rPr lang="en-US" b="1" dirty="0"/>
-              <a:t> SEO Listing</a:t>
-            </a:r>
-            <a:r>
-              <a:rPr lang="en-US" dirty="0"/>
-              <a:t>: </a:t>
-            </a:r>
-            <a:r>
-              <a:rPr lang="en-US" dirty="0" err="1"/>
-              <a:t>Menggunakan</a:t>
-            </a:r>
-            <a:r>
-              <a:rPr lang="en-US" dirty="0"/>
-              <a:t> kata </a:t>
-            </a:r>
-            <a:r>
-              <a:rPr lang="en-US" dirty="0" err="1"/>
-              <a:t>kunci</a:t>
-            </a:r>
-            <a:r>
-              <a:rPr lang="en-US" dirty="0"/>
-              <a:t> yang </a:t>
-            </a:r>
-            <a:r>
-              <a:rPr lang="en-US" dirty="0" err="1"/>
-              <a:t>relevan</a:t>
-            </a:r>
-            <a:r>
-              <a:rPr lang="en-US" dirty="0"/>
-              <a:t>, </a:t>
-            </a:r>
-            <a:r>
-              <a:rPr lang="en-US" dirty="0" err="1"/>
-              <a:t>foto</a:t>
-            </a:r>
-            <a:r>
-              <a:rPr lang="en-US" dirty="0"/>
-              <a:t> </a:t>
-            </a:r>
-            <a:r>
-              <a:rPr lang="en-US" dirty="0" err="1"/>
-              <a:t>berkualitas</a:t>
-            </a:r>
-            <a:r>
-              <a:rPr lang="en-US" dirty="0"/>
-              <a:t> </a:t>
-            </a:r>
-            <a:r>
-              <a:rPr lang="en-US" dirty="0" err="1"/>
-              <a:t>tinggi</a:t>
-            </a:r>
-            <a:r>
-              <a:rPr lang="en-US" dirty="0"/>
-              <a:t>, dan </a:t>
-            </a:r>
-            <a:r>
-              <a:rPr lang="en-US" dirty="0" err="1"/>
-              <a:t>deskripsi</a:t>
-            </a:r>
-            <a:r>
-              <a:rPr lang="en-US" dirty="0"/>
-              <a:t> yang </a:t>
-            </a:r>
-            <a:r>
-              <a:rPr lang="en-US" dirty="0" err="1"/>
-              <a:t>menarik</a:t>
-            </a:r>
-            <a:r>
-              <a:rPr lang="en-US" dirty="0"/>
-              <a:t> </a:t>
-            </a:r>
-            <a:r>
-              <a:rPr lang="en-US" dirty="0" err="1"/>
-              <a:t>untuk</a:t>
-            </a:r>
-            <a:r>
-              <a:rPr lang="en-US" dirty="0"/>
-              <a:t> </a:t>
-            </a:r>
-            <a:r>
-              <a:rPr lang="en-US" dirty="0" err="1"/>
-              <a:t>memastikan</a:t>
-            </a:r>
-            <a:r>
-              <a:rPr lang="en-US" dirty="0"/>
-              <a:t> listing </a:t>
-            </a:r>
-            <a:r>
-              <a:rPr lang="en-US" dirty="0" err="1"/>
-              <a:t>muncul</a:t>
-            </a:r>
-            <a:r>
-              <a:rPr lang="en-US" dirty="0"/>
-              <a:t> di </a:t>
-            </a:r>
-            <a:r>
-              <a:rPr lang="en-US" dirty="0" err="1"/>
-              <a:t>hasil</a:t>
-            </a:r>
-            <a:r>
-              <a:rPr lang="en-US" dirty="0"/>
-              <a:t> </a:t>
-            </a:r>
-            <a:r>
-              <a:rPr lang="en-US" dirty="0" err="1"/>
-              <a:t>pencarian</a:t>
-            </a:r>
-            <a:r>
-              <a:rPr lang="en-US" dirty="0"/>
-              <a:t> </a:t>
-            </a:r>
-            <a:r>
-              <a:rPr lang="en-US" dirty="0" err="1"/>
-              <a:t>teratas</a:t>
-            </a:r>
-            <a:r>
-              <a:rPr lang="en-US" dirty="0"/>
-              <a:t> di platform Airbnb.</a:t>
-            </a:r>
-          </a:p>
-          <a:p>
-            <a:pPr>
-              <a:buFont typeface="Arial" panose="020B0604020202020204" pitchFamily="34" charset="0"/>
-              <a:buChar char="•"/>
-            </a:pPr>
-            <a:r>
-              <a:rPr lang="en-US" b="1" dirty="0" err="1"/>
-              <a:t>Kampanye</a:t>
-            </a:r>
-            <a:r>
-              <a:rPr lang="en-US" b="1" dirty="0"/>
-              <a:t> Media </a:t>
-            </a:r>
-            <a:r>
-              <a:rPr lang="en-US" b="1" dirty="0" err="1"/>
-              <a:t>Sosial</a:t>
-            </a:r>
-            <a:r>
-              <a:rPr lang="en-US" dirty="0"/>
-              <a:t>: </a:t>
-            </a:r>
-            <a:r>
-              <a:rPr lang="en-US" dirty="0" err="1"/>
-              <a:t>Menggunakan</a:t>
-            </a:r>
-            <a:r>
-              <a:rPr lang="en-US" dirty="0"/>
-              <a:t> platform media </a:t>
-            </a:r>
-            <a:r>
-              <a:rPr lang="en-US" dirty="0" err="1"/>
-              <a:t>sosial</a:t>
-            </a:r>
-            <a:r>
-              <a:rPr lang="en-US" dirty="0"/>
-              <a:t> </a:t>
-            </a:r>
-            <a:r>
-              <a:rPr lang="en-US" dirty="0" err="1"/>
-              <a:t>untuk</a:t>
-            </a:r>
-            <a:r>
-              <a:rPr lang="en-US" dirty="0"/>
-              <a:t> </a:t>
-            </a:r>
-            <a:r>
-              <a:rPr lang="en-US" dirty="0" err="1"/>
-              <a:t>mempromosikan</a:t>
-            </a:r>
-            <a:r>
-              <a:rPr lang="en-US" dirty="0"/>
-              <a:t> </a:t>
-            </a:r>
-            <a:r>
-              <a:rPr lang="en-US" dirty="0" err="1"/>
-              <a:t>properti</a:t>
-            </a:r>
-            <a:r>
-              <a:rPr lang="en-US" dirty="0"/>
-              <a:t>, </a:t>
-            </a:r>
-            <a:r>
-              <a:rPr lang="en-US" dirty="0" err="1"/>
-              <a:t>menargetkan</a:t>
-            </a:r>
-            <a:r>
-              <a:rPr lang="en-US" dirty="0"/>
-              <a:t> </a:t>
-            </a:r>
-            <a:r>
-              <a:rPr lang="en-US" dirty="0" err="1"/>
-              <a:t>kelompok</a:t>
-            </a:r>
-            <a:r>
-              <a:rPr lang="en-US" dirty="0"/>
-              <a:t> </a:t>
-            </a:r>
-            <a:r>
-              <a:rPr lang="en-US" dirty="0" err="1"/>
-              <a:t>wisatawan</a:t>
-            </a:r>
-            <a:r>
-              <a:rPr lang="en-US" dirty="0"/>
-              <a:t> </a:t>
-            </a:r>
-            <a:r>
-              <a:rPr lang="en-US" dirty="0" err="1"/>
-              <a:t>tertentu</a:t>
-            </a:r>
-            <a:r>
-              <a:rPr lang="en-US" dirty="0"/>
-              <a:t>, dan </a:t>
-            </a:r>
-            <a:r>
-              <a:rPr lang="en-US" dirty="0" err="1"/>
-              <a:t>membangun</a:t>
-            </a:r>
-            <a:r>
-              <a:rPr lang="en-US" dirty="0"/>
-              <a:t> </a:t>
-            </a:r>
-            <a:r>
-              <a:rPr lang="en-US" dirty="0" err="1"/>
-              <a:t>merek</a:t>
-            </a:r>
-            <a:r>
-              <a:rPr lang="en-US" dirty="0"/>
-              <a:t> yang </a:t>
-            </a:r>
-            <a:r>
-              <a:rPr lang="en-US" dirty="0" err="1"/>
-              <a:t>kuat</a:t>
-            </a:r>
-            <a:r>
-              <a:rPr lang="en-US" dirty="0"/>
-              <a:t> di pasar </a:t>
-            </a:r>
-            <a:r>
-              <a:rPr lang="en-US" dirty="0" err="1"/>
-              <a:t>lokal</a:t>
-            </a:r>
-            <a:r>
-              <a:rPr lang="en-US" dirty="0"/>
-              <a:t> dan </a:t>
-            </a:r>
-            <a:r>
-              <a:rPr lang="en-US" dirty="0" err="1"/>
-              <a:t>internasional</a:t>
-            </a:r>
-            <a:r>
-              <a:rPr lang="en-US" dirty="0"/>
-              <a:t>.</a:t>
-            </a:r>
-          </a:p>
-          <a:p>
-            <a:r>
-              <a:rPr lang="en-US" b="1" dirty="0"/>
-              <a:t>4. </a:t>
-            </a:r>
-            <a:r>
-              <a:rPr lang="en-US" b="1" dirty="0" err="1"/>
-              <a:t>Pengalaman</a:t>
-            </a:r>
-            <a:r>
-              <a:rPr lang="en-US" b="1" dirty="0"/>
-              <a:t> </a:t>
-            </a:r>
-            <a:r>
-              <a:rPr lang="en-US" b="1" dirty="0" err="1"/>
-              <a:t>Tamu</a:t>
-            </a:r>
-            <a:r>
-              <a:rPr lang="en-US" b="1" dirty="0"/>
-              <a:t> yang </a:t>
-            </a:r>
-            <a:r>
-              <a:rPr lang="en-US" b="1" dirty="0" err="1"/>
-              <a:t>Luar</a:t>
-            </a:r>
-            <a:r>
-              <a:rPr lang="en-US" b="1" dirty="0"/>
-              <a:t> </a:t>
-            </a:r>
-            <a:r>
-              <a:rPr lang="en-US" b="1" dirty="0" err="1"/>
-              <a:t>Biasa</a:t>
-            </a:r>
-            <a:endParaRPr lang="en-US" b="1" dirty="0"/>
-          </a:p>
-          <a:p>
-            <a:pPr>
-              <a:buFont typeface="Arial" panose="020B0604020202020204" pitchFamily="34" charset="0"/>
-              <a:buChar char="•"/>
-            </a:pPr>
-            <a:r>
-              <a:rPr lang="en-US" b="1" dirty="0" err="1"/>
-              <a:t>Personalisasi</a:t>
-            </a:r>
-            <a:r>
-              <a:rPr lang="en-US" b="1" dirty="0"/>
-              <a:t> </a:t>
-            </a:r>
-            <a:r>
-              <a:rPr lang="en-US" b="1" dirty="0" err="1"/>
-              <a:t>Layanan</a:t>
-            </a:r>
-            <a:r>
-              <a:rPr lang="en-US" dirty="0"/>
-              <a:t>: </a:t>
-            </a:r>
-            <a:r>
-              <a:rPr lang="en-US" dirty="0" err="1"/>
-              <a:t>Memberikan</a:t>
-            </a:r>
-            <a:r>
-              <a:rPr lang="en-US" dirty="0"/>
-              <a:t> </a:t>
-            </a:r>
-            <a:r>
-              <a:rPr lang="en-US" dirty="0" err="1"/>
-              <a:t>layanan</a:t>
-            </a:r>
-            <a:r>
-              <a:rPr lang="en-US" dirty="0"/>
-              <a:t> yang </a:t>
-            </a:r>
-            <a:r>
-              <a:rPr lang="en-US" dirty="0" err="1"/>
-              <a:t>dipersonalisasi</a:t>
-            </a:r>
-            <a:r>
-              <a:rPr lang="en-US" dirty="0"/>
-              <a:t>, </a:t>
-            </a:r>
-            <a:r>
-              <a:rPr lang="en-US" dirty="0" err="1"/>
-              <a:t>seperti</a:t>
-            </a:r>
-            <a:r>
-              <a:rPr lang="en-US" dirty="0"/>
-              <a:t> </a:t>
-            </a:r>
-            <a:r>
-              <a:rPr lang="en-US" dirty="0" err="1"/>
-              <a:t>menyambut</a:t>
-            </a:r>
-            <a:r>
-              <a:rPr lang="en-US" dirty="0"/>
-              <a:t> </a:t>
-            </a:r>
-            <a:r>
-              <a:rPr lang="en-US" dirty="0" err="1"/>
-              <a:t>tamu</a:t>
-            </a:r>
-            <a:r>
-              <a:rPr lang="en-US" dirty="0"/>
-              <a:t> </a:t>
-            </a:r>
-            <a:r>
-              <a:rPr lang="en-US" dirty="0" err="1"/>
-              <a:t>dengan</a:t>
-            </a:r>
-            <a:r>
-              <a:rPr lang="en-US" dirty="0"/>
-              <a:t> </a:t>
-            </a:r>
-            <a:r>
-              <a:rPr lang="en-US" dirty="0" err="1"/>
-              <a:t>keranjang</a:t>
-            </a:r>
-            <a:r>
-              <a:rPr lang="en-US" dirty="0"/>
-              <a:t> </a:t>
-            </a:r>
-            <a:r>
-              <a:rPr lang="en-US" dirty="0" err="1"/>
-              <a:t>selamat</a:t>
-            </a:r>
-            <a:r>
-              <a:rPr lang="en-US" dirty="0"/>
-              <a:t> </a:t>
-            </a:r>
-            <a:r>
-              <a:rPr lang="en-US" dirty="0" err="1"/>
-              <a:t>datang</a:t>
-            </a:r>
-            <a:r>
-              <a:rPr lang="en-US" dirty="0"/>
-              <a:t> </a:t>
-            </a:r>
-            <a:r>
-              <a:rPr lang="en-US" dirty="0" err="1"/>
-              <a:t>atau</a:t>
-            </a:r>
-            <a:r>
-              <a:rPr lang="en-US" dirty="0"/>
-              <a:t> </a:t>
-            </a:r>
-            <a:r>
-              <a:rPr lang="en-US" dirty="0" err="1"/>
-              <a:t>menyediakan</a:t>
-            </a:r>
-            <a:r>
-              <a:rPr lang="en-US" dirty="0"/>
-              <a:t> </a:t>
-            </a:r>
-            <a:r>
-              <a:rPr lang="en-US" dirty="0" err="1"/>
-              <a:t>rekomendasi</a:t>
-            </a:r>
-            <a:r>
-              <a:rPr lang="en-US" dirty="0"/>
-              <a:t> </a:t>
-            </a:r>
-            <a:r>
-              <a:rPr lang="en-US" dirty="0" err="1"/>
-              <a:t>lokal</a:t>
-            </a:r>
-            <a:r>
-              <a:rPr lang="en-US" dirty="0"/>
-              <a:t> yang </a:t>
-            </a:r>
-            <a:r>
-              <a:rPr lang="en-US" dirty="0" err="1"/>
-              <a:t>dipersonalisasi</a:t>
-            </a:r>
-            <a:r>
-              <a:rPr lang="en-US" dirty="0"/>
-              <a:t> </a:t>
-            </a:r>
-            <a:r>
-              <a:rPr lang="en-US" dirty="0" err="1"/>
-              <a:t>untuk</a:t>
-            </a:r>
-            <a:r>
-              <a:rPr lang="en-US" dirty="0"/>
-              <a:t> </a:t>
-            </a:r>
-            <a:r>
-              <a:rPr lang="en-US" dirty="0" err="1"/>
-              <a:t>tempat</a:t>
-            </a:r>
-            <a:r>
-              <a:rPr lang="en-US" dirty="0"/>
-              <a:t> </a:t>
-            </a:r>
-            <a:r>
-              <a:rPr lang="en-US" dirty="0" err="1"/>
-              <a:t>makan</a:t>
-            </a:r>
-            <a:r>
-              <a:rPr lang="en-US" dirty="0"/>
-              <a:t> dan </a:t>
-            </a:r>
-            <a:r>
-              <a:rPr lang="en-US" dirty="0" err="1"/>
-              <a:t>atraksi</a:t>
-            </a:r>
-            <a:r>
-              <a:rPr lang="en-US" dirty="0"/>
-              <a:t>.</a:t>
-            </a:r>
-          </a:p>
-          <a:p>
-            <a:pPr>
-              <a:buFont typeface="Arial" panose="020B0604020202020204" pitchFamily="34" charset="0"/>
-              <a:buChar char="•"/>
-            </a:pPr>
-            <a:r>
-              <a:rPr lang="en-US" b="1" dirty="0" err="1"/>
-              <a:t>Layanan</a:t>
-            </a:r>
-            <a:r>
-              <a:rPr lang="en-US" b="1" dirty="0"/>
-              <a:t> </a:t>
-            </a:r>
-            <a:r>
-              <a:rPr lang="en-US" b="1" dirty="0" err="1"/>
-              <a:t>Tambahan</a:t>
-            </a:r>
-            <a:r>
-              <a:rPr lang="en-US" dirty="0"/>
-              <a:t>: </a:t>
-            </a:r>
-            <a:r>
-              <a:rPr lang="en-US" dirty="0" err="1"/>
-              <a:t>Menawarkan</a:t>
-            </a:r>
-            <a:r>
-              <a:rPr lang="en-US" dirty="0"/>
-              <a:t> </a:t>
-            </a:r>
-            <a:r>
-              <a:rPr lang="en-US" dirty="0" err="1"/>
-              <a:t>layanan</a:t>
-            </a:r>
-            <a:r>
-              <a:rPr lang="en-US" dirty="0"/>
-              <a:t> </a:t>
-            </a:r>
-            <a:r>
-              <a:rPr lang="en-US" dirty="0" err="1"/>
-              <a:t>tambahan</a:t>
-            </a:r>
-            <a:r>
-              <a:rPr lang="en-US" dirty="0"/>
-              <a:t> </a:t>
-            </a:r>
-            <a:r>
-              <a:rPr lang="en-US" dirty="0" err="1"/>
-              <a:t>seperti</a:t>
-            </a:r>
-            <a:r>
-              <a:rPr lang="en-US" dirty="0"/>
-              <a:t> </a:t>
-            </a:r>
-            <a:r>
-              <a:rPr lang="en-US" dirty="0" err="1"/>
-              <a:t>antar-jemput</a:t>
-            </a:r>
-            <a:r>
-              <a:rPr lang="en-US" dirty="0"/>
-              <a:t> </a:t>
-            </a:r>
-            <a:r>
-              <a:rPr lang="en-US" dirty="0" err="1"/>
-              <a:t>bandara</a:t>
-            </a:r>
-            <a:r>
-              <a:rPr lang="en-US" dirty="0"/>
-              <a:t>, </a:t>
-            </a:r>
-            <a:r>
-              <a:rPr lang="en-US" dirty="0" err="1"/>
-              <a:t>penyewaan</a:t>
-            </a:r>
-            <a:r>
-              <a:rPr lang="en-US" dirty="0"/>
-              <a:t> </a:t>
-            </a:r>
-            <a:r>
-              <a:rPr lang="en-US" dirty="0" err="1"/>
-              <a:t>sepeda</a:t>
-            </a:r>
-            <a:r>
-              <a:rPr lang="en-US" dirty="0"/>
-              <a:t>, </a:t>
-            </a:r>
-            <a:r>
-              <a:rPr lang="en-US" dirty="0" err="1"/>
-              <a:t>atau</a:t>
-            </a:r>
-            <a:r>
-              <a:rPr lang="en-US" dirty="0"/>
-              <a:t> tur </a:t>
-            </a:r>
-            <a:r>
-              <a:rPr lang="en-US" dirty="0" err="1"/>
-              <a:t>lokal</a:t>
-            </a:r>
-            <a:r>
-              <a:rPr lang="en-US" dirty="0"/>
-              <a:t> </a:t>
-            </a:r>
-            <a:r>
-              <a:rPr lang="en-US" dirty="0" err="1"/>
-              <a:t>untuk</a:t>
-            </a:r>
-            <a:r>
-              <a:rPr lang="en-US" dirty="0"/>
-              <a:t> </a:t>
-            </a:r>
-            <a:r>
-              <a:rPr lang="en-US" dirty="0" err="1"/>
-              <a:t>meningkatkan</a:t>
-            </a:r>
-            <a:r>
-              <a:rPr lang="en-US" dirty="0"/>
-              <a:t> </a:t>
-            </a:r>
-            <a:r>
-              <a:rPr lang="en-US" dirty="0" err="1"/>
-              <a:t>nilai</a:t>
-            </a:r>
-            <a:r>
-              <a:rPr lang="en-US" dirty="0"/>
-              <a:t> dan </a:t>
-            </a:r>
-            <a:r>
-              <a:rPr lang="en-US" dirty="0" err="1"/>
-              <a:t>daya</a:t>
-            </a:r>
-            <a:r>
-              <a:rPr lang="en-US" dirty="0"/>
-              <a:t> </a:t>
-            </a:r>
-            <a:r>
-              <a:rPr lang="en-US" dirty="0" err="1"/>
-              <a:t>tarik</a:t>
-            </a:r>
-            <a:r>
-              <a:rPr lang="en-US" dirty="0"/>
-              <a:t> </a:t>
-            </a:r>
-            <a:r>
-              <a:rPr lang="en-US" dirty="0" err="1"/>
-              <a:t>properti</a:t>
-            </a:r>
-            <a:r>
-              <a:rPr lang="en-US" dirty="0"/>
-              <a:t>.</a:t>
-            </a:r>
-          </a:p>
-          <a:p>
-            <a:r>
-              <a:rPr lang="en-US" b="1" dirty="0"/>
-              <a:t>5. </a:t>
-            </a:r>
-            <a:r>
-              <a:rPr lang="en-US" b="1" dirty="0" err="1"/>
-              <a:t>Kolaborasi</a:t>
-            </a:r>
-            <a:r>
-              <a:rPr lang="en-US" b="1" dirty="0"/>
-              <a:t> </a:t>
-            </a:r>
-            <a:r>
-              <a:rPr lang="en-US" b="1" dirty="0" err="1"/>
-              <a:t>dengan</a:t>
-            </a:r>
-            <a:r>
-              <a:rPr lang="en-US" b="1" dirty="0"/>
-              <a:t> </a:t>
-            </a:r>
-            <a:r>
-              <a:rPr lang="en-US" b="1" dirty="0" err="1"/>
-              <a:t>Bisnis</a:t>
-            </a:r>
-            <a:r>
-              <a:rPr lang="en-US" b="1" dirty="0"/>
-              <a:t> </a:t>
-            </a:r>
-            <a:r>
-              <a:rPr lang="en-US" b="1" dirty="0" err="1"/>
-              <a:t>Lokal</a:t>
-            </a:r>
-            <a:endParaRPr lang="en-US" b="1" dirty="0"/>
-          </a:p>
-          <a:p>
-            <a:pPr>
-              <a:buFont typeface="Arial" panose="020B0604020202020204" pitchFamily="34" charset="0"/>
-              <a:buChar char="•"/>
-            </a:pPr>
-            <a:r>
-              <a:rPr lang="en-US" b="1" dirty="0" err="1"/>
-              <a:t>Kemitraan</a:t>
-            </a:r>
-            <a:r>
-              <a:rPr lang="en-US" b="1" dirty="0"/>
-              <a:t> </a:t>
-            </a:r>
-            <a:r>
-              <a:rPr lang="en-US" b="1" dirty="0" err="1"/>
-              <a:t>dengan</a:t>
-            </a:r>
-            <a:r>
-              <a:rPr lang="en-US" b="1" dirty="0"/>
-              <a:t> </a:t>
-            </a:r>
-            <a:r>
-              <a:rPr lang="en-US" b="1" dirty="0" err="1"/>
-              <a:t>Restoran</a:t>
-            </a:r>
-            <a:r>
-              <a:rPr lang="en-US" b="1" dirty="0"/>
-              <a:t> dan </a:t>
-            </a:r>
-            <a:r>
-              <a:rPr lang="en-US" b="1" dirty="0" err="1"/>
-              <a:t>Atraksi</a:t>
-            </a:r>
-            <a:r>
-              <a:rPr lang="en-US" dirty="0"/>
-              <a:t>: </a:t>
-            </a:r>
-            <a:r>
-              <a:rPr lang="en-US" dirty="0" err="1"/>
-              <a:t>Bekerja</a:t>
-            </a:r>
-            <a:r>
-              <a:rPr lang="en-US" dirty="0"/>
-              <a:t> </a:t>
-            </a:r>
-            <a:r>
-              <a:rPr lang="en-US" dirty="0" err="1"/>
-              <a:t>sama</a:t>
-            </a:r>
-            <a:r>
-              <a:rPr lang="en-US" dirty="0"/>
-              <a:t> </a:t>
-            </a:r>
-            <a:r>
-              <a:rPr lang="en-US" dirty="0" err="1"/>
-              <a:t>dengan</a:t>
-            </a:r>
-            <a:r>
-              <a:rPr lang="en-US" dirty="0"/>
-              <a:t> </a:t>
-            </a:r>
-            <a:r>
-              <a:rPr lang="en-US" dirty="0" err="1"/>
-              <a:t>restoran</a:t>
-            </a:r>
-            <a:r>
-              <a:rPr lang="en-US" dirty="0"/>
-              <a:t>, </a:t>
-            </a:r>
-            <a:r>
-              <a:rPr lang="en-US" dirty="0" err="1"/>
-              <a:t>tempat</a:t>
-            </a:r>
-            <a:r>
-              <a:rPr lang="en-US" dirty="0"/>
-              <a:t> </a:t>
-            </a:r>
-            <a:r>
-              <a:rPr lang="en-US" dirty="0" err="1"/>
-              <a:t>wisata</a:t>
-            </a:r>
-            <a:r>
-              <a:rPr lang="en-US" dirty="0"/>
-              <a:t>, </a:t>
-            </a:r>
-            <a:r>
-              <a:rPr lang="en-US" dirty="0" err="1"/>
-              <a:t>atau</a:t>
-            </a:r>
-            <a:r>
-              <a:rPr lang="en-US" dirty="0"/>
-              <a:t> </a:t>
-            </a:r>
-            <a:r>
-              <a:rPr lang="en-US" dirty="0" err="1"/>
-              <a:t>penyedia</a:t>
-            </a:r>
-            <a:r>
-              <a:rPr lang="en-US" dirty="0"/>
-              <a:t> </a:t>
-            </a:r>
-            <a:r>
-              <a:rPr lang="en-US" dirty="0" err="1"/>
-              <a:t>layanan</a:t>
-            </a:r>
-            <a:r>
-              <a:rPr lang="en-US" dirty="0"/>
-              <a:t> </a:t>
-            </a:r>
-            <a:r>
-              <a:rPr lang="en-US" dirty="0" err="1"/>
-              <a:t>lokal</a:t>
-            </a:r>
-            <a:r>
-              <a:rPr lang="en-US" dirty="0"/>
-              <a:t> </a:t>
-            </a:r>
-            <a:r>
-              <a:rPr lang="en-US" dirty="0" err="1"/>
-              <a:t>untuk</a:t>
-            </a:r>
-            <a:r>
-              <a:rPr lang="en-US" dirty="0"/>
-              <a:t> </a:t>
-            </a:r>
-            <a:r>
-              <a:rPr lang="en-US" dirty="0" err="1"/>
-              <a:t>menawarkan</a:t>
-            </a:r>
-            <a:r>
-              <a:rPr lang="en-US" dirty="0"/>
-              <a:t> </a:t>
-            </a:r>
-            <a:r>
-              <a:rPr lang="en-US" dirty="0" err="1"/>
-              <a:t>diskon</a:t>
-            </a:r>
-            <a:r>
-              <a:rPr lang="en-US" dirty="0"/>
-              <a:t> </a:t>
-            </a:r>
-            <a:r>
-              <a:rPr lang="en-US" dirty="0" err="1"/>
-              <a:t>atau</a:t>
-            </a:r>
-            <a:r>
-              <a:rPr lang="en-US" dirty="0"/>
-              <a:t> </a:t>
-            </a:r>
-            <a:r>
-              <a:rPr lang="en-US" dirty="0" err="1"/>
-              <a:t>pengalaman</a:t>
-            </a:r>
-            <a:r>
-              <a:rPr lang="en-US" dirty="0"/>
-              <a:t> </a:t>
-            </a:r>
-            <a:r>
-              <a:rPr lang="en-US" dirty="0" err="1"/>
-              <a:t>eksklusif</a:t>
-            </a:r>
-            <a:r>
-              <a:rPr lang="en-US" dirty="0"/>
-              <a:t> </a:t>
-            </a:r>
-            <a:r>
-              <a:rPr lang="en-US" dirty="0" err="1"/>
-              <a:t>kepada</a:t>
-            </a:r>
-            <a:r>
-              <a:rPr lang="en-US" dirty="0"/>
-              <a:t> </a:t>
-            </a:r>
-            <a:r>
-              <a:rPr lang="en-US" dirty="0" err="1"/>
-              <a:t>tamu</a:t>
-            </a:r>
-            <a:r>
-              <a:rPr lang="en-US" dirty="0"/>
-              <a:t>.</a:t>
-            </a:r>
-          </a:p>
-          <a:p>
-            <a:pPr>
-              <a:buFont typeface="Arial" panose="020B0604020202020204" pitchFamily="34" charset="0"/>
-              <a:buChar char="•"/>
-            </a:pPr>
-            <a:r>
-              <a:rPr lang="en-US" b="1" dirty="0"/>
-              <a:t>Acara dan </a:t>
-            </a:r>
-            <a:r>
-              <a:rPr lang="en-US" b="1" dirty="0" err="1"/>
-              <a:t>Promosi</a:t>
-            </a:r>
-            <a:r>
-              <a:rPr lang="en-US" b="1" dirty="0"/>
-              <a:t> </a:t>
-            </a:r>
-            <a:r>
-              <a:rPr lang="en-US" b="1" dirty="0" err="1"/>
-              <a:t>Lokal</a:t>
-            </a:r>
-            <a:r>
-              <a:rPr lang="en-US" dirty="0"/>
-              <a:t>: </a:t>
-            </a:r>
-            <a:r>
-              <a:rPr lang="en-US" dirty="0" err="1"/>
-              <a:t>Mengikuti</a:t>
-            </a:r>
-            <a:r>
-              <a:rPr lang="en-US" dirty="0"/>
-              <a:t> acara </a:t>
-            </a:r>
-            <a:r>
-              <a:rPr lang="en-US" dirty="0" err="1"/>
-              <a:t>lokal</a:t>
-            </a:r>
-            <a:r>
-              <a:rPr lang="en-US" dirty="0"/>
-              <a:t> </a:t>
-            </a:r>
-            <a:r>
-              <a:rPr lang="en-US" dirty="0" err="1"/>
-              <a:t>atau</a:t>
-            </a:r>
-            <a:r>
-              <a:rPr lang="en-US" dirty="0"/>
-              <a:t> festival </a:t>
-            </a:r>
-            <a:r>
-              <a:rPr lang="en-US" dirty="0" err="1"/>
-              <a:t>dengan</a:t>
-            </a:r>
-            <a:r>
-              <a:rPr lang="en-US" dirty="0"/>
-              <a:t> </a:t>
-            </a:r>
-            <a:r>
-              <a:rPr lang="en-US" dirty="0" err="1"/>
-              <a:t>menawarkan</a:t>
-            </a:r>
-            <a:r>
-              <a:rPr lang="en-US" dirty="0"/>
-              <a:t> </a:t>
-            </a:r>
-            <a:r>
-              <a:rPr lang="en-US" dirty="0" err="1"/>
-              <a:t>paket</a:t>
-            </a:r>
-            <a:r>
-              <a:rPr lang="en-US" dirty="0"/>
-              <a:t> </a:t>
-            </a:r>
-            <a:r>
-              <a:rPr lang="en-US" dirty="0" err="1"/>
-              <a:t>khusus</a:t>
-            </a:r>
-            <a:r>
-              <a:rPr lang="en-US" dirty="0"/>
-              <a:t> yang </a:t>
-            </a:r>
-            <a:r>
-              <a:rPr lang="en-US" dirty="0" err="1"/>
-              <a:t>menggabungkan</a:t>
-            </a:r>
-            <a:r>
-              <a:rPr lang="en-US" dirty="0"/>
-              <a:t> </a:t>
-            </a:r>
-            <a:r>
-              <a:rPr lang="en-US" dirty="0" err="1"/>
-              <a:t>penginapan</a:t>
-            </a:r>
-            <a:r>
-              <a:rPr lang="en-US" dirty="0"/>
-              <a:t> </a:t>
-            </a:r>
-            <a:r>
-              <a:rPr lang="en-US" dirty="0" err="1"/>
-              <a:t>dengan</a:t>
-            </a:r>
-            <a:r>
-              <a:rPr lang="en-US" dirty="0"/>
-              <a:t> </a:t>
-            </a:r>
-            <a:r>
-              <a:rPr lang="en-US" dirty="0" err="1"/>
-              <a:t>akses</a:t>
-            </a:r>
-            <a:r>
-              <a:rPr lang="en-US" dirty="0"/>
-              <a:t> </a:t>
-            </a:r>
-            <a:r>
-              <a:rPr lang="en-US" dirty="0" err="1"/>
-              <a:t>ke</a:t>
-            </a:r>
-            <a:r>
-              <a:rPr lang="en-US" dirty="0"/>
-              <a:t> acara-acara </a:t>
-            </a:r>
-            <a:r>
-              <a:rPr lang="en-US" dirty="0" err="1"/>
-              <a:t>tersebut</a:t>
-            </a:r>
-            <a:r>
-              <a:rPr lang="en-US" dirty="0"/>
-              <a:t>.</a:t>
-            </a:r>
-          </a:p>
-          <a:p>
             <a:endParaRPr lang="en-US" dirty="0"/>
           </a:p>
         </p:txBody>
@@ -18333,14 +17059,14 @@
           <p:nvPr>
             <p:extLst>
               <p:ext uri="{D42A27DB-BD31-4B8C-83A1-F6EECF244321}">
-                <p14:modId xmlns:p14="http://schemas.microsoft.com/office/powerpoint/2010/main" val="2350558180"/>
+                <p14:modId xmlns:p14="http://schemas.microsoft.com/office/powerpoint/2010/main" val="619658492"/>
               </p:ext>
             </p:extLst>
           </p:nvPr>
         </p:nvGraphicFramePr>
         <p:xfrm>
-          <a:off x="1524000" y="2118360"/>
-          <a:ext cx="6096000" cy="4064000"/>
+          <a:off x="1524000" y="1690689"/>
+          <a:ext cx="6600092" cy="4491671"/>
         </p:xfrm>
         <a:graphic>
           <a:graphicData uri="http://schemas.openxmlformats.org/drawingml/2006/diagram">
@@ -19407,7 +18133,7 @@
                 <a:effectLst/>
                 <a:latin typeface="Arial" panose="020B0604020202020204" pitchFamily="34" charset="0"/>
               </a:rPr>
-              <a:t>Penggunaan</a:t>
+              <a:t>Wisatawan</a:t>
             </a:r>
             <a:r>
               <a:rPr kumimoji="0" lang="en-US" altLang="en-US" sz="1800" b="0" i="0" u="none" strike="noStrike" cap="none" normalizeH="0" baseline="0" dirty="0">
@@ -19420,7 +18146,7 @@
                 <a:effectLst/>
                 <a:latin typeface="Arial" panose="020B0604020202020204" pitchFamily="34" charset="0"/>
               </a:rPr>
-              <a:t> Airbnb oleh </a:t>
+              <a:t> yang </a:t>
             </a:r>
             <a:r>
               <a:rPr kumimoji="0" lang="en-US" altLang="en-US" sz="1800" b="0" i="0" u="none" strike="noStrike" cap="none" normalizeH="0" baseline="0" dirty="0" err="1">
@@ -19433,7 +18159,7 @@
                 <a:effectLst/>
                 <a:latin typeface="Arial" panose="020B0604020202020204" pitchFamily="34" charset="0"/>
               </a:rPr>
-              <a:t>wisatawan</a:t>
+              <a:t>berkunjung</a:t>
             </a:r>
             <a:r>
               <a:rPr kumimoji="0" lang="en-US" altLang="en-US" sz="1800" b="0" i="0" u="none" strike="noStrike" cap="none" normalizeH="0" baseline="0" dirty="0">
@@ -19446,7 +18172,7 @@
                 <a:effectLst/>
                 <a:latin typeface="Arial" panose="020B0604020202020204" pitchFamily="34" charset="0"/>
               </a:rPr>
-              <a:t> yang </a:t>
+              <a:t> </a:t>
             </a:r>
             <a:r>
               <a:rPr kumimoji="0" lang="en-US" altLang="en-US" sz="1800" b="0" i="0" u="none" strike="noStrike" cap="none" normalizeH="0" baseline="0" dirty="0" err="1">
@@ -19459,7 +18185,7 @@
                 <a:effectLst/>
                 <a:latin typeface="Arial" panose="020B0604020202020204" pitchFamily="34" charset="0"/>
               </a:rPr>
-              <a:t>berkunjung</a:t>
+              <a:t>ke</a:t>
             </a:r>
             <a:r>
               <a:rPr kumimoji="0" lang="en-US" altLang="en-US" sz="1800" b="0" i="0" u="none" strike="noStrike" cap="none" normalizeH="0" baseline="0" dirty="0">
@@ -19485,7 +18211,7 @@
                 <a:effectLst/>
                 <a:latin typeface="Arial" panose="020B0604020202020204" pitchFamily="34" charset="0"/>
               </a:rPr>
-              <a:t>ke</a:t>
+              <a:t>bangkok</a:t>
             </a:r>
             <a:r>
               <a:rPr kumimoji="0" lang="en-US" altLang="en-US" sz="1800" b="0" i="0" u="none" strike="noStrike" cap="none" normalizeH="0" baseline="0" dirty="0">
@@ -19511,7 +18237,7 @@
                 <a:effectLst/>
                 <a:latin typeface="Arial" panose="020B0604020202020204" pitchFamily="34" charset="0"/>
               </a:rPr>
-              <a:t>bangkok</a:t>
+              <a:t>meningkat</a:t>
             </a:r>
             <a:r>
               <a:rPr kumimoji="0" lang="en-US" altLang="en-US" sz="1800" b="0" i="0" u="none" strike="noStrike" cap="none" normalizeH="0" baseline="0" dirty="0">
@@ -19524,7 +18250,7 @@
                 <a:effectLst/>
                 <a:latin typeface="Arial" panose="020B0604020202020204" pitchFamily="34" charset="0"/>
               </a:rPr>
-              <a:t> </a:t>
+              <a:t> 60% </a:t>
             </a:r>
             <a:r>
               <a:rPr kumimoji="0" lang="en-US" altLang="en-US" sz="1800" b="0" i="0" u="none" strike="noStrike" cap="none" normalizeH="0" baseline="0" dirty="0" err="1">
@@ -19537,7 +18263,7 @@
                 <a:effectLst/>
                 <a:latin typeface="Arial" panose="020B0604020202020204" pitchFamily="34" charset="0"/>
               </a:rPr>
-              <a:t>meningkat</a:t>
+              <a:t>berpeluang</a:t>
             </a:r>
             <a:r>
               <a:rPr kumimoji="0" lang="en-US" altLang="en-US" sz="1800" b="0" i="0" u="none" strike="noStrike" cap="none" normalizeH="0" baseline="0" dirty="0">
@@ -19550,8 +18276,57 @@
                 <a:effectLst/>
                 <a:latin typeface="Arial" panose="020B0604020202020204" pitchFamily="34" charset="0"/>
               </a:rPr>
-              <a:t> 60%</a:t>
-            </a:r>
+              <a:t> pada </a:t>
+            </a:r>
+            <a:r>
+              <a:rPr kumimoji="0" lang="en-US" altLang="en-US" sz="1800" b="0" i="0" u="none" strike="noStrike" cap="none" normalizeH="0" baseline="0" dirty="0" err="1">
+                <a:ln>
+                  <a:noFill/>
+                </a:ln>
+                <a:solidFill>
+                  <a:schemeClr val="tx1"/>
+                </a:solidFill>
+                <a:effectLst/>
+                <a:latin typeface="Arial" panose="020B0604020202020204" pitchFamily="34" charset="0"/>
+              </a:rPr>
+              <a:t>peningkatan</a:t>
+            </a:r>
+            <a:r>
+              <a:rPr kumimoji="0" lang="en-US" altLang="en-US" sz="1800" b="0" i="0" u="none" strike="noStrike" cap="none" normalizeH="0" baseline="0" dirty="0">
+                <a:ln>
+                  <a:noFill/>
+                </a:ln>
+                <a:solidFill>
+                  <a:schemeClr val="tx1"/>
+                </a:solidFill>
+                <a:effectLst/>
+                <a:latin typeface="Arial" panose="020B0604020202020204" pitchFamily="34" charset="0"/>
+              </a:rPr>
+              <a:t> </a:t>
+            </a:r>
+            <a:r>
+              <a:rPr kumimoji="0" lang="en-US" altLang="en-US" sz="1800" b="0" i="0" u="none" strike="noStrike" cap="none" normalizeH="0" baseline="0" dirty="0" err="1">
+                <a:ln>
+                  <a:noFill/>
+                </a:ln>
+                <a:solidFill>
+                  <a:schemeClr val="tx1"/>
+                </a:solidFill>
+                <a:effectLst/>
+                <a:latin typeface="Arial" panose="020B0604020202020204" pitchFamily="34" charset="0"/>
+              </a:rPr>
+              <a:t>bisnis</a:t>
+            </a:r>
+            <a:endParaRPr kumimoji="0" lang="en-US" altLang="en-US" sz="1800" b="0" i="0" u="none" strike="noStrike" cap="none" normalizeH="0" baseline="0" dirty="0">
+              <a:ln>
+                <a:noFill/>
+              </a:ln>
+              <a:solidFill>
+                <a:schemeClr val="tx1"/>
+              </a:solidFill>
+              <a:effectLst/>
+              <a:latin typeface="Arial" panose="020B0604020202020204" pitchFamily="34" charset="0"/>
+            </a:endParaRPr>
           </a:p>
           <a:p>
             <a:pPr marL="285750" marR="0" lvl="0" indent="-285750" algn="l" defTabSz="914400" rtl="0" eaLnBrk="0" fontAlgn="base" latinLnBrk="0" hangingPunct="0">
